--- a/졸작_기획/[수정][제안서] Revenger_김승환_허재성_이세철.pptx
+++ b/졸작_기획/[수정][제안서] Revenger_김승환_허재성_이세철.pptx
@@ -5,7 +5,7 @@
     <p:sldMasterId id="2147483648" r:id="rId1"/>
   </p:sldMasterIdLst>
   <p:notesMasterIdLst>
-    <p:notesMasterId r:id="rId20"/>
+    <p:notesMasterId r:id="rId21"/>
   </p:notesMasterIdLst>
   <p:sldIdLst>
     <p:sldId id="265" r:id="rId2"/>
@@ -21,31 +21,32 @@
     <p:sldId id="305" r:id="rId12"/>
     <p:sldId id="346" r:id="rId13"/>
     <p:sldId id="348" r:id="rId14"/>
-    <p:sldId id="335" r:id="rId15"/>
-    <p:sldId id="336" r:id="rId16"/>
-    <p:sldId id="337" r:id="rId17"/>
-    <p:sldId id="261" r:id="rId18"/>
-    <p:sldId id="289" r:id="rId19"/>
+    <p:sldId id="349" r:id="rId15"/>
+    <p:sldId id="335" r:id="rId16"/>
+    <p:sldId id="336" r:id="rId17"/>
+    <p:sldId id="337" r:id="rId18"/>
+    <p:sldId id="261" r:id="rId19"/>
+    <p:sldId id="289" r:id="rId20"/>
   </p:sldIdLst>
   <p:sldSz cx="12192000" cy="6858000"/>
   <p:notesSz cx="6858000" cy="9144000"/>
   <p:embeddedFontLst>
     <p:embeddedFont>
       <p:font typeface="Cambria Math" panose="02040503050406030204" pitchFamily="18" charset="0"/>
-      <p:regular r:id="rId21"/>
+      <p:regular r:id="rId22"/>
     </p:embeddedFont>
     <p:embeddedFont>
       <p:font typeface="나눔스퀘어 Bold" panose="020B0600000101010101" pitchFamily="50" charset="-127"/>
-      <p:bold r:id="rId22"/>
+      <p:bold r:id="rId23"/>
     </p:embeddedFont>
     <p:embeddedFont>
       <p:font typeface="나눔스퀘어 ExtraBold" panose="020B0600000101010101" pitchFamily="50" charset="-127"/>
-      <p:bold r:id="rId23"/>
+      <p:bold r:id="rId24"/>
     </p:embeddedFont>
     <p:embeddedFont>
       <p:font typeface="맑은 고딕" panose="020B0503020000020004" pitchFamily="50" charset="-127"/>
-      <p:regular r:id="rId24"/>
-      <p:bold r:id="rId25"/>
+      <p:regular r:id="rId25"/>
+      <p:bold r:id="rId26"/>
     </p:embeddedFont>
   </p:embeddedFontLst>
   <p:defaultTextStyle>
@@ -12529,9 +12530,9 @@
         <p:grpSpPr>
           <a:xfrm>
             <a:off x="639464" y="1201479"/>
-            <a:ext cx="2602553" cy="467354"/>
+            <a:ext cx="3354361" cy="467354"/>
             <a:chOff x="832325" y="1253416"/>
-            <a:chExt cx="2602553" cy="467354"/>
+            <a:chExt cx="3354361" cy="467354"/>
           </a:xfrm>
         </p:grpSpPr>
         <p:sp>
@@ -12615,7 +12616,7 @@
           <p:spPr>
             <a:xfrm>
               <a:off x="1235237" y="1259105"/>
-              <a:ext cx="2199641" cy="461665"/>
+              <a:ext cx="2951449" cy="461665"/>
             </a:xfrm>
             <a:prstGeom prst="rect">
               <a:avLst/>
@@ -12653,7 +12654,7 @@
                   <a:latin typeface="맑은 고딕" panose="020B0503020000020004" pitchFamily="50" charset="-127"/>
                   <a:ea typeface="맑은 고딕" panose="020B0503020000020004" pitchFamily="50" charset="-127"/>
                 </a:rPr>
-                <a:t>NPC - </a:t>
+                <a:t>NPC – </a:t>
               </a:r>
               <a:r>
                 <a:rPr lang="ko-KR" altLang="en-US" sz="2400" b="1" spc="-150">
@@ -12663,7 +12664,37 @@
                   <a:latin typeface="맑은 고딕" panose="020B0503020000020004" pitchFamily="50" charset="-127"/>
                   <a:ea typeface="맑은 고딕" panose="020B0503020000020004" pitchFamily="50" charset="-127"/>
                 </a:rPr>
-                <a:t>인공지능</a:t>
+                <a:t>인공지능 </a:t>
+              </a:r>
+              <a:r>
+                <a:rPr lang="en-US" altLang="ko-KR" sz="2400" b="1" spc="-150">
+                  <a:solidFill>
+                    <a:schemeClr val="tx1"/>
+                  </a:solidFill>
+                  <a:latin typeface="맑은 고딕" panose="020B0503020000020004" pitchFamily="50" charset="-127"/>
+                  <a:ea typeface="맑은 고딕" panose="020B0503020000020004" pitchFamily="50" charset="-127"/>
+                </a:rPr>
+                <a:t>(1</a:t>
+              </a:r>
+              <a:r>
+                <a:rPr lang="ko-KR" altLang="en-US" sz="2400" b="1" spc="-150">
+                  <a:solidFill>
+                    <a:schemeClr val="tx1"/>
+                  </a:solidFill>
+                  <a:latin typeface="맑은 고딕" panose="020B0503020000020004" pitchFamily="50" charset="-127"/>
+                  <a:ea typeface="맑은 고딕" panose="020B0503020000020004" pitchFamily="50" charset="-127"/>
+                </a:rPr>
+                <a:t>안</a:t>
+              </a:r>
+              <a:r>
+                <a:rPr lang="en-US" altLang="ko-KR" sz="2400" b="1" spc="-150">
+                  <a:solidFill>
+                    <a:schemeClr val="tx1"/>
+                  </a:solidFill>
+                  <a:latin typeface="맑은 고딕" panose="020B0503020000020004" pitchFamily="50" charset="-127"/>
+                  <a:ea typeface="맑은 고딕" panose="020B0503020000020004" pitchFamily="50" charset="-127"/>
+                </a:rPr>
+                <a:t>)</a:t>
               </a:r>
               <a:endParaRPr lang="ko-KR" altLang="en-US" sz="4400" b="1" spc="-150" dirty="0">
                 <a:solidFill>
@@ -13047,6 +13078,771 @@
 </file>
 
 <file path=ppt/slides/slide14.xml><?xml version="1.0" encoding="utf-8"?>
+<p:sld xmlns:a="http://schemas.openxmlformats.org/drawingml/2006/main" xmlns:r="http://schemas.openxmlformats.org/officeDocument/2006/relationships" xmlns:p="http://schemas.openxmlformats.org/presentationml/2006/main">
+  <p:cSld>
+    <p:spTree>
+      <p:nvGrpSpPr>
+        <p:cNvPr id="1" name=""/>
+        <p:cNvGrpSpPr/>
+        <p:nvPr/>
+      </p:nvGrpSpPr>
+      <p:grpSpPr>
+        <a:xfrm>
+          <a:off x="0" y="0"/>
+          <a:ext cx="0" cy="0"/>
+          <a:chOff x="0" y="0"/>
+          <a:chExt cx="0" cy="0"/>
+        </a:xfrm>
+      </p:grpSpPr>
+      <p:sp>
+        <p:nvSpPr>
+          <p:cNvPr id="26" name="직사각형 25">
+            <a:extLst>
+              <a:ext uri="{FF2B5EF4-FFF2-40B4-BE49-F238E27FC236}">
+                <a16:creationId xmlns:a16="http://schemas.microsoft.com/office/drawing/2014/main" id="{684EF79F-DF34-4728-AEFD-F50FD5C3D2A9}"/>
+              </a:ext>
+            </a:extLst>
+          </p:cNvPr>
+          <p:cNvSpPr/>
+          <p:nvPr/>
+        </p:nvSpPr>
+        <p:spPr>
+          <a:xfrm>
+            <a:off x="0" y="0"/>
+            <a:ext cx="121920" cy="1076960"/>
+          </a:xfrm>
+          <a:prstGeom prst="rect">
+            <a:avLst/>
+          </a:prstGeom>
+          <a:ln>
+            <a:noFill/>
+          </a:ln>
+        </p:spPr>
+        <p:style>
+          <a:lnRef idx="2">
+            <a:schemeClr val="accent1">
+              <a:shade val="50000"/>
+            </a:schemeClr>
+          </a:lnRef>
+          <a:fillRef idx="1">
+            <a:schemeClr val="accent1"/>
+          </a:fillRef>
+          <a:effectRef idx="0">
+            <a:schemeClr val="accent1"/>
+          </a:effectRef>
+          <a:fontRef idx="minor">
+            <a:schemeClr val="lt1"/>
+          </a:fontRef>
+        </p:style>
+        <p:txBody>
+          <a:bodyPr rtlCol="0" anchor="ctr"/>
+          <a:lstStyle/>
+          <a:p>
+            <a:pPr algn="ctr"/>
+            <a:endParaRPr lang="ko-KR" altLang="en-US">
+              <a:latin typeface="맑은 고딕" panose="020B0503020000020004" pitchFamily="50" charset="-127"/>
+              <a:ea typeface="맑은 고딕" panose="020B0503020000020004" pitchFamily="50" charset="-127"/>
+            </a:endParaRPr>
+          </a:p>
+        </p:txBody>
+      </p:sp>
+      <p:sp>
+        <p:nvSpPr>
+          <p:cNvPr id="27" name="직사각형 26">
+            <a:extLst>
+              <a:ext uri="{FF2B5EF4-FFF2-40B4-BE49-F238E27FC236}">
+                <a16:creationId xmlns:a16="http://schemas.microsoft.com/office/drawing/2014/main" id="{1C60B24E-FF0D-4CCB-BB69-32DE9F3BF9B3}"/>
+              </a:ext>
+            </a:extLst>
+          </p:cNvPr>
+          <p:cNvSpPr/>
+          <p:nvPr/>
+        </p:nvSpPr>
+        <p:spPr>
+          <a:xfrm rot="5400000">
+            <a:off x="269240" y="-147320"/>
+            <a:ext cx="121920" cy="416560"/>
+          </a:xfrm>
+          <a:prstGeom prst="rect">
+            <a:avLst/>
+          </a:prstGeom>
+          <a:solidFill>
+            <a:schemeClr val="accent4"/>
+          </a:solidFill>
+          <a:ln>
+            <a:noFill/>
+          </a:ln>
+        </p:spPr>
+        <p:style>
+          <a:lnRef idx="2">
+            <a:schemeClr val="accent1">
+              <a:shade val="50000"/>
+            </a:schemeClr>
+          </a:lnRef>
+          <a:fillRef idx="1">
+            <a:schemeClr val="accent1"/>
+          </a:fillRef>
+          <a:effectRef idx="0">
+            <a:schemeClr val="accent1"/>
+          </a:effectRef>
+          <a:fontRef idx="minor">
+            <a:schemeClr val="lt1"/>
+          </a:fontRef>
+        </p:style>
+        <p:txBody>
+          <a:bodyPr rtlCol="0" anchor="ctr"/>
+          <a:lstStyle/>
+          <a:p>
+            <a:pPr algn="ctr"/>
+            <a:endParaRPr lang="ko-KR" altLang="en-US">
+              <a:latin typeface="맑은 고딕" panose="020B0503020000020004" pitchFamily="50" charset="-127"/>
+              <a:ea typeface="맑은 고딕" panose="020B0503020000020004" pitchFamily="50" charset="-127"/>
+            </a:endParaRPr>
+          </a:p>
+        </p:txBody>
+      </p:sp>
+      <p:cxnSp>
+        <p:nvCxnSpPr>
+          <p:cNvPr id="31" name="직선 연결선 30">
+            <a:extLst>
+              <a:ext uri="{FF2B5EF4-FFF2-40B4-BE49-F238E27FC236}">
+                <a16:creationId xmlns:a16="http://schemas.microsoft.com/office/drawing/2014/main" id="{308E8FA1-1048-4F43-B66E-160F2A7CA257}"/>
+              </a:ext>
+            </a:extLst>
+          </p:cNvPr>
+          <p:cNvCxnSpPr/>
+          <p:nvPr/>
+        </p:nvCxnSpPr>
+        <p:spPr>
+          <a:xfrm>
+            <a:off x="660400" y="1073885"/>
+            <a:ext cx="11531600" cy="0"/>
+          </a:xfrm>
+          <a:prstGeom prst="line">
+            <a:avLst/>
+          </a:prstGeom>
+          <a:ln>
+            <a:solidFill>
+              <a:schemeClr val="bg1">
+                <a:lumMod val="75000"/>
+              </a:schemeClr>
+            </a:solidFill>
+          </a:ln>
+        </p:spPr>
+        <p:style>
+          <a:lnRef idx="1">
+            <a:schemeClr val="accent1"/>
+          </a:lnRef>
+          <a:fillRef idx="0">
+            <a:schemeClr val="accent1"/>
+          </a:fillRef>
+          <a:effectRef idx="0">
+            <a:schemeClr val="accent1"/>
+          </a:effectRef>
+          <a:fontRef idx="minor">
+            <a:schemeClr val="tx1"/>
+          </a:fontRef>
+        </p:style>
+      </p:cxnSp>
+      <p:cxnSp>
+        <p:nvCxnSpPr>
+          <p:cNvPr id="32" name="직선 연결선 31">
+            <a:extLst>
+              <a:ext uri="{FF2B5EF4-FFF2-40B4-BE49-F238E27FC236}">
+                <a16:creationId xmlns:a16="http://schemas.microsoft.com/office/drawing/2014/main" id="{C445E85E-7AD7-1804-F768-DE865E67BB45}"/>
+              </a:ext>
+            </a:extLst>
+          </p:cNvPr>
+          <p:cNvCxnSpPr>
+            <a:cxnSpLocks/>
+          </p:cNvCxnSpPr>
+          <p:nvPr/>
+        </p:nvCxnSpPr>
+        <p:spPr>
+          <a:xfrm>
+            <a:off x="776177" y="6666617"/>
+            <a:ext cx="7252087" cy="0"/>
+          </a:xfrm>
+          <a:prstGeom prst="line">
+            <a:avLst/>
+          </a:prstGeom>
+          <a:ln>
+            <a:solidFill>
+              <a:schemeClr val="tx1">
+                <a:lumMod val="50000"/>
+                <a:lumOff val="50000"/>
+              </a:schemeClr>
+            </a:solidFill>
+          </a:ln>
+        </p:spPr>
+        <p:style>
+          <a:lnRef idx="1">
+            <a:schemeClr val="accent1"/>
+          </a:lnRef>
+          <a:fillRef idx="0">
+            <a:schemeClr val="accent1"/>
+          </a:fillRef>
+          <a:effectRef idx="0">
+            <a:schemeClr val="accent1"/>
+          </a:effectRef>
+          <a:fontRef idx="minor">
+            <a:schemeClr val="tx1"/>
+          </a:fontRef>
+        </p:style>
+      </p:cxnSp>
+      <p:grpSp>
+        <p:nvGrpSpPr>
+          <p:cNvPr id="10" name="그룹 9">
+            <a:extLst>
+              <a:ext uri="{FF2B5EF4-FFF2-40B4-BE49-F238E27FC236}">
+                <a16:creationId xmlns:a16="http://schemas.microsoft.com/office/drawing/2014/main" id="{5025102D-0DD0-3E36-C82C-5BFE243213EF}"/>
+              </a:ext>
+            </a:extLst>
+          </p:cNvPr>
+          <p:cNvGrpSpPr/>
+          <p:nvPr/>
+        </p:nvGrpSpPr>
+        <p:grpSpPr>
+          <a:xfrm>
+            <a:off x="639464" y="1201479"/>
+            <a:ext cx="3705419" cy="467354"/>
+            <a:chOff x="832325" y="1253416"/>
+            <a:chExt cx="3705419" cy="467354"/>
+          </a:xfrm>
+        </p:grpSpPr>
+        <p:sp>
+          <p:nvSpPr>
+            <p:cNvPr id="12" name="TextBox 11">
+              <a:extLst>
+                <a:ext uri="{FF2B5EF4-FFF2-40B4-BE49-F238E27FC236}">
+                  <a16:creationId xmlns:a16="http://schemas.microsoft.com/office/drawing/2014/main" id="{313917F8-0F62-BE68-D4F3-2771B6984406}"/>
+                </a:ext>
+              </a:extLst>
+            </p:cNvPr>
+            <p:cNvSpPr txBox="1"/>
+            <p:nvPr/>
+          </p:nvSpPr>
+          <p:spPr>
+            <a:xfrm>
+              <a:off x="832325" y="1253416"/>
+              <a:ext cx="410690" cy="461665"/>
+            </a:xfrm>
+            <a:prstGeom prst="rect">
+              <a:avLst/>
+            </a:prstGeom>
+            <a:noFill/>
+            <a:ln>
+              <a:noFill/>
+            </a:ln>
+          </p:spPr>
+          <p:style>
+            <a:lnRef idx="0">
+              <a:scrgbClr r="0" g="0" b="0"/>
+            </a:lnRef>
+            <a:fillRef idx="0">
+              <a:scrgbClr r="0" g="0" b="0"/>
+            </a:fillRef>
+            <a:effectRef idx="0">
+              <a:scrgbClr r="0" g="0" b="0"/>
+            </a:effectRef>
+            <a:fontRef idx="minor">
+              <a:schemeClr val="lt1"/>
+            </a:fontRef>
+          </p:style>
+          <p:txBody>
+            <a:bodyPr wrap="square" rtlCol="0">
+              <a:spAutoFit/>
+            </a:bodyPr>
+            <a:lstStyle/>
+            <a:p>
+              <a:pPr algn="ctr"/>
+              <a:r>
+                <a:rPr lang="en-US" altLang="ko-KR" sz="2400">
+                  <a:solidFill>
+                    <a:schemeClr val="tx1"/>
+                  </a:solidFill>
+                  <a:latin typeface="맑은 고딕" panose="020B0503020000020004" pitchFamily="50" charset="-127"/>
+                  <a:ea typeface="맑은 고딕" panose="020B0503020000020004" pitchFamily="50" charset="-127"/>
+                </a:rPr>
+                <a:t>3)</a:t>
+              </a:r>
+              <a:endParaRPr lang="ko-KR" altLang="en-US" sz="2400" dirty="0">
+                <a:solidFill>
+                  <a:schemeClr val="tx1"/>
+                </a:solidFill>
+                <a:latin typeface="맑은 고딕" panose="020B0503020000020004" pitchFamily="50" charset="-127"/>
+                <a:ea typeface="맑은 고딕" panose="020B0503020000020004" pitchFamily="50" charset="-127"/>
+              </a:endParaRPr>
+            </a:p>
+          </p:txBody>
+        </p:sp>
+        <p:sp>
+          <p:nvSpPr>
+            <p:cNvPr id="14" name="TextBox 13">
+              <a:extLst>
+                <a:ext uri="{FF2B5EF4-FFF2-40B4-BE49-F238E27FC236}">
+                  <a16:creationId xmlns:a16="http://schemas.microsoft.com/office/drawing/2014/main" id="{CC890150-5057-8A59-CB4B-9F5133D31C7B}"/>
+                </a:ext>
+              </a:extLst>
+            </p:cNvPr>
+            <p:cNvSpPr txBox="1"/>
+            <p:nvPr/>
+          </p:nvSpPr>
+          <p:spPr>
+            <a:xfrm>
+              <a:off x="1235237" y="1259105"/>
+              <a:ext cx="3302507" cy="461665"/>
+            </a:xfrm>
+            <a:prstGeom prst="rect">
+              <a:avLst/>
+            </a:prstGeom>
+            <a:noFill/>
+            <a:ln>
+              <a:noFill/>
+            </a:ln>
+          </p:spPr>
+          <p:style>
+            <a:lnRef idx="0">
+              <a:scrgbClr r="0" g="0" b="0"/>
+            </a:lnRef>
+            <a:fillRef idx="0">
+              <a:scrgbClr r="0" g="0" b="0"/>
+            </a:fillRef>
+            <a:effectRef idx="0">
+              <a:scrgbClr r="0" g="0" b="0"/>
+            </a:effectRef>
+            <a:fontRef idx="minor">
+              <a:schemeClr val="lt1"/>
+            </a:fontRef>
+          </p:style>
+          <p:txBody>
+            <a:bodyPr wrap="none" rtlCol="0">
+              <a:spAutoFit/>
+            </a:bodyPr>
+            <a:lstStyle/>
+            <a:p>
+              <a:r>
+                <a:rPr lang="ko-KR" altLang="en-US" sz="2400" b="1" spc="-150">
+                  <a:solidFill>
+                    <a:schemeClr val="tx1"/>
+                  </a:solidFill>
+                  <a:latin typeface="맑은 고딕" panose="020B0503020000020004" pitchFamily="50" charset="-127"/>
+                  <a:ea typeface="맑은 고딕" panose="020B0503020000020004" pitchFamily="50" charset="-127"/>
+                </a:rPr>
+                <a:t>쉐이더 프로그래밍 </a:t>
+              </a:r>
+              <a:r>
+                <a:rPr lang="en-US" altLang="ko-KR" sz="2400" b="1" spc="-150">
+                  <a:solidFill>
+                    <a:schemeClr val="tx1"/>
+                  </a:solidFill>
+                  <a:latin typeface="맑은 고딕" panose="020B0503020000020004" pitchFamily="50" charset="-127"/>
+                  <a:ea typeface="맑은 고딕" panose="020B0503020000020004" pitchFamily="50" charset="-127"/>
+                </a:rPr>
+                <a:t>(2</a:t>
+              </a:r>
+              <a:r>
+                <a:rPr lang="ko-KR" altLang="en-US" sz="2400" b="1" spc="-150">
+                  <a:solidFill>
+                    <a:schemeClr val="tx1"/>
+                  </a:solidFill>
+                  <a:latin typeface="맑은 고딕" panose="020B0503020000020004" pitchFamily="50" charset="-127"/>
+                  <a:ea typeface="맑은 고딕" panose="020B0503020000020004" pitchFamily="50" charset="-127"/>
+                </a:rPr>
+                <a:t>안</a:t>
+              </a:r>
+              <a:r>
+                <a:rPr lang="en-US" altLang="ko-KR" sz="2400" b="1" spc="-150">
+                  <a:solidFill>
+                    <a:schemeClr val="tx1"/>
+                  </a:solidFill>
+                  <a:latin typeface="맑은 고딕" panose="020B0503020000020004" pitchFamily="50" charset="-127"/>
+                  <a:ea typeface="맑은 고딕" panose="020B0503020000020004" pitchFamily="50" charset="-127"/>
+                </a:rPr>
+                <a:t>)</a:t>
+              </a:r>
+              <a:endParaRPr lang="ko-KR" altLang="en-US" sz="4400" b="1" spc="-150" dirty="0">
+                <a:solidFill>
+                  <a:schemeClr val="tx1"/>
+                </a:solidFill>
+                <a:latin typeface="맑은 고딕" panose="020B0503020000020004" pitchFamily="50" charset="-127"/>
+                <a:ea typeface="맑은 고딕" panose="020B0503020000020004" pitchFamily="50" charset="-127"/>
+              </a:endParaRPr>
+            </a:p>
+          </p:txBody>
+        </p:sp>
+      </p:grpSp>
+      <p:sp>
+        <p:nvSpPr>
+          <p:cNvPr id="2" name="TextBox 1">
+            <a:extLst>
+              <a:ext uri="{FF2B5EF4-FFF2-40B4-BE49-F238E27FC236}">
+                <a16:creationId xmlns:a16="http://schemas.microsoft.com/office/drawing/2014/main" id="{35F596F6-8414-CF94-22E3-EDDDAE8C3AFC}"/>
+              </a:ext>
+            </a:extLst>
+          </p:cNvPr>
+          <p:cNvSpPr txBox="1"/>
+          <p:nvPr/>
+        </p:nvSpPr>
+        <p:spPr>
+          <a:xfrm>
+            <a:off x="660400" y="230703"/>
+            <a:ext cx="3140603" cy="615553"/>
+          </a:xfrm>
+          <a:prstGeom prst="rect">
+            <a:avLst/>
+          </a:prstGeom>
+          <a:noFill/>
+        </p:spPr>
+        <p:txBody>
+          <a:bodyPr wrap="square" rtlCol="0">
+            <a:spAutoFit/>
+          </a:bodyPr>
+          <a:lstStyle/>
+          <a:p>
+            <a:r>
+              <a:rPr lang="ko-KR" altLang="en-US" sz="3300" spc="-300">
+                <a:solidFill>
+                  <a:schemeClr val="tx1">
+                    <a:lumMod val="85000"/>
+                    <a:lumOff val="15000"/>
+                  </a:schemeClr>
+                </a:solidFill>
+                <a:latin typeface="맑은 고딕" panose="020B0503020000020004" pitchFamily="50" charset="-127"/>
+                <a:ea typeface="맑은 고딕" panose="020B0503020000020004" pitchFamily="50" charset="-127"/>
+              </a:rPr>
+              <a:t>중점 연구 분야</a:t>
+            </a:r>
+            <a:endParaRPr lang="ko-KR" altLang="en-US" sz="3300" spc="-300" dirty="0">
+              <a:solidFill>
+                <a:schemeClr val="tx1">
+                  <a:lumMod val="85000"/>
+                  <a:lumOff val="15000"/>
+                </a:schemeClr>
+              </a:solidFill>
+              <a:latin typeface="맑은 고딕" panose="020B0503020000020004" pitchFamily="50" charset="-127"/>
+              <a:ea typeface="맑은 고딕" panose="020B0503020000020004" pitchFamily="50" charset="-127"/>
+            </a:endParaRPr>
+          </a:p>
+        </p:txBody>
+      </p:sp>
+      <p:sp>
+        <p:nvSpPr>
+          <p:cNvPr id="3" name="TextBox 2">
+            <a:extLst>
+              <a:ext uri="{FF2B5EF4-FFF2-40B4-BE49-F238E27FC236}">
+                <a16:creationId xmlns:a16="http://schemas.microsoft.com/office/drawing/2014/main" id="{EC4B974D-4198-3588-B29E-D70282CF16E2}"/>
+              </a:ext>
+            </a:extLst>
+          </p:cNvPr>
+          <p:cNvSpPr txBox="1"/>
+          <p:nvPr/>
+        </p:nvSpPr>
+        <p:spPr>
+          <a:xfrm>
+            <a:off x="111760" y="81617"/>
+            <a:ext cx="542136" cy="830997"/>
+          </a:xfrm>
+          <a:prstGeom prst="rect">
+            <a:avLst/>
+          </a:prstGeom>
+          <a:noFill/>
+        </p:spPr>
+        <p:txBody>
+          <a:bodyPr wrap="none" rtlCol="0">
+            <a:spAutoFit/>
+          </a:bodyPr>
+          <a:lstStyle/>
+          <a:p>
+            <a:r>
+              <a:rPr lang="en-US" altLang="ko-KR" sz="4800" b="1">
+                <a:solidFill>
+                  <a:schemeClr val="bg1">
+                    <a:lumMod val="85000"/>
+                  </a:schemeClr>
+                </a:solidFill>
+                <a:latin typeface="맑은 고딕" panose="020B0503020000020004" pitchFamily="50" charset="-127"/>
+                <a:ea typeface="맑은 고딕" panose="020B0503020000020004" pitchFamily="50" charset="-127"/>
+              </a:rPr>
+              <a:t>4</a:t>
+            </a:r>
+            <a:endParaRPr lang="ko-KR" altLang="en-US" sz="4800" b="1" dirty="0">
+              <a:solidFill>
+                <a:schemeClr val="bg1">
+                  <a:lumMod val="85000"/>
+                </a:schemeClr>
+              </a:solidFill>
+              <a:latin typeface="맑은 고딕" panose="020B0503020000020004" pitchFamily="50" charset="-127"/>
+              <a:ea typeface="맑은 고딕" panose="020B0503020000020004" pitchFamily="50" charset="-127"/>
+            </a:endParaRPr>
+          </a:p>
+        </p:txBody>
+      </p:sp>
+      <p:sp>
+        <p:nvSpPr>
+          <p:cNvPr id="4" name="슬라이드 번호 개체 틀 1">
+            <a:extLst>
+              <a:ext uri="{FF2B5EF4-FFF2-40B4-BE49-F238E27FC236}">
+                <a16:creationId xmlns:a16="http://schemas.microsoft.com/office/drawing/2014/main" id="{49B366A4-D985-4E8A-80BC-F2A5080E6CC2}"/>
+              </a:ext>
+            </a:extLst>
+          </p:cNvPr>
+          <p:cNvSpPr>
+            <a:spLocks noGrp="1"/>
+          </p:cNvSpPr>
+          <p:nvPr>
+            <p:ph type="sldNum" sz="quarter" idx="12"/>
+          </p:nvPr>
+        </p:nvSpPr>
+        <p:spPr>
+          <a:xfrm>
+            <a:off x="11629748" y="6302570"/>
+            <a:ext cx="389878" cy="365125"/>
+          </a:xfrm>
+        </p:spPr>
+        <p:txBody>
+          <a:bodyPr vert="horz" lIns="91440" tIns="45720" rIns="91440" bIns="45720" rtlCol="0" anchor="ctr"/>
+          <a:lstStyle/>
+          <a:p>
+            <a:fld id="{BFDD92F1-F94B-4A11-B68E-69D397619E45}" type="slidenum">
+              <a:rPr lang="ko-KR" altLang="en-US">
+                <a:solidFill>
+                  <a:schemeClr val="tx1"/>
+                </a:solidFill>
+                <a:latin typeface="맑은 고딕" panose="020B0503020000020004" pitchFamily="50" charset="-127"/>
+                <a:ea typeface="맑은 고딕" panose="020B0503020000020004" pitchFamily="50" charset="-127"/>
+              </a:rPr>
+              <a:pPr/>
+              <a:t>14</a:t>
+            </a:fld>
+            <a:endParaRPr lang="ko-KR" altLang="en-US" dirty="0">
+              <a:solidFill>
+                <a:schemeClr val="tx1"/>
+              </a:solidFill>
+              <a:latin typeface="맑은 고딕" panose="020B0503020000020004" pitchFamily="50" charset="-127"/>
+              <a:ea typeface="맑은 고딕" panose="020B0503020000020004" pitchFamily="50" charset="-127"/>
+            </a:endParaRPr>
+          </a:p>
+        </p:txBody>
+      </p:sp>
+      <p:sp>
+        <p:nvSpPr>
+          <p:cNvPr id="5" name="직사각형 4">
+            <a:extLst>
+              <a:ext uri="{FF2B5EF4-FFF2-40B4-BE49-F238E27FC236}">
+                <a16:creationId xmlns:a16="http://schemas.microsoft.com/office/drawing/2014/main" id="{136C8328-2B32-94E3-78B9-19ECA43F443E}"/>
+              </a:ext>
+            </a:extLst>
+          </p:cNvPr>
+          <p:cNvSpPr/>
+          <p:nvPr/>
+        </p:nvSpPr>
+        <p:spPr>
+          <a:xfrm>
+            <a:off x="907154" y="1802115"/>
+            <a:ext cx="9196965" cy="4607743"/>
+          </a:xfrm>
+          <a:prstGeom prst="rect">
+            <a:avLst/>
+          </a:prstGeom>
+          <a:noFill/>
+          <a:ln>
+            <a:noFill/>
+          </a:ln>
+        </p:spPr>
+        <p:style>
+          <a:lnRef idx="2">
+            <a:schemeClr val="accent1">
+              <a:shade val="50000"/>
+            </a:schemeClr>
+          </a:lnRef>
+          <a:fillRef idx="1">
+            <a:schemeClr val="accent1"/>
+          </a:fillRef>
+          <a:effectRef idx="0">
+            <a:schemeClr val="accent1"/>
+          </a:effectRef>
+          <a:fontRef idx="minor">
+            <a:schemeClr val="lt1"/>
+          </a:fontRef>
+        </p:style>
+        <p:txBody>
+          <a:bodyPr rtlCol="0" anchor="t"/>
+          <a:lstStyle/>
+          <a:p>
+            <a:pPr marL="342900" marR="0" lvl="0" indent="-342900" fontAlgn="auto">
+              <a:spcBef>
+                <a:spcPts val="0"/>
+              </a:spcBef>
+              <a:spcAft>
+                <a:spcPts val="1000"/>
+              </a:spcAft>
+              <a:buClrTx/>
+              <a:buSzTx/>
+              <a:buFont typeface="Arial" panose="020B0604020202020204" pitchFamily="34" charset="0"/>
+              <a:buChar char="•"/>
+              <a:tabLst/>
+              <a:defRPr/>
+            </a:pPr>
+            <a:r>
+              <a:rPr lang="ko-KR" altLang="en-US" sz="2000" dirty="0">
+                <a:solidFill>
+                  <a:schemeClr val="tx1">
+                    <a:lumMod val="85000"/>
+                    <a:lumOff val="15000"/>
+                  </a:schemeClr>
+                </a:solidFill>
+                <a:latin typeface="맑은 고딕" panose="020B0503020000020004" pitchFamily="50" charset="-127"/>
+                <a:ea typeface="맑은 고딕" panose="020B0503020000020004" pitchFamily="50" charset="-127"/>
+              </a:rPr>
+              <a:t>게임 내 건물</a:t>
+            </a:r>
+            <a:r>
+              <a:rPr lang="en-US" altLang="ko-KR" sz="2000" dirty="0">
+                <a:solidFill>
+                  <a:schemeClr val="tx1">
+                    <a:lumMod val="85000"/>
+                    <a:lumOff val="15000"/>
+                  </a:schemeClr>
+                </a:solidFill>
+                <a:latin typeface="맑은 고딕" panose="020B0503020000020004" pitchFamily="50" charset="-127"/>
+                <a:ea typeface="맑은 고딕" panose="020B0503020000020004" pitchFamily="50" charset="-127"/>
+              </a:rPr>
+              <a:t>, </a:t>
+            </a:r>
+            <a:r>
+              <a:rPr lang="ko-KR" altLang="en-US" sz="2000" dirty="0">
+                <a:solidFill>
+                  <a:schemeClr val="tx1">
+                    <a:lumMod val="85000"/>
+                    <a:lumOff val="15000"/>
+                  </a:schemeClr>
+                </a:solidFill>
+                <a:latin typeface="맑은 고딕" panose="020B0503020000020004" pitchFamily="50" charset="-127"/>
+                <a:ea typeface="맑은 고딕" panose="020B0503020000020004" pitchFamily="50" charset="-127"/>
+              </a:rPr>
+              <a:t>헬기 등 모든 </a:t>
+            </a:r>
+            <a:r>
+              <a:rPr lang="ko-KR" altLang="en-US" sz="2000">
+                <a:solidFill>
+                  <a:schemeClr val="tx1">
+                    <a:lumMod val="85000"/>
+                    <a:lumOff val="15000"/>
+                  </a:schemeClr>
+                </a:solidFill>
+                <a:latin typeface="맑은 고딕" panose="020B0503020000020004" pitchFamily="50" charset="-127"/>
+                <a:ea typeface="맑은 고딕" panose="020B0503020000020004" pitchFamily="50" charset="-127"/>
+              </a:rPr>
+              <a:t>오브젝트에 실시간 그림자를 </a:t>
+            </a:r>
+            <a:r>
+              <a:rPr lang="ko-KR" altLang="en-US" sz="2000" dirty="0">
+                <a:solidFill>
+                  <a:schemeClr val="tx1">
+                    <a:lumMod val="85000"/>
+                    <a:lumOff val="15000"/>
+                  </a:schemeClr>
+                </a:solidFill>
+                <a:latin typeface="맑은 고딕" panose="020B0503020000020004" pitchFamily="50" charset="-127"/>
+                <a:ea typeface="맑은 고딕" panose="020B0503020000020004" pitchFamily="50" charset="-127"/>
+              </a:rPr>
+              <a:t>적용한다</a:t>
+            </a:r>
+            <a:r>
+              <a:rPr lang="en-US" altLang="ko-KR" sz="2000" dirty="0">
+                <a:solidFill>
+                  <a:schemeClr val="tx1">
+                    <a:lumMod val="85000"/>
+                    <a:lumOff val="15000"/>
+                  </a:schemeClr>
+                </a:solidFill>
+                <a:latin typeface="맑은 고딕" panose="020B0503020000020004" pitchFamily="50" charset="-127"/>
+                <a:ea typeface="맑은 고딕" panose="020B0503020000020004" pitchFamily="50" charset="-127"/>
+              </a:rPr>
+              <a:t>.</a:t>
+            </a:r>
+          </a:p>
+          <a:p>
+            <a:pPr marL="342900" marR="0" lvl="0" indent="-342900" fontAlgn="auto">
+              <a:spcBef>
+                <a:spcPts val="0"/>
+              </a:spcBef>
+              <a:spcAft>
+                <a:spcPts val="1000"/>
+              </a:spcAft>
+              <a:buClrTx/>
+              <a:buSzTx/>
+              <a:buFont typeface="Arial" panose="020B0604020202020204" pitchFamily="34" charset="0"/>
+              <a:buChar char="•"/>
+              <a:tabLst/>
+              <a:defRPr/>
+            </a:pPr>
+            <a:r>
+              <a:rPr lang="ko-KR" altLang="en-US" sz="2000">
+                <a:solidFill>
+                  <a:schemeClr val="tx1">
+                    <a:lumMod val="85000"/>
+                    <a:lumOff val="15000"/>
+                  </a:schemeClr>
+                </a:solidFill>
+                <a:latin typeface="맑은 고딕" panose="020B0503020000020004" pitchFamily="50" charset="-127"/>
+                <a:ea typeface="맑은 고딕" panose="020B0503020000020004" pitchFamily="50" charset="-127"/>
+              </a:rPr>
+              <a:t>범용 그림자 행렬을 이용하여 실시간 그림자를 계산해 보여준다</a:t>
+            </a:r>
+            <a:r>
+              <a:rPr lang="en-US" altLang="ko-KR" sz="2000">
+                <a:solidFill>
+                  <a:schemeClr val="tx1">
+                    <a:lumMod val="85000"/>
+                    <a:lumOff val="15000"/>
+                  </a:schemeClr>
+                </a:solidFill>
+                <a:latin typeface="맑은 고딕" panose="020B0503020000020004" pitchFamily="50" charset="-127"/>
+                <a:ea typeface="맑은 고딕" panose="020B0503020000020004" pitchFamily="50" charset="-127"/>
+              </a:rPr>
+              <a:t>.</a:t>
+            </a:r>
+            <a:endParaRPr lang="en-US" altLang="ko-KR" sz="2000" dirty="0">
+              <a:solidFill>
+                <a:schemeClr val="tx1">
+                  <a:lumMod val="85000"/>
+                  <a:lumOff val="15000"/>
+                </a:schemeClr>
+              </a:solidFill>
+              <a:latin typeface="맑은 고딕" panose="020B0503020000020004" pitchFamily="50" charset="-127"/>
+              <a:ea typeface="맑은 고딕" panose="020B0503020000020004" pitchFamily="50" charset="-127"/>
+            </a:endParaRPr>
+          </a:p>
+        </p:txBody>
+      </p:sp>
+    </p:spTree>
+    <p:extLst>
+      <p:ext uri="{BB962C8B-B14F-4D97-AF65-F5344CB8AC3E}">
+        <p14:creationId xmlns:p14="http://schemas.microsoft.com/office/powerpoint/2010/main" val="1818332106"/>
+      </p:ext>
+    </p:extLst>
+  </p:cSld>
+  <p:clrMapOvr>
+    <a:masterClrMapping/>
+  </p:clrMapOvr>
+  <mc:AlternateContent xmlns:mc="http://schemas.openxmlformats.org/markup-compatibility/2006" xmlns:p14="http://schemas.microsoft.com/office/powerpoint/2010/main">
+    <mc:Choice Requires="p14">
+      <p:transition spd="med" p14:dur="700">
+        <p:fade/>
+      </p:transition>
+    </mc:Choice>
+    <mc:Fallback xmlns="">
+      <p:transition spd="med">
+        <p:fade/>
+      </p:transition>
+    </mc:Fallback>
+  </mc:AlternateContent>
+</p:sld>
+</file>
+
+<file path=ppt/slides/slide15.xml><?xml version="1.0" encoding="utf-8"?>
 <p:sld xmlns:a="http://schemas.openxmlformats.org/drawingml/2006/main" xmlns:r="http://schemas.openxmlformats.org/officeDocument/2006/relationships" xmlns:p="http://schemas.openxmlformats.org/presentationml/2006/main" showMasterSp="0">
   <p:cSld>
     <p:spTree>
@@ -13514,7 +14310,7 @@
                 <a:ea typeface="맑은 고딕" panose="020B0503020000020004" pitchFamily="50" charset="-127"/>
               </a:rPr>
               <a:pPr/>
-              <a:t>14</a:t>
+              <a:t>15</a:t>
             </a:fld>
             <a:endParaRPr lang="ko-KR" altLang="en-US">
               <a:solidFill>
@@ -14091,7 +14887,7 @@
 </p:sld>
 </file>
 
-<file path=ppt/slides/slide15.xml><?xml version="1.0" encoding="utf-8"?>
+<file path=ppt/slides/slide16.xml><?xml version="1.0" encoding="utf-8"?>
 <p:sld xmlns:a="http://schemas.openxmlformats.org/drawingml/2006/main" xmlns:r="http://schemas.openxmlformats.org/officeDocument/2006/relationships" xmlns:p="http://schemas.openxmlformats.org/presentationml/2006/main" showMasterSp="0">
   <p:cSld>
     <p:spTree>
@@ -15428,7 +16224,7 @@
                 <a:ea typeface="맑은 고딕" panose="020B0503020000020004" pitchFamily="50" charset="-127"/>
               </a:rPr>
               <a:pPr/>
-              <a:t>15</a:t>
+              <a:t>16</a:t>
             </a:fld>
             <a:endParaRPr lang="ko-KR" altLang="en-US">
               <a:solidFill>
@@ -15465,7 +16261,7 @@
 </p:sld>
 </file>
 
-<file path=ppt/slides/slide16.xml><?xml version="1.0" encoding="utf-8"?>
+<file path=ppt/slides/slide17.xml><?xml version="1.0" encoding="utf-8"?>
 <p:sld xmlns:a="http://schemas.openxmlformats.org/drawingml/2006/main" xmlns:r="http://schemas.openxmlformats.org/officeDocument/2006/relationships" xmlns:p="http://schemas.openxmlformats.org/presentationml/2006/main" showMasterSp="0">
   <p:cSld>
     <p:spTree>
@@ -22897,7 +23693,7 @@
                 <a:ea typeface="맑은 고딕" panose="020B0503020000020004" pitchFamily="50" charset="-127"/>
               </a:rPr>
               <a:pPr/>
-              <a:t>16</a:t>
+              <a:t>17</a:t>
             </a:fld>
             <a:endParaRPr lang="ko-KR" altLang="en-US">
               <a:solidFill>
@@ -22934,7 +23730,7 @@
 </p:sld>
 </file>
 
-<file path=ppt/slides/slide17.xml><?xml version="1.0" encoding="utf-8"?>
+<file path=ppt/slides/slide18.xml><?xml version="1.0" encoding="utf-8"?>
 <p:sld xmlns:a="http://schemas.openxmlformats.org/drawingml/2006/main" xmlns:r="http://schemas.openxmlformats.org/officeDocument/2006/relationships" xmlns:p="http://schemas.openxmlformats.org/presentationml/2006/main">
   <p:cSld>
     <p:spTree>
@@ -23135,7 +23931,7 @@
 </p:sld>
 </file>
 
-<file path=ppt/slides/slide18.xml><?xml version="1.0" encoding="utf-8"?>
+<file path=ppt/slides/slide19.xml><?xml version="1.0" encoding="utf-8"?>
 <p:sld xmlns:a="http://schemas.openxmlformats.org/drawingml/2006/main" xmlns:r="http://schemas.openxmlformats.org/officeDocument/2006/relationships" xmlns:p="http://schemas.openxmlformats.org/presentationml/2006/main">
   <p:cSld>
     <p:spTree>
@@ -24511,7 +25307,7 @@
                 </a:solidFill>
               </a:rPr>
               <a:pPr/>
-              <a:t>18</a:t>
+              <a:t>19</a:t>
             </a:fld>
             <a:endParaRPr lang="ko-KR" altLang="en-US">
               <a:solidFill>
@@ -27561,8 +28357,8 @@
           </a:prstGeom>
         </p:spPr>
       </p:pic>
-      <mc:AlternateContent xmlns:mc="http://schemas.openxmlformats.org/markup-compatibility/2006">
-        <mc:Choice xmlns:a14="http://schemas.microsoft.com/office/drawing/2010/main" Requires="a14">
+      <mc:AlternateContent xmlns:mc="http://schemas.openxmlformats.org/markup-compatibility/2006" xmlns:a14="http://schemas.microsoft.com/office/drawing/2010/main">
+        <mc:Choice Requires="a14">
           <p:sp>
             <p:nvSpPr>
               <p:cNvPr id="11" name="TextBox 10">
@@ -28260,7 +29056,7 @@
             </p:txBody>
           </p:sp>
         </mc:Choice>
-        <mc:Fallback>
+        <mc:Fallback xmlns="">
           <p:sp>
             <p:nvSpPr>
               <p:cNvPr id="11" name="TextBox 10">

--- a/졸작_기획/[수정][제안서] Revenger_김승환_허재성_이세철.pptx
+++ b/졸작_기획/[수정][제안서] Revenger_김승환_허재성_이세철.pptx
@@ -11668,9 +11668,9 @@
         <p:grpSpPr>
           <a:xfrm>
             <a:off x="639464" y="1201479"/>
-            <a:ext cx="6127556" cy="467354"/>
+            <a:ext cx="5204226" cy="467354"/>
             <a:chOff x="832325" y="1253416"/>
-            <a:chExt cx="6127556" cy="467354"/>
+            <a:chExt cx="5204226" cy="467354"/>
           </a:xfrm>
         </p:grpSpPr>
         <p:sp>
@@ -11754,7 +11754,7 @@
           <p:spPr>
             <a:xfrm>
               <a:off x="1235237" y="1259105"/>
-              <a:ext cx="5724644" cy="461665"/>
+              <a:ext cx="4801314" cy="461665"/>
             </a:xfrm>
             <a:prstGeom prst="rect">
               <a:avLst/>
@@ -11792,7 +11792,7 @@
                   <a:latin typeface="나눔고딕" pitchFamily="2" charset="-127"/>
                   <a:ea typeface="나눔고딕" pitchFamily="2" charset="-127"/>
                 </a:rPr>
-                <a:t>추가중점 연구분야 </a:t>
+                <a:t>세 번째 중점 연구분야에 관한 고민</a:t>
               </a:r>
               <a:r>
                 <a:rPr lang="en-US" altLang="ko-KR" sz="2400" b="1" spc="-150" dirty="0">
@@ -11802,47 +11802,7 @@
                   <a:latin typeface="나눔고딕" pitchFamily="2" charset="-127"/>
                   <a:ea typeface="나눔고딕" pitchFamily="2" charset="-127"/>
                 </a:rPr>
-                <a:t>? -&gt; </a:t>
-              </a:r>
-              <a:r>
-                <a:rPr lang="ko-KR" altLang="en-US" sz="2400" b="1" spc="-150" dirty="0">
-                  <a:solidFill>
-                    <a:schemeClr val="tx1"/>
-                  </a:solidFill>
-                  <a:latin typeface="나눔고딕" pitchFamily="2" charset="-127"/>
-                  <a:ea typeface="나눔고딕" pitchFamily="2" charset="-127"/>
-                </a:rPr>
-                <a:t>서버 </a:t>
-              </a:r>
-              <a:r>
-                <a:rPr lang="en-US" altLang="ko-KR" sz="2400" b="1" spc="-150" dirty="0">
-                  <a:solidFill>
-                    <a:schemeClr val="tx1"/>
-                  </a:solidFill>
-                  <a:latin typeface="나눔고딕" pitchFamily="2" charset="-127"/>
-                  <a:ea typeface="나눔고딕" pitchFamily="2" charset="-127"/>
-                </a:rPr>
-                <a:t>/ </a:t>
-              </a:r>
-              <a:r>
-                <a:rPr lang="ko-KR" altLang="en-US" sz="2400" b="1" spc="-150" dirty="0">
-                  <a:solidFill>
-                    <a:schemeClr val="tx1"/>
-                  </a:solidFill>
-                  <a:latin typeface="나눔고딕" pitchFamily="2" charset="-127"/>
-                  <a:ea typeface="나눔고딕" pitchFamily="2" charset="-127"/>
-                </a:rPr>
-                <a:t>클라이언트</a:t>
-              </a:r>
-              <a:r>
-                <a:rPr lang="en-US" altLang="ko-KR" sz="2400" b="1" spc="-150" dirty="0">
-                  <a:solidFill>
-                    <a:schemeClr val="tx1"/>
-                  </a:solidFill>
-                  <a:latin typeface="나눔고딕" pitchFamily="2" charset="-127"/>
-                  <a:ea typeface="나눔고딕" pitchFamily="2" charset="-127"/>
-                </a:rPr>
-                <a:t>	</a:t>
+                <a:t>....	</a:t>
               </a:r>
               <a:endParaRPr lang="ko-KR" altLang="en-US" sz="4400" b="1" spc="-150" dirty="0">
                 <a:solidFill>
@@ -12177,84 +12137,6 @@
               <a:tabLst/>
               <a:defRPr/>
             </a:pPr>
-            <a:r>
-              <a:rPr lang="ko-KR" altLang="en-US" sz="2000" dirty="0">
-                <a:solidFill>
-                  <a:schemeClr val="tx1">
-                    <a:lumMod val="85000"/>
-                    <a:lumOff val="15000"/>
-                  </a:schemeClr>
-                </a:solidFill>
-                <a:latin typeface="나눔고딕" pitchFamily="2" charset="-127"/>
-                <a:ea typeface="나눔고딕" pitchFamily="2" charset="-127"/>
-              </a:rPr>
-              <a:t>기획자의 현재 상황이 게임서버와</a:t>
-            </a:r>
-            <a:r>
-              <a:rPr lang="en-US" altLang="ko-KR" sz="2000" dirty="0">
-                <a:solidFill>
-                  <a:schemeClr val="tx1">
-                    <a:lumMod val="85000"/>
-                    <a:lumOff val="15000"/>
-                  </a:schemeClr>
-                </a:solidFill>
-                <a:latin typeface="나눔고딕" pitchFamily="2" charset="-127"/>
-                <a:ea typeface="나눔고딕" pitchFamily="2" charset="-127"/>
-              </a:rPr>
-              <a:t>, 3D</a:t>
-            </a:r>
-            <a:r>
-              <a:rPr lang="ko-KR" altLang="en-US" sz="2000" dirty="0">
-                <a:solidFill>
-                  <a:schemeClr val="tx1">
-                    <a:lumMod val="85000"/>
-                    <a:lumOff val="15000"/>
-                  </a:schemeClr>
-                </a:solidFill>
-                <a:latin typeface="나눔고딕" pitchFamily="2" charset="-127"/>
-                <a:ea typeface="나눔고딕" pitchFamily="2" charset="-127"/>
-              </a:rPr>
-              <a:t>게임프로그래밍</a:t>
-            </a:r>
-            <a:r>
-              <a:rPr lang="en-US" altLang="ko-KR" sz="2000" dirty="0">
-                <a:solidFill>
-                  <a:schemeClr val="tx1">
-                    <a:lumMod val="85000"/>
-                    <a:lumOff val="15000"/>
-                  </a:schemeClr>
-                </a:solidFill>
-                <a:latin typeface="나눔고딕" pitchFamily="2" charset="-127"/>
-                <a:ea typeface="나눔고딕" pitchFamily="2" charset="-127"/>
-              </a:rPr>
-              <a:t>2 </a:t>
-            </a:r>
-            <a:r>
-              <a:rPr lang="ko-KR" altLang="en-US" sz="2000" dirty="0">
-                <a:solidFill>
-                  <a:schemeClr val="tx1">
-                    <a:lumMod val="85000"/>
-                    <a:lumOff val="15000"/>
-                  </a:schemeClr>
-                </a:solidFill>
-                <a:latin typeface="나눔고딕" pitchFamily="2" charset="-127"/>
-                <a:ea typeface="나눔고딕" pitchFamily="2" charset="-127"/>
-              </a:rPr>
-              <a:t>를 </a:t>
-            </a:r>
-            <a:r>
-              <a:rPr lang="ko-KR" altLang="en-US" sz="2000" dirty="0" err="1">
-                <a:solidFill>
-                  <a:schemeClr val="tx1">
-                    <a:lumMod val="85000"/>
-                    <a:lumOff val="15000"/>
-                  </a:schemeClr>
-                </a:solidFill>
-                <a:latin typeface="나눔고딕" pitchFamily="2" charset="-127"/>
-                <a:ea typeface="나눔고딕" pitchFamily="2" charset="-127"/>
-              </a:rPr>
-              <a:t>수강하지않아</a:t>
-            </a:r>
             <a:endParaRPr lang="en-US" altLang="ko-KR" sz="2000" dirty="0">
               <a:solidFill>
                 <a:schemeClr val="tx1">
@@ -12282,6 +12164,19 @@
               <a:defRPr/>
             </a:pPr>
             <a:r>
+              <a:rPr lang="ko-KR" altLang="en-US" sz="2000" dirty="0">
+                <a:solidFill>
+                  <a:schemeClr val="tx1">
+                    <a:lumMod val="85000"/>
+                    <a:lumOff val="15000"/>
+                  </a:schemeClr>
+                </a:solidFill>
+                <a:latin typeface="나눔고딕" pitchFamily="2" charset="-127"/>
+                <a:ea typeface="나눔고딕" pitchFamily="2" charset="-127"/>
+              </a:rPr>
+              <a:t>기획 담당자가 게임서버프로그래밍과</a:t>
+            </a:r>
+            <a:r>
               <a:rPr lang="en-US" altLang="ko-KR" sz="2000" dirty="0">
                 <a:solidFill>
                   <a:schemeClr val="tx1">
@@ -12292,7 +12187,7 @@
                 <a:latin typeface="나눔고딕" pitchFamily="2" charset="-127"/>
                 <a:ea typeface="나눔고딕" pitchFamily="2" charset="-127"/>
               </a:rPr>
-              <a:t>1 : 1 </a:t>
+              <a:t>, 3D</a:t>
             </a:r>
             <a:r>
               <a:rPr lang="ko-KR" altLang="en-US" sz="2000" dirty="0">
@@ -12305,7 +12200,59 @@
                 <a:latin typeface="나눔고딕" pitchFamily="2" charset="-127"/>
                 <a:ea typeface="나눔고딕" pitchFamily="2" charset="-127"/>
               </a:rPr>
-              <a:t>중점연구 분야를 맡기에는 어려운 부분이 있습니다</a:t>
+              <a:t>게임프로그래밍</a:t>
+            </a:r>
+            <a:r>
+              <a:rPr lang="en-US" altLang="ko-KR" sz="2000" dirty="0">
+                <a:solidFill>
+                  <a:schemeClr val="tx1">
+                    <a:lumMod val="85000"/>
+                    <a:lumOff val="15000"/>
+                  </a:schemeClr>
+                </a:solidFill>
+                <a:latin typeface="나눔고딕" pitchFamily="2" charset="-127"/>
+                <a:ea typeface="나눔고딕" pitchFamily="2" charset="-127"/>
+              </a:rPr>
+              <a:t>2 </a:t>
+            </a:r>
+            <a:r>
+              <a:rPr lang="ko-KR" altLang="en-US" sz="2000" dirty="0">
+                <a:solidFill>
+                  <a:schemeClr val="tx1">
+                    <a:lumMod val="85000"/>
+                    <a:lumOff val="15000"/>
+                  </a:schemeClr>
+                </a:solidFill>
+                <a:latin typeface="나눔고딕" pitchFamily="2" charset="-127"/>
+                <a:ea typeface="나눔고딕" pitchFamily="2" charset="-127"/>
+              </a:rPr>
+              <a:t>를 수강하지 않은 상태로</a:t>
+            </a:r>
+            <a:r>
+              <a:rPr lang="en-US" altLang="ko-KR" sz="2000" dirty="0">
+                <a:solidFill>
+                  <a:schemeClr val="tx1">
+                    <a:lumMod val="85000"/>
+                    <a:lumOff val="15000"/>
+                  </a:schemeClr>
+                </a:solidFill>
+                <a:latin typeface="나눔고딕" pitchFamily="2" charset="-127"/>
+                <a:ea typeface="나눔고딕" pitchFamily="2" charset="-127"/>
+              </a:rPr>
+              <a:t>, </a:t>
+            </a:r>
+            <a:r>
+              <a:rPr lang="ko-KR" altLang="en-US" sz="2000" dirty="0">
+                <a:solidFill>
+                  <a:schemeClr val="tx1">
+                    <a:lumMod val="85000"/>
+                    <a:lumOff val="15000"/>
+                  </a:schemeClr>
+                </a:solidFill>
+                <a:latin typeface="나눔고딕" pitchFamily="2" charset="-127"/>
+                <a:ea typeface="나눔고딕" pitchFamily="2" charset="-127"/>
+              </a:rPr>
+              <a:t>한 명당 하나의 기술적 중점연구 분야를 맡기에는 어려운 부분이 있습니다</a:t>
             </a:r>
             <a:r>
               <a:rPr lang="en-US" altLang="ko-KR" sz="2000" dirty="0">
@@ -12336,123 +12283,16 @@
               <a:tabLst/>
               <a:defRPr/>
             </a:pPr>
-            <a:r>
-              <a:rPr lang="ko-KR" altLang="en-US" sz="2000" dirty="0">
-                <a:solidFill>
-                  <a:schemeClr val="tx1">
-                    <a:lumMod val="85000"/>
-                    <a:lumOff val="15000"/>
-                  </a:schemeClr>
-                </a:solidFill>
-                <a:latin typeface="나눔고딕" pitchFamily="2" charset="-127"/>
-                <a:ea typeface="나눔고딕" pitchFamily="2" charset="-127"/>
-              </a:rPr>
-              <a:t>현재 확정된 중점연구 분야인</a:t>
-            </a:r>
-            <a:r>
-              <a:rPr lang="en-US" altLang="ko-KR" sz="2000" dirty="0">
-                <a:solidFill>
-                  <a:schemeClr val="tx1">
-                    <a:lumMod val="85000"/>
-                    <a:lumOff val="15000"/>
-                  </a:schemeClr>
-                </a:solidFill>
-                <a:latin typeface="나눔고딕" pitchFamily="2" charset="-127"/>
-                <a:ea typeface="나눔고딕" pitchFamily="2" charset="-127"/>
-              </a:rPr>
-              <a:t>, </a:t>
-            </a:r>
-            <a:r>
-              <a:rPr lang="ko-KR" altLang="en-US" sz="2000" dirty="0" err="1">
-                <a:solidFill>
-                  <a:schemeClr val="tx1">
-                    <a:lumMod val="85000"/>
-                    <a:lumOff val="15000"/>
-                  </a:schemeClr>
-                </a:solidFill>
-                <a:latin typeface="나눔고딕" pitchFamily="2" charset="-127"/>
-                <a:ea typeface="나눔고딕" pitchFamily="2" charset="-127"/>
-              </a:rPr>
-              <a:t>서버이중화와</a:t>
-            </a:r>
-            <a:r>
-              <a:rPr lang="ko-KR" altLang="en-US" sz="2000" dirty="0">
-                <a:solidFill>
-                  <a:schemeClr val="tx1">
-                    <a:lumMod val="85000"/>
-                    <a:lumOff val="15000"/>
-                  </a:schemeClr>
-                </a:solidFill>
-                <a:latin typeface="나눔고딕" pitchFamily="2" charset="-127"/>
-                <a:ea typeface="나눔고딕" pitchFamily="2" charset="-127"/>
-              </a:rPr>
-              <a:t> </a:t>
-            </a:r>
-            <a:r>
-              <a:rPr lang="ko-KR" altLang="en-US" sz="2000" dirty="0" err="1">
-                <a:solidFill>
-                  <a:schemeClr val="tx1">
-                    <a:lumMod val="85000"/>
-                    <a:lumOff val="15000"/>
-                  </a:schemeClr>
-                </a:solidFill>
-                <a:latin typeface="나눔고딕" pitchFamily="2" charset="-127"/>
-                <a:ea typeface="나눔고딕" pitchFamily="2" charset="-127"/>
-              </a:rPr>
-              <a:t>레이트레이싱도</a:t>
-            </a:r>
-            <a:r>
-              <a:rPr lang="ko-KR" altLang="en-US" sz="2000" dirty="0">
-                <a:solidFill>
-                  <a:schemeClr val="tx1">
-                    <a:lumMod val="85000"/>
-                    <a:lumOff val="15000"/>
-                  </a:schemeClr>
-                </a:solidFill>
-                <a:latin typeface="나눔고딕" pitchFamily="2" charset="-127"/>
-                <a:ea typeface="나눔고딕" pitchFamily="2" charset="-127"/>
-              </a:rPr>
-              <a:t> 현재 저희 역량에 비해</a:t>
-            </a:r>
-            <a:r>
-              <a:rPr lang="en-US" altLang="ko-KR" sz="2000" dirty="0">
-                <a:solidFill>
-                  <a:schemeClr val="tx1">
-                    <a:lumMod val="85000"/>
-                    <a:lumOff val="15000"/>
-                  </a:schemeClr>
-                </a:solidFill>
-                <a:latin typeface="나눔고딕" pitchFamily="2" charset="-127"/>
-                <a:ea typeface="나눔고딕" pitchFamily="2" charset="-127"/>
-              </a:rPr>
-              <a:t>, </a:t>
-            </a:r>
-            <a:r>
-              <a:rPr lang="ko-KR" altLang="en-US" sz="2000" dirty="0">
-                <a:solidFill>
-                  <a:schemeClr val="tx1">
-                    <a:lumMod val="85000"/>
-                    <a:lumOff val="15000"/>
-                  </a:schemeClr>
-                </a:solidFill>
-                <a:latin typeface="나눔고딕" pitchFamily="2" charset="-127"/>
-                <a:ea typeface="나눔고딕" pitchFamily="2" charset="-127"/>
-              </a:rPr>
-              <a:t>난이도가 높다고 판단하는 상황입니다</a:t>
-            </a:r>
-            <a:r>
-              <a:rPr lang="en-US" altLang="ko-KR" sz="2000" dirty="0">
-                <a:solidFill>
-                  <a:schemeClr val="tx1">
-                    <a:lumMod val="85000"/>
-                    <a:lumOff val="15000"/>
-                  </a:schemeClr>
-                </a:solidFill>
-                <a:latin typeface="나눔고딕" pitchFamily="2" charset="-127"/>
-                <a:ea typeface="나눔고딕" pitchFamily="2" charset="-127"/>
-              </a:rPr>
-              <a:t>.</a:t>
-            </a:r>
+            <a:endParaRPr lang="en-US" altLang="ko-KR" sz="2000" dirty="0">
+              <a:solidFill>
+                <a:schemeClr val="tx1">
+                  <a:lumMod val="85000"/>
+                  <a:lumOff val="15000"/>
+                </a:schemeClr>
+              </a:solidFill>
+              <a:latin typeface="나눔고딕" pitchFamily="2" charset="-127"/>
+              <a:ea typeface="나눔고딕" pitchFamily="2" charset="-127"/>
+            </a:endParaRPr>
           </a:p>
           <a:p>
             <a:pPr marL="342900" marR="0" lvl="0" indent="-342900" fontAlgn="auto">
@@ -12470,6 +12310,19 @@
               <a:defRPr/>
             </a:pPr>
             <a:r>
+              <a:rPr lang="ko-KR" altLang="en-US" sz="2000" dirty="0">
+                <a:solidFill>
+                  <a:schemeClr val="tx1">
+                    <a:lumMod val="85000"/>
+                    <a:lumOff val="15000"/>
+                  </a:schemeClr>
+                </a:solidFill>
+                <a:latin typeface="나눔고딕" pitchFamily="2" charset="-127"/>
+                <a:ea typeface="나눔고딕" pitchFamily="2" charset="-127"/>
+              </a:rPr>
+              <a:t>현재 확정된 두 중점연구 분야인</a:t>
+            </a:r>
+            <a:r>
               <a:rPr lang="en-US" altLang="ko-KR" sz="2000" dirty="0">
                 <a:solidFill>
                   <a:schemeClr val="tx1">
@@ -12480,7 +12333,7 @@
                 <a:latin typeface="나눔고딕" pitchFamily="2" charset="-127"/>
                 <a:ea typeface="나눔고딕" pitchFamily="2" charset="-127"/>
               </a:rPr>
-              <a:t> </a:t>
+              <a:t>, </a:t>
             </a:r>
             <a:r>
               <a:rPr lang="ko-KR" altLang="en-US" sz="2000" dirty="0">
@@ -12493,10 +12346,10 @@
                 <a:latin typeface="나눔고딕" pitchFamily="2" charset="-127"/>
                 <a:ea typeface="나눔고딕" pitchFamily="2" charset="-127"/>
               </a:rPr>
-              <a:t>저희의 생각은</a:t>
-            </a:r>
-            <a:r>
-              <a:rPr lang="en-US" altLang="ko-KR" sz="2000" dirty="0">
+              <a:t>서버 이중화와 </a:t>
+            </a:r>
+            <a:r>
+              <a:rPr lang="ko-KR" altLang="en-US" sz="2000" dirty="0" err="1">
                 <a:solidFill>
                   <a:schemeClr val="tx1">
                     <a:lumMod val="85000"/>
@@ -12506,7 +12359,7 @@
                 <a:latin typeface="나눔고딕" pitchFamily="2" charset="-127"/>
                 <a:ea typeface="나눔고딕" pitchFamily="2" charset="-127"/>
               </a:rPr>
-              <a:t>, </a:t>
+              <a:t>레이트레이싱의</a:t>
             </a:r>
             <a:r>
               <a:rPr lang="ko-KR" altLang="en-US" sz="2000" dirty="0">
@@ -12519,78 +12372,7 @@
                 <a:latin typeface="나눔고딕" pitchFamily="2" charset="-127"/>
                 <a:ea typeface="나눔고딕" pitchFamily="2" charset="-127"/>
               </a:rPr>
-              <a:t>기획자의 역량을 판단한 결과 중점연구과제를 </a:t>
-            </a:r>
-            <a:r>
-              <a:rPr lang="en-US" altLang="ko-KR" sz="2000" dirty="0">
-                <a:solidFill>
-                  <a:schemeClr val="tx1">
-                    <a:lumMod val="85000"/>
-                    <a:lumOff val="15000"/>
-                  </a:schemeClr>
-                </a:solidFill>
-                <a:latin typeface="나눔고딕" pitchFamily="2" charset="-127"/>
-                <a:ea typeface="나눔고딕" pitchFamily="2" charset="-127"/>
-              </a:rPr>
-              <a:t>2</a:t>
-            </a:r>
-            <a:r>
-              <a:rPr lang="ko-KR" altLang="en-US" sz="2000" dirty="0">
-                <a:solidFill>
-                  <a:schemeClr val="tx1">
-                    <a:lumMod val="85000"/>
-                    <a:lumOff val="15000"/>
-                  </a:schemeClr>
-                </a:solidFill>
-                <a:latin typeface="나눔고딕" pitchFamily="2" charset="-127"/>
-                <a:ea typeface="나눔고딕" pitchFamily="2" charset="-127"/>
-              </a:rPr>
-              <a:t>개로 </a:t>
-            </a:r>
-            <a:r>
-              <a:rPr lang="ko-KR" altLang="en-US" sz="2000" dirty="0" err="1">
-                <a:solidFill>
-                  <a:schemeClr val="tx1">
-                    <a:lumMod val="85000"/>
-                    <a:lumOff val="15000"/>
-                  </a:schemeClr>
-                </a:solidFill>
-                <a:latin typeface="나눔고딕" pitchFamily="2" charset="-127"/>
-                <a:ea typeface="나눔고딕" pitchFamily="2" charset="-127"/>
-              </a:rPr>
-              <a:t>이끌어나아가는</a:t>
-            </a:r>
-            <a:r>
-              <a:rPr lang="ko-KR" altLang="en-US" sz="2000" dirty="0">
-                <a:solidFill>
-                  <a:schemeClr val="tx1">
-                    <a:lumMod val="85000"/>
-                    <a:lumOff val="15000"/>
-                  </a:schemeClr>
-                </a:solidFill>
-                <a:latin typeface="나눔고딕" pitchFamily="2" charset="-127"/>
-                <a:ea typeface="나눔고딕" pitchFamily="2" charset="-127"/>
-              </a:rPr>
-              <a:t> 것이 결과의 안정성에 좋다고 판단했습니다</a:t>
-            </a:r>
-            <a:r>
-              <a:rPr lang="en-US" altLang="ko-KR" sz="2000" dirty="0">
-                <a:solidFill>
-                  <a:schemeClr val="tx1">
-                    <a:lumMod val="85000"/>
-                    <a:lumOff val="15000"/>
-                  </a:schemeClr>
-                </a:solidFill>
-                <a:latin typeface="나눔고딕" pitchFamily="2" charset="-127"/>
-                <a:ea typeface="나눔고딕" pitchFamily="2" charset="-127"/>
-              </a:rPr>
-              <a:t>.</a:t>
-            </a:r>
-            <a:r>
-              <a:rPr lang="ko-KR" altLang="en-US" dirty="0">
-                <a:latin typeface="맑은 고딕" panose="020B0503020000020004" pitchFamily="50" charset="-127"/>
-              </a:rPr>
-              <a:t>니</a:t>
+              <a:t> 난이도가</a:t>
             </a:r>
             <a:endParaRPr lang="en-US" altLang="ko-KR" sz="2000" dirty="0">
               <a:solidFill>
@@ -12602,6 +12384,211 @@
               <a:latin typeface="나눔고딕" pitchFamily="2" charset="-127"/>
               <a:ea typeface="나눔고딕" pitchFamily="2" charset="-127"/>
             </a:endParaRPr>
+          </a:p>
+          <a:p>
+            <a:pPr marR="0" lvl="0" fontAlgn="auto">
+              <a:spcBef>
+                <a:spcPts val="0"/>
+              </a:spcBef>
+              <a:spcAft>
+                <a:spcPts val="1000"/>
+              </a:spcAft>
+              <a:buClrTx/>
+              <a:buSzTx/>
+              <a:tabLst/>
+              <a:defRPr/>
+            </a:pPr>
+            <a:r>
+              <a:rPr lang="en-US" altLang="ko-KR" sz="2000" dirty="0">
+                <a:solidFill>
+                  <a:schemeClr val="tx1">
+                    <a:lumMod val="85000"/>
+                    <a:lumOff val="15000"/>
+                  </a:schemeClr>
+                </a:solidFill>
+                <a:latin typeface="나눔고딕" pitchFamily="2" charset="-127"/>
+                <a:ea typeface="나눔고딕" pitchFamily="2" charset="-127"/>
+              </a:rPr>
+              <a:t>    </a:t>
+            </a:r>
+            <a:r>
+              <a:rPr lang="ko-KR" altLang="en-US" sz="2000" dirty="0">
+                <a:solidFill>
+                  <a:schemeClr val="tx1">
+                    <a:lumMod val="85000"/>
+                    <a:lumOff val="15000"/>
+                  </a:schemeClr>
+                </a:solidFill>
+                <a:latin typeface="나눔고딕" pitchFamily="2" charset="-127"/>
+                <a:ea typeface="나눔고딕" pitchFamily="2" charset="-127"/>
+              </a:rPr>
+              <a:t>어느정도 있기 때문에</a:t>
+            </a:r>
+            <a:r>
+              <a:rPr lang="en-US" altLang="ko-KR" sz="2000" dirty="0">
+                <a:solidFill>
+                  <a:schemeClr val="tx1">
+                    <a:lumMod val="85000"/>
+                    <a:lumOff val="15000"/>
+                  </a:schemeClr>
+                </a:solidFill>
+                <a:latin typeface="나눔고딕" pitchFamily="2" charset="-127"/>
+                <a:ea typeface="나눔고딕" pitchFamily="2" charset="-127"/>
+              </a:rPr>
+              <a:t>, </a:t>
+            </a:r>
+            <a:r>
+              <a:rPr lang="ko-KR" altLang="en-US" sz="2000" dirty="0">
+                <a:solidFill>
+                  <a:schemeClr val="tx1">
+                    <a:lumMod val="85000"/>
+                    <a:lumOff val="15000"/>
+                  </a:schemeClr>
+                </a:solidFill>
+                <a:latin typeface="나눔고딕" pitchFamily="2" charset="-127"/>
+                <a:ea typeface="나눔고딕" pitchFamily="2" charset="-127"/>
+              </a:rPr>
+              <a:t>기획 담당자를 도와 세 번째 중점 연구분야를</a:t>
+            </a:r>
+            <a:r>
+              <a:rPr lang="en-US" altLang="ko-KR" sz="2000" dirty="0">
+                <a:solidFill>
+                  <a:schemeClr val="tx1">
+                    <a:lumMod val="85000"/>
+                    <a:lumOff val="15000"/>
+                  </a:schemeClr>
+                </a:solidFill>
+                <a:latin typeface="나눔고딕" pitchFamily="2" charset="-127"/>
+                <a:ea typeface="나눔고딕" pitchFamily="2" charset="-127"/>
+              </a:rPr>
+              <a:t> </a:t>
+            </a:r>
+            <a:r>
+              <a:rPr lang="ko-KR" altLang="en-US" sz="2000" dirty="0">
+                <a:solidFill>
+                  <a:schemeClr val="tx1">
+                    <a:lumMod val="85000"/>
+                    <a:lumOff val="15000"/>
+                  </a:schemeClr>
+                </a:solidFill>
+                <a:latin typeface="나눔고딕" pitchFamily="2" charset="-127"/>
+                <a:ea typeface="나눔고딕" pitchFamily="2" charset="-127"/>
+              </a:rPr>
+              <a:t>달성하는</a:t>
+            </a:r>
+            <a:endParaRPr lang="en-US" altLang="ko-KR" sz="2000" dirty="0">
+              <a:solidFill>
+                <a:schemeClr val="tx1">
+                  <a:lumMod val="85000"/>
+                  <a:lumOff val="15000"/>
+                </a:schemeClr>
+              </a:solidFill>
+              <a:latin typeface="나눔고딕" pitchFamily="2" charset="-127"/>
+              <a:ea typeface="나눔고딕" pitchFamily="2" charset="-127"/>
+            </a:endParaRPr>
+          </a:p>
+          <a:p>
+            <a:pPr marR="0" lvl="0" fontAlgn="auto">
+              <a:spcBef>
+                <a:spcPts val="0"/>
+              </a:spcBef>
+              <a:spcAft>
+                <a:spcPts val="1000"/>
+              </a:spcAft>
+              <a:buClrTx/>
+              <a:buSzTx/>
+              <a:tabLst/>
+              <a:defRPr/>
+            </a:pPr>
+            <a:r>
+              <a:rPr lang="en-US" altLang="ko-KR" sz="2000" dirty="0">
+                <a:solidFill>
+                  <a:schemeClr val="tx1">
+                    <a:lumMod val="85000"/>
+                    <a:lumOff val="15000"/>
+                  </a:schemeClr>
+                </a:solidFill>
+                <a:latin typeface="나눔고딕" pitchFamily="2" charset="-127"/>
+                <a:ea typeface="나눔고딕" pitchFamily="2" charset="-127"/>
+              </a:rPr>
+              <a:t>    </a:t>
+            </a:r>
+            <a:r>
+              <a:rPr lang="ko-KR" altLang="en-US" sz="2000" dirty="0">
+                <a:solidFill>
+                  <a:schemeClr val="tx1">
+                    <a:lumMod val="85000"/>
+                    <a:lumOff val="15000"/>
+                  </a:schemeClr>
+                </a:solidFill>
+                <a:latin typeface="나눔고딕" pitchFamily="2" charset="-127"/>
+                <a:ea typeface="나눔고딕" pitchFamily="2" charset="-127"/>
+              </a:rPr>
+              <a:t>것보다 기존의 두 중점 연구과제에 좀 더 집중하는 것이 더 나은 결과물을 만들 수 </a:t>
+            </a:r>
+            <a:endParaRPr lang="en-US" altLang="ko-KR" sz="2000" dirty="0">
+              <a:solidFill>
+                <a:schemeClr val="tx1">
+                  <a:lumMod val="85000"/>
+                  <a:lumOff val="15000"/>
+                </a:schemeClr>
+              </a:solidFill>
+              <a:latin typeface="나눔고딕" pitchFamily="2" charset="-127"/>
+              <a:ea typeface="나눔고딕" pitchFamily="2" charset="-127"/>
+            </a:endParaRPr>
+          </a:p>
+          <a:p>
+            <a:pPr marR="0" lvl="0" fontAlgn="auto">
+              <a:spcBef>
+                <a:spcPts val="0"/>
+              </a:spcBef>
+              <a:spcAft>
+                <a:spcPts val="1000"/>
+              </a:spcAft>
+              <a:buClrTx/>
+              <a:buSzTx/>
+              <a:tabLst/>
+              <a:defRPr/>
+            </a:pPr>
+            <a:r>
+              <a:rPr lang="en-US" altLang="ko-KR" sz="2000" dirty="0">
+                <a:solidFill>
+                  <a:schemeClr val="tx1">
+                    <a:lumMod val="85000"/>
+                    <a:lumOff val="15000"/>
+                  </a:schemeClr>
+                </a:solidFill>
+                <a:latin typeface="나눔고딕" pitchFamily="2" charset="-127"/>
+                <a:ea typeface="나눔고딕" pitchFamily="2" charset="-127"/>
+              </a:rPr>
+              <a:t>    </a:t>
+            </a:r>
+            <a:r>
+              <a:rPr lang="ko-KR" altLang="en-US" sz="2000" dirty="0">
+                <a:solidFill>
+                  <a:schemeClr val="tx1">
+                    <a:lumMod val="85000"/>
+                    <a:lumOff val="15000"/>
+                  </a:schemeClr>
+                </a:solidFill>
+                <a:latin typeface="나눔고딕" pitchFamily="2" charset="-127"/>
+                <a:ea typeface="나눔고딕" pitchFamily="2" charset="-127"/>
+              </a:rPr>
+              <a:t>있을 것 같다고 생각합니다</a:t>
+            </a:r>
+            <a:r>
+              <a:rPr lang="en-US" altLang="ko-KR" sz="2000" dirty="0">
+                <a:solidFill>
+                  <a:schemeClr val="tx1">
+                    <a:lumMod val="85000"/>
+                    <a:lumOff val="15000"/>
+                  </a:schemeClr>
+                </a:solidFill>
+                <a:latin typeface="나눔고딕" pitchFamily="2" charset="-127"/>
+                <a:ea typeface="나눔고딕" pitchFamily="2" charset="-127"/>
+              </a:rPr>
+              <a:t>.</a:t>
+            </a:r>
           </a:p>
         </p:txBody>
       </p:sp>
@@ -26905,8 +26892,8 @@
           </a:prstGeom>
         </p:spPr>
       </p:pic>
-      <mc:AlternateContent xmlns:mc="http://schemas.openxmlformats.org/markup-compatibility/2006">
-        <mc:Choice xmlns:a14="http://schemas.microsoft.com/office/drawing/2010/main" Requires="a14">
+      <mc:AlternateContent xmlns:mc="http://schemas.openxmlformats.org/markup-compatibility/2006" xmlns:a14="http://schemas.microsoft.com/office/drawing/2010/main">
+        <mc:Choice Requires="a14">
           <p:sp>
             <p:nvSpPr>
               <p:cNvPr id="11" name="TextBox 10">
@@ -27597,7 +27584,7 @@
             </p:txBody>
           </p:sp>
         </mc:Choice>
-        <mc:Fallback>
+        <mc:Fallback xmlns="">
           <p:sp>
             <p:nvSpPr>
               <p:cNvPr id="11" name="TextBox 10">

--- a/졸작_기획/[수정][제안서] Revenger_김승환_허재성_이세철.pptx
+++ b/졸작_기획/[수정][제안서] Revenger_김승환_허재성_이세철.pptx
@@ -9029,7 +9029,7 @@
         </p:nvSpPr>
         <p:spPr>
           <a:xfrm>
-            <a:off x="4555108" y="6205312"/>
+            <a:off x="3787447" y="6347477"/>
             <a:ext cx="5892726" cy="279820"/>
           </a:xfrm>
           <a:prstGeom prst="rect">
@@ -9258,8 +9258,8 @@
         </p:nvSpPr>
         <p:spPr>
           <a:xfrm>
-            <a:off x="907154" y="1674522"/>
-            <a:ext cx="10722594" cy="4607743"/>
+            <a:off x="538480" y="1703640"/>
+            <a:ext cx="11481146" cy="4607743"/>
           </a:xfrm>
           <a:prstGeom prst="rect">
             <a:avLst/>
@@ -9580,7 +9580,58 @@
                 <a:latin typeface="나눔고딕" pitchFamily="2" charset="-127"/>
                 <a:ea typeface="나눔고딕" pitchFamily="2" charset="-127"/>
               </a:rPr>
-              <a:t>,  ID3D12GraphicsCommandList4</a:t>
+              <a:t>,  </a:t>
+            </a:r>
+            <a:r>
+              <a:rPr lang="en-US" altLang="ko-KR">
+                <a:solidFill>
+                  <a:schemeClr val="tx1">
+                    <a:lumMod val="85000"/>
+                    <a:lumOff val="15000"/>
+                  </a:schemeClr>
+                </a:solidFill>
+                <a:latin typeface="나눔고딕" pitchFamily="2" charset="-127"/>
+                <a:ea typeface="나눔고딕" pitchFamily="2" charset="-127"/>
+              </a:rPr>
+              <a:t>ID3D12GraphicsCommandList4</a:t>
+            </a:r>
+            <a:r>
+              <a:rPr lang="ko-KR" altLang="en-US">
+                <a:solidFill>
+                  <a:schemeClr val="tx1">
+                    <a:lumMod val="85000"/>
+                    <a:lumOff val="15000"/>
+                  </a:schemeClr>
+                </a:solidFill>
+                <a:latin typeface="나눔고딕" pitchFamily="2" charset="-127"/>
+                <a:ea typeface="나눔고딕" pitchFamily="2" charset="-127"/>
+              </a:rPr>
+              <a:t> </a:t>
+            </a:r>
+            <a:br>
+              <a:rPr lang="en-US" altLang="ko-KR">
+                <a:solidFill>
+                  <a:schemeClr val="tx1">
+                    <a:lumMod val="85000"/>
+                    <a:lumOff val="15000"/>
+                  </a:schemeClr>
+                </a:solidFill>
+                <a:latin typeface="나눔고딕" pitchFamily="2" charset="-127"/>
+                <a:ea typeface="나눔고딕" pitchFamily="2" charset="-127"/>
+              </a:rPr>
+            </a:br>
+            <a:r>
+              <a:rPr lang="ko-KR" altLang="en-US">
+                <a:solidFill>
+                  <a:schemeClr val="tx1">
+                    <a:lumMod val="85000"/>
+                    <a:lumOff val="15000"/>
+                  </a:schemeClr>
+                </a:solidFill>
+                <a:latin typeface="나눔고딕" pitchFamily="2" charset="-127"/>
+                <a:ea typeface="나눔고딕" pitchFamily="2" charset="-127"/>
+              </a:rPr>
+              <a:t>인터페이스를 </a:t>
             </a:r>
             <a:r>
               <a:rPr lang="ko-KR" altLang="en-US" dirty="0">
@@ -9593,7 +9644,7 @@
                 <a:latin typeface="나눔고딕" pitchFamily="2" charset="-127"/>
                 <a:ea typeface="나눔고딕" pitchFamily="2" charset="-127"/>
               </a:rPr>
-              <a:t> 인터페이스를 통해 </a:t>
+              <a:t>통해 </a:t>
             </a:r>
             <a:r>
               <a:rPr lang="en-US" altLang="ko-KR" dirty="0">
@@ -9619,10 +9670,10 @@
                 <a:latin typeface="나눔고딕" pitchFamily="2" charset="-127"/>
                 <a:ea typeface="나눔고딕" pitchFamily="2" charset="-127"/>
               </a:rPr>
-              <a:t>와 관련된 함수를 사용한다</a:t>
-            </a:r>
-            <a:r>
-              <a:rPr lang="en-US" altLang="ko-KR" dirty="0">
+              <a:t>와 관련된 함수를 </a:t>
+            </a:r>
+            <a:r>
+              <a:rPr lang="ko-KR" altLang="en-US">
                 <a:solidFill>
                   <a:schemeClr val="tx1">
                     <a:lumMod val="85000"/>
@@ -9632,10 +9683,10 @@
                 <a:latin typeface="나눔고딕" pitchFamily="2" charset="-127"/>
                 <a:ea typeface="나눔고딕" pitchFamily="2" charset="-127"/>
               </a:rPr>
-              <a:t>.</a:t>
-            </a:r>
-            <a:r>
-              <a:rPr lang="ko-KR" altLang="en-US" dirty="0">
+              <a:t>사용한다</a:t>
+            </a:r>
+            <a:r>
+              <a:rPr lang="en-US" altLang="ko-KR">
                 <a:solidFill>
                   <a:schemeClr val="tx1">
                     <a:lumMod val="85000"/>
@@ -9645,7 +9696,152 @@
                 <a:latin typeface="나눔고딕" pitchFamily="2" charset="-127"/>
                 <a:ea typeface="나눔고딕" pitchFamily="2" charset="-127"/>
               </a:rPr>
-              <a:t> </a:t>
+              <a:t>.</a:t>
+            </a:r>
+          </a:p>
+          <a:p>
+            <a:pPr marL="342900" marR="0" lvl="0" indent="-342900" fontAlgn="auto">
+              <a:spcBef>
+                <a:spcPts val="0"/>
+              </a:spcBef>
+              <a:spcAft>
+                <a:spcPts val="2200"/>
+              </a:spcAft>
+              <a:buClrTx/>
+              <a:buSzTx/>
+              <a:buFont typeface="Arial" panose="020B0604020202020204" pitchFamily="34" charset="0"/>
+              <a:buChar char="•"/>
+              <a:tabLst/>
+              <a:defRPr/>
+            </a:pPr>
+            <a:r>
+              <a:rPr lang="ko-KR" altLang="en-US">
+                <a:solidFill>
+                  <a:schemeClr val="tx1">
+                    <a:lumMod val="85000"/>
+                    <a:lumOff val="15000"/>
+                  </a:schemeClr>
+                </a:solidFill>
+                <a:latin typeface="나눔고딕" pitchFamily="2" charset="-127"/>
+                <a:ea typeface="나눔고딕" pitchFamily="2" charset="-127"/>
+              </a:rPr>
+              <a:t>레이트레이싱 과정 중에</a:t>
+            </a:r>
+            <a:r>
+              <a:rPr lang="en-US" altLang="ko-KR">
+                <a:solidFill>
+                  <a:schemeClr val="tx1">
+                    <a:lumMod val="85000"/>
+                    <a:lumOff val="15000"/>
+                  </a:schemeClr>
+                </a:solidFill>
+                <a:latin typeface="나눔고딕" pitchFamily="2" charset="-127"/>
+                <a:ea typeface="나눔고딕" pitchFamily="2" charset="-127"/>
+              </a:rPr>
+              <a:t>, </a:t>
+            </a:r>
+            <a:r>
+              <a:rPr lang="ko-KR" altLang="en-US">
+                <a:solidFill>
+                  <a:schemeClr val="tx1">
+                    <a:lumMod val="85000"/>
+                    <a:lumOff val="15000"/>
+                  </a:schemeClr>
+                </a:solidFill>
+                <a:latin typeface="나눔고딕" pitchFamily="2" charset="-127"/>
+                <a:ea typeface="나눔고딕" pitchFamily="2" charset="-127"/>
+              </a:rPr>
+              <a:t>광선 추적을 서브 오브젝트와 충돌하여 반사되는 과정</a:t>
+            </a:r>
+            <a:r>
+              <a:rPr lang="en-US" altLang="ko-KR">
+                <a:solidFill>
+                  <a:schemeClr val="tx1">
+                    <a:lumMod val="85000"/>
+                    <a:lumOff val="15000"/>
+                  </a:schemeClr>
+                </a:solidFill>
+                <a:latin typeface="나눔고딕" pitchFamily="2" charset="-127"/>
+                <a:ea typeface="나눔고딕" pitchFamily="2" charset="-127"/>
+              </a:rPr>
+              <a:t>, </a:t>
+            </a:r>
+            <a:r>
+              <a:rPr lang="ko-KR" altLang="en-US">
+                <a:solidFill>
+                  <a:schemeClr val="tx1">
+                    <a:lumMod val="85000"/>
+                    <a:lumOff val="15000"/>
+                  </a:schemeClr>
+                </a:solidFill>
+                <a:latin typeface="나눔고딕" pitchFamily="2" charset="-127"/>
+                <a:ea typeface="나눔고딕" pitchFamily="2" charset="-127"/>
+              </a:rPr>
+              <a:t>최근접 히트 및 미스 셰이더를 </a:t>
+            </a:r>
+            <a:br>
+              <a:rPr lang="en-US" altLang="ko-KR">
+                <a:solidFill>
+                  <a:schemeClr val="tx1">
+                    <a:lumMod val="85000"/>
+                    <a:lumOff val="15000"/>
+                  </a:schemeClr>
+                </a:solidFill>
+                <a:latin typeface="나눔고딕" pitchFamily="2" charset="-127"/>
+                <a:ea typeface="나눔고딕" pitchFamily="2" charset="-127"/>
+              </a:rPr>
+            </a:br>
+            <a:r>
+              <a:rPr lang="ko-KR" altLang="en-US">
+                <a:solidFill>
+                  <a:schemeClr val="tx1">
+                    <a:lumMod val="85000"/>
+                    <a:lumOff val="15000"/>
+                  </a:schemeClr>
+                </a:solidFill>
+                <a:latin typeface="나눔고딕" pitchFamily="2" charset="-127"/>
+                <a:ea typeface="나눔고딕" pitchFamily="2" charset="-127"/>
+              </a:rPr>
+              <a:t>구현하여</a:t>
+            </a:r>
+            <a:r>
+              <a:rPr lang="en-US" altLang="ko-KR">
+                <a:solidFill>
+                  <a:schemeClr val="tx1">
+                    <a:lumMod val="85000"/>
+                    <a:lumOff val="15000"/>
+                  </a:schemeClr>
+                </a:solidFill>
+                <a:latin typeface="나눔고딕" pitchFamily="2" charset="-127"/>
+                <a:ea typeface="나눔고딕" pitchFamily="2" charset="-127"/>
+              </a:rPr>
+              <a:t>, </a:t>
+            </a:r>
+            <a:r>
+              <a:rPr lang="ko-KR" altLang="en-US">
+                <a:solidFill>
+                  <a:schemeClr val="tx1">
+                    <a:lumMod val="85000"/>
+                    <a:lumOff val="15000"/>
+                  </a:schemeClr>
+                </a:solidFill>
+                <a:latin typeface="나눔고딕" pitchFamily="2" charset="-127"/>
+                <a:ea typeface="나눔고딕" pitchFamily="2" charset="-127"/>
+              </a:rPr>
+              <a:t>광선이 히트되는 지점에서 분산 셰이딩을 계산하는 과정까지의 구현을 목표로 하고 있다</a:t>
+            </a:r>
+            <a:r>
+              <a:rPr lang="en-US" altLang="ko-KR">
+                <a:solidFill>
+                  <a:schemeClr val="tx1">
+                    <a:lumMod val="85000"/>
+                    <a:lumOff val="15000"/>
+                  </a:schemeClr>
+                </a:solidFill>
+                <a:latin typeface="나눔고딕" pitchFamily="2" charset="-127"/>
+                <a:ea typeface="나눔고딕" pitchFamily="2" charset="-127"/>
+              </a:rPr>
+              <a:t>.</a:t>
             </a:r>
             <a:endParaRPr lang="en-US" altLang="ko-KR" dirty="0">
               <a:solidFill>
@@ -9675,7 +9871,7 @@
           <p:nvPr/>
         </p:nvPicPr>
         <p:blipFill>
-          <a:blip r:embed="rId2">
+          <a:blip r:embed="rId2" cstate="screen">
             <a:extLst>
               <a:ext uri="{28A0092B-C50C-407E-A947-70E740481C1C}">
                 <a14:useLocalDpi xmlns:a14="http://schemas.microsoft.com/office/drawing/2010/main" val="0"/>
@@ -9688,8 +9884,8 @@
         </p:blipFill>
         <p:spPr>
           <a:xfrm>
-            <a:off x="1064974" y="3842996"/>
-            <a:ext cx="3408854" cy="2670377"/>
+            <a:off x="844809" y="4322137"/>
+            <a:ext cx="2942638" cy="2305160"/>
           </a:xfrm>
           <a:prstGeom prst="rect">
             <a:avLst/>
@@ -11438,7 +11634,7 @@
               <a:buChar char="•"/>
             </a:pPr>
             <a:r>
-              <a:rPr lang="ko-KR" altLang="en-US" sz="2000" dirty="0">
+              <a:rPr lang="ko-KR" altLang="en-US" sz="2000">
                 <a:latin typeface="나눔고딕" pitchFamily="2" charset="-127"/>
                 <a:ea typeface="나눔고딕" pitchFamily="2" charset="-127"/>
               </a:rPr>
@@ -11458,22 +11654,6 @@
               <a:buChar char="•"/>
             </a:pPr>
             <a:r>
-              <a:rPr lang="en-US" altLang="ko-KR" sz="2000" dirty="0">
-                <a:latin typeface="나눔고딕" pitchFamily="2" charset="-127"/>
-                <a:ea typeface="나눔고딕" pitchFamily="2" charset="-127"/>
-              </a:rPr>
-              <a:t>STL</a:t>
-            </a:r>
-          </a:p>
-          <a:p>
-            <a:pPr marL="285750" indent="-285750">
-              <a:lnSpc>
-                <a:spcPct val="150000"/>
-              </a:lnSpc>
-              <a:buFont typeface="Arial" panose="020B0604020202020204" pitchFamily="34" charset="0"/>
-              <a:buChar char="•"/>
-            </a:pPr>
-            <a:r>
               <a:rPr lang="ko-KR" altLang="en-US" sz="2000" dirty="0">
                 <a:latin typeface="나눔고딕" pitchFamily="2" charset="-127"/>
                 <a:ea typeface="나눔고딕" pitchFamily="2" charset="-127"/>
@@ -11505,15 +11685,26 @@
                 <a:latin typeface="나눔고딕" pitchFamily="2" charset="-127"/>
                 <a:ea typeface="나눔고딕" pitchFamily="2" charset="-127"/>
               </a:rPr>
-              <a:t>게임 프로그래밍 </a:t>
-            </a:r>
-            <a:r>
-              <a:rPr lang="en-US" altLang="ko-KR" sz="2000" dirty="0">
-                <a:latin typeface="나눔고딕" pitchFamily="2" charset="-127"/>
-                <a:ea typeface="나눔고딕" pitchFamily="2" charset="-127"/>
-              </a:rPr>
-              <a:t>1,2</a:t>
-            </a:r>
+              <a:t>게임 </a:t>
+            </a:r>
+            <a:r>
+              <a:rPr lang="ko-KR" altLang="en-US" sz="2000">
+                <a:latin typeface="나눔고딕" pitchFamily="2" charset="-127"/>
+                <a:ea typeface="나눔고딕" pitchFamily="2" charset="-127"/>
+              </a:rPr>
+              <a:t>프로그래밍 </a:t>
+            </a:r>
+            <a:r>
+              <a:rPr lang="en-US" altLang="ko-KR" sz="2000">
+                <a:latin typeface="나눔고딕" pitchFamily="2" charset="-127"/>
+                <a:ea typeface="나눔고딕" pitchFamily="2" charset="-127"/>
+              </a:rPr>
+              <a:t>1, 2</a:t>
+            </a:r>
+            <a:endParaRPr lang="en-US" altLang="ko-KR" sz="2000" dirty="0">
+              <a:latin typeface="나눔고딕" pitchFamily="2" charset="-127"/>
+              <a:ea typeface="나눔고딕" pitchFamily="2" charset="-127"/>
+            </a:endParaRPr>
           </a:p>
         </p:txBody>
       </p:sp>
@@ -11617,18 +11808,18 @@
               <a:buChar char="•"/>
             </a:pPr>
             <a:r>
-              <a:rPr lang="en-US" altLang="ko-KR" sz="2000" dirty="0">
-                <a:latin typeface="나눔고딕" pitchFamily="2" charset="-127"/>
-                <a:ea typeface="나눔고딕" pitchFamily="2" charset="-127"/>
-              </a:rPr>
-              <a:t>C, C++ </a:t>
+              <a:rPr lang="ko-KR" altLang="en-US" sz="2000">
+                <a:latin typeface="나눔고딕" pitchFamily="2" charset="-127"/>
+                <a:ea typeface="나눔고딕" pitchFamily="2" charset="-127"/>
+              </a:rPr>
+              <a:t>스크립트 </a:t>
             </a:r>
             <a:r>
               <a:rPr lang="ko-KR" altLang="en-US" sz="2000" dirty="0">
                 <a:latin typeface="나눔고딕" pitchFamily="2" charset="-127"/>
                 <a:ea typeface="나눔고딕" pitchFamily="2" charset="-127"/>
               </a:rPr>
-              <a:t>프로그래밍</a:t>
+              <a:t>언어</a:t>
             </a:r>
             <a:endParaRPr lang="en-US" altLang="ko-KR" sz="2000" dirty="0">
               <a:latin typeface="나눔고딕" pitchFamily="2" charset="-127"/>
@@ -11644,29 +11835,13 @@
               <a:buChar char="•"/>
             </a:pPr>
             <a:r>
-              <a:rPr lang="en-US" altLang="ko-KR" sz="2000" dirty="0">
-                <a:latin typeface="나눔고딕" pitchFamily="2" charset="-127"/>
-                <a:ea typeface="나눔고딕" pitchFamily="2" charset="-127"/>
-              </a:rPr>
-              <a:t>STL</a:t>
-            </a:r>
-          </a:p>
-          <a:p>
-            <a:pPr marL="285750" indent="-285750">
-              <a:lnSpc>
-                <a:spcPct val="150000"/>
-              </a:lnSpc>
-              <a:buFont typeface="Arial" panose="020B0604020202020204" pitchFamily="34" charset="0"/>
-              <a:buChar char="•"/>
-            </a:pPr>
-            <a:r>
-              <a:rPr lang="ko-KR" altLang="en-US" sz="2000" dirty="0">
-                <a:latin typeface="나눔고딕" pitchFamily="2" charset="-127"/>
-                <a:ea typeface="나눔고딕" pitchFamily="2" charset="-127"/>
-              </a:rPr>
-              <a:t>스크립트 언어</a:t>
-            </a:r>
-            <a:endParaRPr lang="en-US" altLang="ko-KR" sz="2000" dirty="0">
+              <a:rPr lang="ko-KR" altLang="en-US" sz="2000">
+                <a:latin typeface="나눔고딕" pitchFamily="2" charset="-127"/>
+                <a:ea typeface="나눔고딕" pitchFamily="2" charset="-127"/>
+              </a:rPr>
+              <a:t>데이터 베이스</a:t>
+            </a:r>
+            <a:endParaRPr lang="en-US" altLang="ko-KR" sz="2000">
               <a:latin typeface="나눔고딕" pitchFamily="2" charset="-127"/>
               <a:ea typeface="나눔고딕" pitchFamily="2" charset="-127"/>
             </a:endParaRPr>
@@ -11680,31 +11855,11 @@
               <a:buChar char="•"/>
             </a:pPr>
             <a:r>
-              <a:rPr lang="ko-KR" altLang="en-US" sz="2000" dirty="0">
+              <a:rPr lang="ko-KR" altLang="en-US" sz="2000">
                 <a:latin typeface="나눔고딕" pitchFamily="2" charset="-127"/>
                 <a:ea typeface="나눔고딕" pitchFamily="2" charset="-127"/>
               </a:rPr>
               <a:t>네트워크 게임 프로그래밍</a:t>
-            </a:r>
-            <a:endParaRPr lang="en-US" altLang="ko-KR" sz="2000" dirty="0">
-              <a:latin typeface="나눔고딕" pitchFamily="2" charset="-127"/>
-              <a:ea typeface="나눔고딕" pitchFamily="2" charset="-127"/>
-            </a:endParaRPr>
-          </a:p>
-          <a:p>
-            <a:pPr marL="285750" indent="-285750">
-              <a:lnSpc>
-                <a:spcPct val="150000"/>
-              </a:lnSpc>
-              <a:buFont typeface="Arial" panose="020B0604020202020204" pitchFamily="34" charset="0"/>
-              <a:buChar char="•"/>
-            </a:pPr>
-            <a:r>
-              <a:rPr lang="ko-KR" altLang="en-US" sz="2000" dirty="0">
-                <a:latin typeface="나눔고딕" pitchFamily="2" charset="-127"/>
-                <a:ea typeface="나눔고딕" pitchFamily="2" charset="-127"/>
-              </a:rPr>
-              <a:t>인공지능</a:t>
             </a:r>
             <a:endParaRPr lang="en-US" altLang="ko-KR" sz="2000" dirty="0">
               <a:latin typeface="나눔고딕" pitchFamily="2" charset="-127"/>
@@ -11779,59 +11934,16 @@
               <a:buChar char="•"/>
             </a:pPr>
             <a:r>
-              <a:rPr lang="en-US" altLang="ko-KR" sz="2000" dirty="0">
-                <a:latin typeface="나눔고딕" pitchFamily="2" charset="-127"/>
-                <a:ea typeface="나눔고딕" pitchFamily="2" charset="-127"/>
-              </a:rPr>
-              <a:t>C, C++ </a:t>
-            </a:r>
-            <a:r>
-              <a:rPr lang="ko-KR" altLang="en-US" sz="2000" dirty="0">
-                <a:latin typeface="나눔고딕" pitchFamily="2" charset="-127"/>
-                <a:ea typeface="나눔고딕" pitchFamily="2" charset="-127"/>
-              </a:rPr>
-              <a:t>프로그래밍</a:t>
+              <a:rPr lang="ko-KR" altLang="en-US" sz="2000">
+                <a:latin typeface="나눔고딕" pitchFamily="2" charset="-127"/>
+                <a:ea typeface="나눔고딕" pitchFamily="2" charset="-127"/>
+              </a:rPr>
+              <a:t>알고리즘</a:t>
             </a:r>
             <a:endParaRPr lang="en-US" altLang="ko-KR" sz="2000" dirty="0">
               <a:latin typeface="나눔고딕" pitchFamily="2" charset="-127"/>
               <a:ea typeface="나눔고딕" pitchFamily="2" charset="-127"/>
             </a:endParaRPr>
-          </a:p>
-          <a:p>
-            <a:pPr marL="285750" indent="-285750">
-              <a:lnSpc>
-                <a:spcPct val="150000"/>
-              </a:lnSpc>
-              <a:buFont typeface="Arial" panose="020B0604020202020204" pitchFamily="34" charset="0"/>
-              <a:buChar char="•"/>
-            </a:pPr>
-            <a:r>
-              <a:rPr lang="ko-KR" altLang="en-US" sz="2000" dirty="0">
-                <a:latin typeface="나눔고딕" pitchFamily="2" charset="-127"/>
-                <a:ea typeface="나눔고딕" pitchFamily="2" charset="-127"/>
-              </a:rPr>
-              <a:t>알고리즘</a:t>
-            </a:r>
-            <a:endParaRPr lang="en-US" altLang="ko-KR" sz="2000" dirty="0">
-              <a:latin typeface="나눔고딕" pitchFamily="2" charset="-127"/>
-              <a:ea typeface="나눔고딕" pitchFamily="2" charset="-127"/>
-            </a:endParaRPr>
-          </a:p>
-          <a:p>
-            <a:pPr marL="285750" indent="-285750">
-              <a:lnSpc>
-                <a:spcPct val="150000"/>
-              </a:lnSpc>
-              <a:buFont typeface="Arial" panose="020B0604020202020204" pitchFamily="34" charset="0"/>
-              <a:buChar char="•"/>
-            </a:pPr>
-            <a:r>
-              <a:rPr lang="en-US" altLang="ko-KR" sz="2000" dirty="0">
-                <a:latin typeface="나눔고딕" pitchFamily="2" charset="-127"/>
-                <a:ea typeface="나눔고딕" pitchFamily="2" charset="-127"/>
-              </a:rPr>
-              <a:t>STL</a:t>
-            </a:r>
           </a:p>
           <a:p>
             <a:pPr marL="285750" indent="-285750">
@@ -12151,7 +12263,7 @@
           <p:nvPr>
             <p:extLst>
               <p:ext uri="{D42A27DB-BD31-4B8C-83A1-F6EECF244321}">
-                <p14:modId xmlns:p14="http://schemas.microsoft.com/office/powerpoint/2010/main" val="405742289"/>
+                <p14:modId xmlns:p14="http://schemas.microsoft.com/office/powerpoint/2010/main" val="1833797027"/>
               </p:ext>
             </p:extLst>
           </p:nvPr>
@@ -12415,35 +12527,21 @@
                         <a:t>이세철 </a:t>
                       </a:r>
                       <a:r>
-                        <a:rPr lang="en-US" altLang="ko-KR" sz="2200" dirty="0">
+                        <a:rPr lang="en-US" altLang="ko-KR" sz="2200">
                           <a:latin typeface="나눔고딕" pitchFamily="2" charset="-127"/>
                           <a:ea typeface="나눔고딕" pitchFamily="2" charset="-127"/>
                         </a:rPr>
                         <a:t>(</a:t>
                       </a:r>
                       <a:r>
-                        <a:rPr lang="ko-KR" altLang="en-US" sz="2200" dirty="0">
+                        <a:rPr lang="ko-KR" altLang="en-US" sz="2200">
                           <a:latin typeface="나눔고딕" pitchFamily="2" charset="-127"/>
                           <a:ea typeface="나눔고딕" pitchFamily="2" charset="-127"/>
                         </a:rPr>
                         <a:t>기획</a:t>
                       </a:r>
                       <a:r>
-                        <a:rPr lang="en-US" altLang="ko-KR" sz="2200" dirty="0">
-                          <a:latin typeface="나눔고딕" pitchFamily="2" charset="-127"/>
-                          <a:ea typeface="나눔고딕" pitchFamily="2" charset="-127"/>
-                        </a:rPr>
-                        <a:t>/</a:t>
-                      </a:r>
-                      <a:r>
-                        <a:rPr lang="ko-KR" altLang="en-US" sz="2200" dirty="0">
-                          <a:latin typeface="나눔고딕" pitchFamily="2" charset="-127"/>
-                          <a:ea typeface="나눔고딕" pitchFamily="2" charset="-127"/>
-                        </a:rPr>
-                        <a:t>서버</a:t>
-                      </a:r>
-                      <a:r>
-                        <a:rPr lang="en-US" altLang="ko-KR" sz="2200" dirty="0">
+                        <a:rPr lang="en-US" altLang="ko-KR" sz="2200">
                           <a:latin typeface="나눔고딕" pitchFamily="2" charset="-127"/>
                           <a:ea typeface="나눔고딕" pitchFamily="2" charset="-127"/>
                         </a:rPr>
@@ -12533,41 +12631,7 @@
                         <a:buChar char="•"/>
                       </a:pPr>
                       <a:r>
-                        <a:rPr lang="ko-KR" altLang="en-US" sz="2000" dirty="0">
-                          <a:latin typeface="나눔고딕" pitchFamily="2" charset="-127"/>
-                          <a:ea typeface="나눔고딕" pitchFamily="2" charset="-127"/>
-                        </a:rPr>
-                        <a:t>조명</a:t>
-                      </a:r>
-                      <a:r>
-                        <a:rPr lang="en-US" altLang="ko-KR" sz="2000" dirty="0">
-                          <a:latin typeface="나눔고딕" pitchFamily="2" charset="-127"/>
-                          <a:ea typeface="나눔고딕" pitchFamily="2" charset="-127"/>
-                        </a:rPr>
-                        <a:t>, </a:t>
-                      </a:r>
-                      <a:r>
-                        <a:rPr lang="ko-KR" altLang="en-US" sz="2000" dirty="0">
-                          <a:latin typeface="나눔고딕" pitchFamily="2" charset="-127"/>
-                          <a:ea typeface="나눔고딕" pitchFamily="2" charset="-127"/>
-                        </a:rPr>
-                        <a:t>그림자 처리</a:t>
-                      </a:r>
-                      <a:endParaRPr lang="en-US" altLang="ko-KR" sz="2000" dirty="0">
-                        <a:latin typeface="나눔고딕" pitchFamily="2" charset="-127"/>
-                        <a:ea typeface="나눔고딕" pitchFamily="2" charset="-127"/>
-                      </a:endParaRPr>
-                    </a:p>
-                    <a:p>
-                      <a:pPr marL="285750" indent="-285750" latinLnBrk="1">
-                        <a:lnSpc>
-                          <a:spcPct val="150000"/>
-                        </a:lnSpc>
-                        <a:buFont typeface="Arial" panose="020B0604020202020204" pitchFamily="34" charset="0"/>
-                        <a:buChar char="•"/>
-                      </a:pPr>
-                      <a:r>
-                        <a:rPr lang="ko-KR" altLang="en-US" sz="2000" dirty="0" err="1">
+                        <a:rPr lang="ko-KR" altLang="en-US" sz="2000">
                           <a:latin typeface="나눔고딕" pitchFamily="2" charset="-127"/>
                           <a:ea typeface="나눔고딕" pitchFamily="2" charset="-127"/>
                         </a:rPr>
@@ -12773,31 +12837,18 @@
                         <a:buChar char="•"/>
                       </a:pPr>
                       <a:r>
-                        <a:rPr lang="ko-KR" altLang="en-US" sz="2000" dirty="0">
+                        <a:rPr lang="ko-KR" altLang="en-US" sz="2000">
                           <a:latin typeface="나눔고딕" pitchFamily="2" charset="-127"/>
                           <a:ea typeface="나눔고딕" pitchFamily="2" charset="-127"/>
                         </a:rPr>
-                        <a:t>게임 서버 프레임워크 제작</a:t>
+                        <a:t>서버 </a:t>
                       </a:r>
-                      <a:endParaRPr lang="en-US" altLang="ko-KR" sz="2000" dirty="0">
-                        <a:latin typeface="나눔고딕" pitchFamily="2" charset="-127"/>
-                        <a:ea typeface="나눔고딕" pitchFamily="2" charset="-127"/>
-                      </a:endParaRPr>
-                    </a:p>
-                    <a:p>
-                      <a:pPr marL="285750" indent="-285750" latinLnBrk="1">
-                        <a:lnSpc>
-                          <a:spcPct val="150000"/>
-                        </a:lnSpc>
-                        <a:buFont typeface="Arial" panose="020B0604020202020204" pitchFamily="34" charset="0"/>
-                        <a:buChar char="•"/>
-                      </a:pPr>
                       <a:r>
                         <a:rPr lang="ko-KR" altLang="en-US" sz="2000" dirty="0">
                           <a:latin typeface="나눔고딕" pitchFamily="2" charset="-127"/>
                           <a:ea typeface="나눔고딕" pitchFamily="2" charset="-127"/>
                         </a:rPr>
-                        <a:t>로그인 서버 프레임워크 제작</a:t>
+                        <a:t>프레임워크 제작</a:t>
                       </a:r>
                       <a:endParaRPr lang="en-US" altLang="ko-KR" sz="2000" dirty="0">
                         <a:latin typeface="나눔고딕" pitchFamily="2" charset="-127"/>
@@ -12823,6 +12874,17 @@
                         <a:defRPr/>
                       </a:pPr>
                       <a:r>
+                        <a:rPr lang="ko-KR" altLang="en-US" sz="2000" kern="1200">
+                          <a:solidFill>
+                            <a:schemeClr val="dk1"/>
+                          </a:solidFill>
+                          <a:latin typeface="나눔고딕" pitchFamily="2" charset="-127"/>
+                          <a:ea typeface="나눔고딕" pitchFamily="2" charset="-127"/>
+                          <a:cs typeface="+mn-cs"/>
+                        </a:rPr>
+                        <a:t>모든 </a:t>
+                      </a:r>
+                      <a:r>
                         <a:rPr lang="ko-KR" altLang="en-US" sz="2000" kern="1200" dirty="0">
                           <a:solidFill>
                             <a:schemeClr val="dk1"/>
@@ -12831,7 +12893,7 @@
                           <a:ea typeface="나눔고딕" pitchFamily="2" charset="-127"/>
                           <a:cs typeface="+mn-cs"/>
                         </a:rPr>
-                        <a:t>모든 서버 이중화</a:t>
+                        <a:t>서버 이중화</a:t>
                       </a:r>
                       <a:endParaRPr lang="en-US" altLang="ko-KR" sz="2000" dirty="0">
                         <a:latin typeface="나눔고딕" pitchFamily="2" charset="-127"/>
@@ -12865,9 +12927,16 @@
                           <a:latin typeface="나눔고딕" pitchFamily="2" charset="-127"/>
                           <a:ea typeface="나눔고딕" pitchFamily="2" charset="-127"/>
                         </a:rPr>
-                        <a:t>클라이언트 간 통신 및 동기화</a:t>
+                        <a:t>클라이언트 </a:t>
                       </a:r>
-                      <a:endParaRPr lang="en-US" altLang="ko-KR" sz="2000" dirty="0">
+                      <a:r>
+                        <a:rPr lang="ko-KR" altLang="en-US" sz="2000">
+                          <a:latin typeface="나눔고딕" pitchFamily="2" charset="-127"/>
+                          <a:ea typeface="나눔고딕" pitchFamily="2" charset="-127"/>
+                        </a:rPr>
+                        <a:t>간 동기화</a:t>
+                      </a:r>
+                      <a:endParaRPr lang="en-US" altLang="ko-KR" sz="2000">
                         <a:latin typeface="나눔고딕" pitchFamily="2" charset="-127"/>
                         <a:ea typeface="나눔고딕" pitchFamily="2" charset="-127"/>
                       </a:endParaRPr>
@@ -12942,25 +13011,87 @@
                         <a:buChar char="•"/>
                       </a:pPr>
                       <a:r>
-                        <a:rPr lang="en-US" altLang="ko-KR" sz="2000" dirty="0">
+                        <a:rPr lang="en-US" altLang="ko-KR" sz="2000">
+                          <a:latin typeface="나눔고딕" pitchFamily="2" charset="-127"/>
+                          <a:ea typeface="나눔고딕" pitchFamily="2" charset="-127"/>
+                        </a:rPr>
+                        <a:t>NPC </a:t>
+                      </a:r>
+                      <a:r>
+                        <a:rPr lang="ko-KR" altLang="en-US" sz="2000">
+                          <a:latin typeface="나눔고딕" pitchFamily="2" charset="-127"/>
+                          <a:ea typeface="나눔고딕" pitchFamily="2" charset="-127"/>
+                        </a:rPr>
+                        <a:t>로직</a:t>
+                      </a:r>
+                      <a:r>
+                        <a:rPr lang="en-US" altLang="ko-KR" sz="2000">
+                          <a:latin typeface="나눔고딕" pitchFamily="2" charset="-127"/>
+                          <a:ea typeface="나눔고딕" pitchFamily="2" charset="-127"/>
+                        </a:rPr>
+                        <a:t> </a:t>
+                      </a:r>
+                      <a:r>
+                        <a:rPr lang="ko-KR" altLang="en-US" sz="2000">
+                          <a:latin typeface="나눔고딕" pitchFamily="2" charset="-127"/>
+                          <a:ea typeface="나눔고딕" pitchFamily="2" charset="-127"/>
+                        </a:rPr>
+                        <a:t>설계</a:t>
+                      </a:r>
+                      <a:br>
+                        <a:rPr lang="en-US" altLang="ko-KR" sz="2000">
+                          <a:latin typeface="나눔고딕" pitchFamily="2" charset="-127"/>
+                          <a:ea typeface="나눔고딕" pitchFamily="2" charset="-127"/>
+                        </a:rPr>
+                      </a:br>
+                      <a:r>
+                        <a:rPr lang="en-US" altLang="ko-KR" sz="2000">
                           <a:latin typeface="나눔고딕" pitchFamily="2" charset="-127"/>
                           <a:ea typeface="나눔고딕" pitchFamily="2" charset="-127"/>
                         </a:rPr>
                         <a:t>Lua Script (</a:t>
                       </a:r>
                       <a:r>
-                        <a:rPr lang="ko-KR" altLang="en-US" sz="2000" dirty="0">
+                        <a:rPr lang="ko-KR" altLang="en-US" sz="2000">
                           <a:latin typeface="나눔고딕" pitchFamily="2" charset="-127"/>
                           <a:ea typeface="나눔고딕" pitchFamily="2" charset="-127"/>
                         </a:rPr>
-                        <a:t>헬기 </a:t>
+                        <a:t>적</a:t>
                       </a:r>
                       <a:r>
-                        <a:rPr lang="en-US" altLang="ko-KR" sz="2000" dirty="0">
+                        <a:rPr lang="en-US" altLang="ko-KR" sz="2000">
                           <a:latin typeface="나눔고딕" pitchFamily="2" charset="-127"/>
                           <a:ea typeface="나눔고딕" pitchFamily="2" charset="-127"/>
                         </a:rPr>
-                        <a:t>AI)</a:t>
+                        <a:t> </a:t>
+                      </a:r>
+                      <a:r>
+                        <a:rPr lang="ko-KR" altLang="en-US" sz="2000">
+                          <a:latin typeface="나눔고딕" pitchFamily="2" charset="-127"/>
+                          <a:ea typeface="나눔고딕" pitchFamily="2" charset="-127"/>
+                        </a:rPr>
+                        <a:t>객체</a:t>
+                      </a:r>
+                      <a:r>
+                        <a:rPr lang="en-US" altLang="ko-KR" sz="2000">
+                          <a:latin typeface="나눔고딕" pitchFamily="2" charset="-127"/>
+                          <a:ea typeface="나눔고딕" pitchFamily="2" charset="-127"/>
+                        </a:rPr>
+                        <a:t>, </a:t>
+                      </a:r>
+                      <a:r>
+                        <a:rPr lang="ko-KR" altLang="en-US" sz="2000">
+                          <a:latin typeface="나눔고딕" pitchFamily="2" charset="-127"/>
+                          <a:ea typeface="나눔고딕" pitchFamily="2" charset="-127"/>
+                        </a:rPr>
+                        <a:t>아군</a:t>
+                      </a:r>
+                      <a:r>
+                        <a:rPr lang="en-US" altLang="ko-KR" sz="2000">
+                          <a:latin typeface="나눔고딕" pitchFamily="2" charset="-127"/>
+                          <a:ea typeface="나눔고딕" pitchFamily="2" charset="-127"/>
+                        </a:rPr>
+                        <a:t>)</a:t>
                       </a:r>
                     </a:p>
                     <a:p>
@@ -12972,71 +13103,18 @@
                         <a:buChar char="•"/>
                       </a:pPr>
                       <a:r>
-                        <a:rPr lang="en-US" altLang="ko-KR" sz="2000" dirty="0">
+                        <a:rPr lang="ko-KR" altLang="en-US" sz="2000">
                           <a:latin typeface="나눔고딕" pitchFamily="2" charset="-127"/>
                           <a:ea typeface="나눔고딕" pitchFamily="2" charset="-127"/>
                         </a:rPr>
-                        <a:t>Lua Script (</a:t>
+                        <a:t>물리적 </a:t>
                       </a:r>
                       <a:r>
                         <a:rPr lang="ko-KR" altLang="en-US" sz="2000" dirty="0">
                           <a:latin typeface="나눔고딕" pitchFamily="2" charset="-127"/>
                           <a:ea typeface="나눔고딕" pitchFamily="2" charset="-127"/>
                         </a:rPr>
-                        <a:t>전투 시설 </a:t>
-                      </a:r>
-                      <a:r>
-                        <a:rPr lang="en-US" altLang="ko-KR" sz="2000" dirty="0">
-                          <a:latin typeface="나눔고딕" pitchFamily="2" charset="-127"/>
-                          <a:ea typeface="나눔고딕" pitchFamily="2" charset="-127"/>
-                        </a:rPr>
-                        <a:t>AI)</a:t>
-                      </a:r>
-                    </a:p>
-                    <a:p>
-                      <a:pPr marL="285750" indent="-285750" latinLnBrk="1">
-                        <a:lnSpc>
-                          <a:spcPct val="150000"/>
-                        </a:lnSpc>
-                        <a:buFont typeface="Arial" panose="020B0604020202020204" pitchFamily="34" charset="0"/>
-                        <a:buChar char="•"/>
-                      </a:pPr>
-                      <a:r>
-                        <a:rPr lang="en-US" altLang="ko-KR" sz="2000" dirty="0">
-                          <a:latin typeface="나눔고딕" pitchFamily="2" charset="-127"/>
-                          <a:ea typeface="나눔고딕" pitchFamily="2" charset="-127"/>
-                        </a:rPr>
-                        <a:t>Lua Script (</a:t>
-                      </a:r>
-                      <a:r>
-                        <a:rPr lang="ko-KR" altLang="en-US" sz="2000" dirty="0">
-                          <a:latin typeface="나눔고딕" pitchFamily="2" charset="-127"/>
-                          <a:ea typeface="나눔고딕" pitchFamily="2" charset="-127"/>
-                        </a:rPr>
-                        <a:t>아군 </a:t>
-                      </a:r>
-                      <a:r>
-                        <a:rPr lang="en-US" altLang="ko-KR" sz="2000" dirty="0">
-                          <a:latin typeface="나눔고딕" pitchFamily="2" charset="-127"/>
-                          <a:ea typeface="나눔고딕" pitchFamily="2" charset="-127"/>
-                        </a:rPr>
-                        <a:t>AI)</a:t>
-                      </a:r>
-                    </a:p>
-                    <a:p>
-                      <a:pPr marL="285750" indent="-285750" latinLnBrk="1">
-                        <a:lnSpc>
-                          <a:spcPct val="150000"/>
-                        </a:lnSpc>
-                        <a:buFont typeface="Arial" panose="020B0604020202020204" pitchFamily="34" charset="0"/>
-                        <a:buChar char="•"/>
-                      </a:pPr>
-                      <a:r>
-                        <a:rPr lang="ko-KR" altLang="en-US" sz="2000" dirty="0">
-                          <a:latin typeface="나눔고딕" pitchFamily="2" charset="-127"/>
-                          <a:ea typeface="나눔고딕" pitchFamily="2" charset="-127"/>
-                        </a:rPr>
-                        <a:t>물리적 움직임에 대한 로직</a:t>
+                        <a:t>움직임에 대한 로직</a:t>
                       </a:r>
                       <a:endParaRPr lang="en-US" altLang="ko-KR" sz="2000" dirty="0">
                         <a:latin typeface="나눔고딕" pitchFamily="2" charset="-127"/>
@@ -13076,9 +13154,36 @@
                           <a:latin typeface="나눔고딕" pitchFamily="2" charset="-127"/>
                           <a:ea typeface="나눔고딕" pitchFamily="2" charset="-127"/>
                         </a:rPr>
-                        <a:t>손상 및 파괴 수치 로직 설계</a:t>
+                        <a:t>손상 및 파괴 수치 </a:t>
                       </a:r>
-                      <a:endParaRPr lang="en-US" altLang="ko-KR" sz="2000" dirty="0">
+                      <a:r>
+                        <a:rPr lang="ko-KR" altLang="en-US" sz="2000">
+                          <a:latin typeface="나눔고딕" pitchFamily="2" charset="-127"/>
+                          <a:ea typeface="나눔고딕" pitchFamily="2" charset="-127"/>
+                        </a:rPr>
+                        <a:t>로직 설계</a:t>
+                      </a:r>
+                      <a:endParaRPr lang="en-US" altLang="ko-KR" sz="2000">
+                        <a:latin typeface="나눔고딕" pitchFamily="2" charset="-127"/>
+                        <a:ea typeface="나눔고딕" pitchFamily="2" charset="-127"/>
+                      </a:endParaRPr>
+                    </a:p>
+                    <a:p>
+                      <a:pPr marL="285750" indent="-285750" latinLnBrk="1">
+                        <a:lnSpc>
+                          <a:spcPct val="150000"/>
+                        </a:lnSpc>
+                        <a:buFont typeface="Arial" panose="020B0604020202020204" pitchFamily="34" charset="0"/>
+                        <a:buChar char="•"/>
+                      </a:pPr>
+                      <a:r>
+                        <a:rPr lang="ko-KR" altLang="en-US" sz="2000">
+                          <a:latin typeface="나눔고딕" pitchFamily="2" charset="-127"/>
+                          <a:ea typeface="나눔고딕" pitchFamily="2" charset="-127"/>
+                        </a:rPr>
+                        <a:t>세부 계획에 대한 기획 설계</a:t>
+                      </a:r>
+                      <a:endParaRPr lang="en-US" altLang="ko-KR" sz="2000">
                         <a:latin typeface="나눔고딕" pitchFamily="2" charset="-127"/>
                         <a:ea typeface="나눔고딕" pitchFamily="2" charset="-127"/>
                       </a:endParaRPr>
@@ -13546,14 +13651,14 @@
           <p:nvPr>
             <p:extLst>
               <p:ext uri="{D42A27DB-BD31-4B8C-83A1-F6EECF244321}">
-                <p14:modId xmlns:p14="http://schemas.microsoft.com/office/powerpoint/2010/main" val="1953011686"/>
+                <p14:modId xmlns:p14="http://schemas.microsoft.com/office/powerpoint/2010/main" val="1398706330"/>
               </p:ext>
             </p:extLst>
           </p:nvPr>
         </p:nvGraphicFramePr>
         <p:xfrm>
           <a:off x="696000" y="1214947"/>
-          <a:ext cx="10800001" cy="5151460"/>
+          <a:ext cx="10800001" cy="5118544"/>
         </p:xfrm>
         <a:graphic>
           <a:graphicData uri="http://schemas.openxmlformats.org/drawingml/2006/table">
@@ -14313,7 +14418,1150 @@
                           <a:latin typeface="나눔고딕" pitchFamily="2" charset="-127"/>
                           <a:ea typeface="나눔고딕" pitchFamily="2" charset="-127"/>
                         </a:rPr>
-                        <a:t>리소스 수집</a:t>
+                        <a:t>클라이언트 프레임워크</a:t>
+                      </a:r>
+                    </a:p>
+                  </a:txBody>
+                  <a:tcPr anchor="ctr">
+                    <a:lnL w="12700" cap="flat" cmpd="sng" algn="ctr">
+                      <a:solidFill>
+                        <a:schemeClr val="tx1"/>
+                      </a:solidFill>
+                      <a:prstDash val="solid"/>
+                      <a:round/>
+                      <a:headEnd type="none" w="med" len="med"/>
+                      <a:tailEnd type="none" w="med" len="med"/>
+                    </a:lnL>
+                    <a:lnR w="12700" cap="flat" cmpd="sng" algn="ctr">
+                      <a:solidFill>
+                        <a:schemeClr val="tx1"/>
+                      </a:solidFill>
+                      <a:prstDash val="solid"/>
+                      <a:round/>
+                      <a:headEnd type="none" w="med" len="med"/>
+                      <a:tailEnd type="none" w="med" len="med"/>
+                    </a:lnR>
+                    <a:lnT w="12700" cap="flat" cmpd="sng" algn="ctr">
+                      <a:solidFill>
+                        <a:schemeClr val="tx1"/>
+                      </a:solidFill>
+                      <a:prstDash val="solid"/>
+                      <a:round/>
+                      <a:headEnd type="none" w="med" len="med"/>
+                      <a:tailEnd type="none" w="med" len="med"/>
+                    </a:lnT>
+                    <a:lnB w="12700" cap="flat" cmpd="sng" algn="ctr">
+                      <a:solidFill>
+                        <a:schemeClr val="tx1"/>
+                      </a:solidFill>
+                      <a:prstDash val="solid"/>
+                      <a:round/>
+                      <a:headEnd type="none" w="med" len="med"/>
+                      <a:tailEnd type="none" w="med" len="med"/>
+                    </a:lnB>
+                    <a:lnTlToBr w="12700" cmpd="sng">
+                      <a:noFill/>
+                      <a:prstDash val="solid"/>
+                    </a:lnTlToBr>
+                    <a:lnBlToTr w="12700" cmpd="sng">
+                      <a:noFill/>
+                      <a:prstDash val="solid"/>
+                    </a:lnBlToTr>
+                    <a:solidFill>
+                      <a:schemeClr val="bg1">
+                        <a:lumMod val="95000"/>
+                      </a:schemeClr>
+                    </a:solidFill>
+                  </a:tcPr>
+                </a:tc>
+                <a:tc gridSpan="2">
+                  <a:txBody>
+                    <a:bodyPr/>
+                    <a:lstStyle/>
+                    <a:p>
+                      <a:pPr latinLnBrk="1"/>
+                      <a:endParaRPr lang="ko-KR" altLang="en-US" sz="1800" dirty="0">
+                        <a:latin typeface="나눔고딕" pitchFamily="2" charset="-127"/>
+                        <a:ea typeface="나눔고딕" pitchFamily="2" charset="-127"/>
+                      </a:endParaRPr>
+                    </a:p>
+                  </a:txBody>
+                  <a:tcPr>
+                    <a:lnL w="12700" cap="flat" cmpd="sng" algn="ctr">
+                      <a:solidFill>
+                        <a:schemeClr val="tx1"/>
+                      </a:solidFill>
+                      <a:prstDash val="solid"/>
+                      <a:round/>
+                      <a:headEnd type="none" w="med" len="med"/>
+                      <a:tailEnd type="none" w="med" len="med"/>
+                    </a:lnL>
+                    <a:lnR w="12700" cap="flat" cmpd="sng" algn="ctr">
+                      <a:solidFill>
+                        <a:schemeClr val="tx1"/>
+                      </a:solidFill>
+                      <a:prstDash val="solid"/>
+                      <a:round/>
+                      <a:headEnd type="none" w="med" len="med"/>
+                      <a:tailEnd type="none" w="med" len="med"/>
+                    </a:lnR>
+                    <a:lnT w="12700" cap="flat" cmpd="sng" algn="ctr">
+                      <a:solidFill>
+                        <a:schemeClr val="tx1"/>
+                      </a:solidFill>
+                      <a:prstDash val="solid"/>
+                      <a:round/>
+                      <a:headEnd type="none" w="med" len="med"/>
+                      <a:tailEnd type="none" w="med" len="med"/>
+                    </a:lnT>
+                    <a:lnB w="12700" cap="flat" cmpd="sng" algn="ctr">
+                      <a:solidFill>
+                        <a:schemeClr val="tx1"/>
+                      </a:solidFill>
+                      <a:prstDash val="solid"/>
+                      <a:round/>
+                      <a:headEnd type="none" w="med" len="med"/>
+                      <a:tailEnd type="none" w="med" len="med"/>
+                    </a:lnB>
+                    <a:lnTlToBr w="12700" cmpd="sng">
+                      <a:noFill/>
+                      <a:prstDash val="solid"/>
+                    </a:lnTlToBr>
+                    <a:lnBlToTr w="12700" cmpd="sng">
+                      <a:noFill/>
+                      <a:prstDash val="solid"/>
+                    </a:lnBlToTr>
+                    <a:solidFill>
+                      <a:srgbClr val="0F518E"/>
+                    </a:solidFill>
+                  </a:tcPr>
+                </a:tc>
+                <a:tc hMerge="1">
+                  <a:txBody>
+                    <a:bodyPr/>
+                    <a:lstStyle/>
+                    <a:p>
+                      <a:pPr latinLnBrk="1"/>
+                      <a:endParaRPr lang="ko-KR" altLang="en-US">
+                        <a:latin typeface="+mj-ea"/>
+                        <a:ea typeface="+mj-ea"/>
+                      </a:endParaRPr>
+                    </a:p>
+                  </a:txBody>
+                  <a:tcPr>
+                    <a:lnL w="12700" cap="flat" cmpd="sng" algn="ctr">
+                      <a:solidFill>
+                        <a:schemeClr val="tx1"/>
+                      </a:solidFill>
+                      <a:prstDash val="solid"/>
+                      <a:round/>
+                      <a:headEnd type="none" w="med" len="med"/>
+                      <a:tailEnd type="none" w="med" len="med"/>
+                    </a:lnL>
+                    <a:lnR w="12700" cap="flat" cmpd="sng" algn="ctr">
+                      <a:solidFill>
+                        <a:schemeClr val="tx1"/>
+                      </a:solidFill>
+                      <a:prstDash val="solid"/>
+                      <a:round/>
+                      <a:headEnd type="none" w="med" len="med"/>
+                      <a:tailEnd type="none" w="med" len="med"/>
+                    </a:lnR>
+                    <a:lnT w="12700" cap="flat" cmpd="sng" algn="ctr">
+                      <a:solidFill>
+                        <a:schemeClr val="tx1"/>
+                      </a:solidFill>
+                      <a:prstDash val="solid"/>
+                      <a:round/>
+                      <a:headEnd type="none" w="med" len="med"/>
+                      <a:tailEnd type="none" w="med" len="med"/>
+                    </a:lnT>
+                    <a:lnB w="12700" cap="flat" cmpd="sng" algn="ctr">
+                      <a:solidFill>
+                        <a:schemeClr val="tx1"/>
+                      </a:solidFill>
+                      <a:prstDash val="solid"/>
+                      <a:round/>
+                      <a:headEnd type="none" w="med" len="med"/>
+                      <a:tailEnd type="none" w="med" len="med"/>
+                    </a:lnB>
+                    <a:lnTlToBr w="12700" cmpd="sng">
+                      <a:noFill/>
+                      <a:prstDash val="solid"/>
+                    </a:lnTlToBr>
+                    <a:lnBlToTr w="12700" cmpd="sng">
+                      <a:noFill/>
+                      <a:prstDash val="solid"/>
+                    </a:lnBlToTr>
+                    <a:noFill/>
+                  </a:tcPr>
+                </a:tc>
+                <a:tc>
+                  <a:txBody>
+                    <a:bodyPr/>
+                    <a:lstStyle/>
+                    <a:p>
+                      <a:pPr latinLnBrk="1"/>
+                      <a:endParaRPr lang="ko-KR" altLang="en-US" sz="1800" dirty="0">
+                        <a:latin typeface="나눔고딕" pitchFamily="2" charset="-127"/>
+                        <a:ea typeface="나눔고딕" pitchFamily="2" charset="-127"/>
+                      </a:endParaRPr>
+                    </a:p>
+                  </a:txBody>
+                  <a:tcPr>
+                    <a:lnL w="12700" cap="flat" cmpd="sng" algn="ctr">
+                      <a:solidFill>
+                        <a:schemeClr val="tx1"/>
+                      </a:solidFill>
+                      <a:prstDash val="solid"/>
+                      <a:round/>
+                      <a:headEnd type="none" w="med" len="med"/>
+                      <a:tailEnd type="none" w="med" len="med"/>
+                    </a:lnL>
+                    <a:lnR w="12700" cap="flat" cmpd="sng" algn="ctr">
+                      <a:solidFill>
+                        <a:schemeClr val="tx1"/>
+                      </a:solidFill>
+                      <a:prstDash val="solid"/>
+                      <a:round/>
+                      <a:headEnd type="none" w="med" len="med"/>
+                      <a:tailEnd type="none" w="med" len="med"/>
+                    </a:lnR>
+                    <a:lnT w="12700" cap="flat" cmpd="sng" algn="ctr">
+                      <a:solidFill>
+                        <a:schemeClr val="tx1"/>
+                      </a:solidFill>
+                      <a:prstDash val="solid"/>
+                      <a:round/>
+                      <a:headEnd type="none" w="med" len="med"/>
+                      <a:tailEnd type="none" w="med" len="med"/>
+                    </a:lnT>
+                    <a:lnB w="12700" cap="flat" cmpd="sng" algn="ctr">
+                      <a:solidFill>
+                        <a:schemeClr val="tx1"/>
+                      </a:solidFill>
+                      <a:prstDash val="solid"/>
+                      <a:round/>
+                      <a:headEnd type="none" w="med" len="med"/>
+                      <a:tailEnd type="none" w="med" len="med"/>
+                    </a:lnB>
+                    <a:lnTlToBr w="12700" cmpd="sng">
+                      <a:noFill/>
+                      <a:prstDash val="solid"/>
+                    </a:lnTlToBr>
+                    <a:lnBlToTr w="12700" cmpd="sng">
+                      <a:noFill/>
+                      <a:prstDash val="solid"/>
+                    </a:lnBlToTr>
+                    <a:noFill/>
+                  </a:tcPr>
+                </a:tc>
+                <a:tc>
+                  <a:txBody>
+                    <a:bodyPr/>
+                    <a:lstStyle/>
+                    <a:p>
+                      <a:pPr latinLnBrk="1"/>
+                      <a:endParaRPr lang="ko-KR" altLang="en-US" sz="1800" dirty="0">
+                        <a:latin typeface="나눔고딕" pitchFamily="2" charset="-127"/>
+                        <a:ea typeface="나눔고딕" pitchFamily="2" charset="-127"/>
+                      </a:endParaRPr>
+                    </a:p>
+                  </a:txBody>
+                  <a:tcPr>
+                    <a:lnL w="12700" cap="flat" cmpd="sng" algn="ctr">
+                      <a:solidFill>
+                        <a:schemeClr val="tx1"/>
+                      </a:solidFill>
+                      <a:prstDash val="solid"/>
+                      <a:round/>
+                      <a:headEnd type="none" w="med" len="med"/>
+                      <a:tailEnd type="none" w="med" len="med"/>
+                    </a:lnL>
+                    <a:lnR w="12700" cap="flat" cmpd="sng" algn="ctr">
+                      <a:solidFill>
+                        <a:schemeClr val="tx1"/>
+                      </a:solidFill>
+                      <a:prstDash val="solid"/>
+                      <a:round/>
+                      <a:headEnd type="none" w="med" len="med"/>
+                      <a:tailEnd type="none" w="med" len="med"/>
+                    </a:lnR>
+                    <a:lnT w="12700" cap="flat" cmpd="sng" algn="ctr">
+                      <a:solidFill>
+                        <a:schemeClr val="tx1"/>
+                      </a:solidFill>
+                      <a:prstDash val="solid"/>
+                      <a:round/>
+                      <a:headEnd type="none" w="med" len="med"/>
+                      <a:tailEnd type="none" w="med" len="med"/>
+                    </a:lnT>
+                    <a:lnB w="12700" cap="flat" cmpd="sng" algn="ctr">
+                      <a:solidFill>
+                        <a:schemeClr val="tx1"/>
+                      </a:solidFill>
+                      <a:prstDash val="solid"/>
+                      <a:round/>
+                      <a:headEnd type="none" w="med" len="med"/>
+                      <a:tailEnd type="none" w="med" len="med"/>
+                    </a:lnB>
+                    <a:lnTlToBr w="12700" cmpd="sng">
+                      <a:noFill/>
+                      <a:prstDash val="solid"/>
+                    </a:lnTlToBr>
+                    <a:lnBlToTr w="12700" cmpd="sng">
+                      <a:noFill/>
+                      <a:prstDash val="solid"/>
+                    </a:lnBlToTr>
+                    <a:noFill/>
+                  </a:tcPr>
+                </a:tc>
+                <a:tc>
+                  <a:txBody>
+                    <a:bodyPr/>
+                    <a:lstStyle/>
+                    <a:p>
+                      <a:pPr latinLnBrk="1"/>
+                      <a:endParaRPr lang="ko-KR" altLang="en-US" sz="1800" dirty="0">
+                        <a:latin typeface="나눔고딕" pitchFamily="2" charset="-127"/>
+                        <a:ea typeface="나눔고딕" pitchFamily="2" charset="-127"/>
+                      </a:endParaRPr>
+                    </a:p>
+                  </a:txBody>
+                  <a:tcPr>
+                    <a:lnL w="12700" cap="flat" cmpd="sng" algn="ctr">
+                      <a:solidFill>
+                        <a:schemeClr val="tx1"/>
+                      </a:solidFill>
+                      <a:prstDash val="solid"/>
+                      <a:round/>
+                      <a:headEnd type="none" w="med" len="med"/>
+                      <a:tailEnd type="none" w="med" len="med"/>
+                    </a:lnL>
+                    <a:lnR w="12700" cap="flat" cmpd="sng" algn="ctr">
+                      <a:solidFill>
+                        <a:schemeClr val="tx1"/>
+                      </a:solidFill>
+                      <a:prstDash val="solid"/>
+                      <a:round/>
+                      <a:headEnd type="none" w="med" len="med"/>
+                      <a:tailEnd type="none" w="med" len="med"/>
+                    </a:lnR>
+                    <a:lnT w="12700" cap="flat" cmpd="sng" algn="ctr">
+                      <a:solidFill>
+                        <a:schemeClr val="tx1"/>
+                      </a:solidFill>
+                      <a:prstDash val="solid"/>
+                      <a:round/>
+                      <a:headEnd type="none" w="med" len="med"/>
+                      <a:tailEnd type="none" w="med" len="med"/>
+                    </a:lnT>
+                    <a:lnB w="12700" cap="flat" cmpd="sng" algn="ctr">
+                      <a:solidFill>
+                        <a:schemeClr val="tx1"/>
+                      </a:solidFill>
+                      <a:prstDash val="solid"/>
+                      <a:round/>
+                      <a:headEnd type="none" w="med" len="med"/>
+                      <a:tailEnd type="none" w="med" len="med"/>
+                    </a:lnB>
+                    <a:lnTlToBr w="12700" cmpd="sng">
+                      <a:noFill/>
+                      <a:prstDash val="solid"/>
+                    </a:lnTlToBr>
+                    <a:lnBlToTr w="12700" cmpd="sng">
+                      <a:noFill/>
+                      <a:prstDash val="solid"/>
+                    </a:lnBlToTr>
+                    <a:noFill/>
+                  </a:tcPr>
+                </a:tc>
+                <a:tc>
+                  <a:txBody>
+                    <a:bodyPr/>
+                    <a:lstStyle/>
+                    <a:p>
+                      <a:pPr latinLnBrk="1"/>
+                      <a:endParaRPr lang="ko-KR" altLang="en-US" sz="1800" dirty="0">
+                        <a:latin typeface="나눔고딕" pitchFamily="2" charset="-127"/>
+                        <a:ea typeface="나눔고딕" pitchFamily="2" charset="-127"/>
+                      </a:endParaRPr>
+                    </a:p>
+                  </a:txBody>
+                  <a:tcPr>
+                    <a:lnL w="12700" cap="flat" cmpd="sng" algn="ctr">
+                      <a:solidFill>
+                        <a:schemeClr val="tx1"/>
+                      </a:solidFill>
+                      <a:prstDash val="solid"/>
+                      <a:round/>
+                      <a:headEnd type="none" w="med" len="med"/>
+                      <a:tailEnd type="none" w="med" len="med"/>
+                    </a:lnL>
+                    <a:lnR w="12700" cap="flat" cmpd="sng" algn="ctr">
+                      <a:solidFill>
+                        <a:schemeClr val="tx1"/>
+                      </a:solidFill>
+                      <a:prstDash val="solid"/>
+                      <a:round/>
+                      <a:headEnd type="none" w="med" len="med"/>
+                      <a:tailEnd type="none" w="med" len="med"/>
+                    </a:lnR>
+                    <a:lnT w="12700" cap="flat" cmpd="sng" algn="ctr">
+                      <a:solidFill>
+                        <a:schemeClr val="tx1"/>
+                      </a:solidFill>
+                      <a:prstDash val="solid"/>
+                      <a:round/>
+                      <a:headEnd type="none" w="med" len="med"/>
+                      <a:tailEnd type="none" w="med" len="med"/>
+                    </a:lnT>
+                    <a:lnB w="12700" cap="flat" cmpd="sng" algn="ctr">
+                      <a:solidFill>
+                        <a:schemeClr val="tx1"/>
+                      </a:solidFill>
+                      <a:prstDash val="solid"/>
+                      <a:round/>
+                      <a:headEnd type="none" w="med" len="med"/>
+                      <a:tailEnd type="none" w="med" len="med"/>
+                    </a:lnB>
+                    <a:lnTlToBr w="12700" cmpd="sng">
+                      <a:noFill/>
+                      <a:prstDash val="solid"/>
+                    </a:lnTlToBr>
+                    <a:lnBlToTr w="12700" cmpd="sng">
+                      <a:noFill/>
+                      <a:prstDash val="solid"/>
+                    </a:lnBlToTr>
+                    <a:noFill/>
+                  </a:tcPr>
+                </a:tc>
+                <a:tc>
+                  <a:txBody>
+                    <a:bodyPr/>
+                    <a:lstStyle/>
+                    <a:p>
+                      <a:pPr latinLnBrk="1"/>
+                      <a:endParaRPr lang="ko-KR" altLang="en-US" sz="1800" dirty="0">
+                        <a:latin typeface="나눔고딕" pitchFamily="2" charset="-127"/>
+                        <a:ea typeface="나눔고딕" pitchFamily="2" charset="-127"/>
+                      </a:endParaRPr>
+                    </a:p>
+                  </a:txBody>
+                  <a:tcPr>
+                    <a:lnL w="12700" cap="flat" cmpd="sng" algn="ctr">
+                      <a:solidFill>
+                        <a:schemeClr val="tx1"/>
+                      </a:solidFill>
+                      <a:prstDash val="solid"/>
+                      <a:round/>
+                      <a:headEnd type="none" w="med" len="med"/>
+                      <a:tailEnd type="none" w="med" len="med"/>
+                    </a:lnL>
+                    <a:lnR w="12700" cap="flat" cmpd="sng" algn="ctr">
+                      <a:solidFill>
+                        <a:schemeClr val="tx1"/>
+                      </a:solidFill>
+                      <a:prstDash val="solid"/>
+                      <a:round/>
+                      <a:headEnd type="none" w="med" len="med"/>
+                      <a:tailEnd type="none" w="med" len="med"/>
+                    </a:lnR>
+                    <a:lnT w="12700" cap="flat" cmpd="sng" algn="ctr">
+                      <a:solidFill>
+                        <a:schemeClr val="tx1"/>
+                      </a:solidFill>
+                      <a:prstDash val="solid"/>
+                      <a:round/>
+                      <a:headEnd type="none" w="med" len="med"/>
+                      <a:tailEnd type="none" w="med" len="med"/>
+                    </a:lnT>
+                    <a:lnB w="12700" cap="flat" cmpd="sng" algn="ctr">
+                      <a:solidFill>
+                        <a:schemeClr val="tx1"/>
+                      </a:solidFill>
+                      <a:prstDash val="solid"/>
+                      <a:round/>
+                      <a:headEnd type="none" w="med" len="med"/>
+                      <a:tailEnd type="none" w="med" len="med"/>
+                    </a:lnB>
+                    <a:lnTlToBr w="12700" cmpd="sng">
+                      <a:noFill/>
+                      <a:prstDash val="solid"/>
+                    </a:lnTlToBr>
+                    <a:lnBlToTr w="12700" cmpd="sng">
+                      <a:noFill/>
+                      <a:prstDash val="solid"/>
+                    </a:lnBlToTr>
+                    <a:noFill/>
+                  </a:tcPr>
+                </a:tc>
+                <a:tc>
+                  <a:txBody>
+                    <a:bodyPr/>
+                    <a:lstStyle/>
+                    <a:p>
+                      <a:pPr latinLnBrk="1"/>
+                      <a:endParaRPr lang="ko-KR" altLang="en-US" sz="1800" dirty="0">
+                        <a:latin typeface="나눔고딕" pitchFamily="2" charset="-127"/>
+                        <a:ea typeface="나눔고딕" pitchFamily="2" charset="-127"/>
+                      </a:endParaRPr>
+                    </a:p>
+                  </a:txBody>
+                  <a:tcPr>
+                    <a:lnL w="12700" cap="flat" cmpd="sng" algn="ctr">
+                      <a:solidFill>
+                        <a:schemeClr val="tx1"/>
+                      </a:solidFill>
+                      <a:prstDash val="solid"/>
+                      <a:round/>
+                      <a:headEnd type="none" w="med" len="med"/>
+                      <a:tailEnd type="none" w="med" len="med"/>
+                    </a:lnL>
+                    <a:lnR w="12700" cap="flat" cmpd="sng" algn="ctr">
+                      <a:solidFill>
+                        <a:schemeClr val="tx1"/>
+                      </a:solidFill>
+                      <a:prstDash val="solid"/>
+                      <a:round/>
+                      <a:headEnd type="none" w="med" len="med"/>
+                      <a:tailEnd type="none" w="med" len="med"/>
+                    </a:lnR>
+                    <a:lnT w="12700" cap="flat" cmpd="sng" algn="ctr">
+                      <a:solidFill>
+                        <a:schemeClr val="tx1"/>
+                      </a:solidFill>
+                      <a:prstDash val="solid"/>
+                      <a:round/>
+                      <a:headEnd type="none" w="med" len="med"/>
+                      <a:tailEnd type="none" w="med" len="med"/>
+                    </a:lnT>
+                    <a:lnB w="12700" cap="flat" cmpd="sng" algn="ctr">
+                      <a:solidFill>
+                        <a:schemeClr val="tx1"/>
+                      </a:solidFill>
+                      <a:prstDash val="solid"/>
+                      <a:round/>
+                      <a:headEnd type="none" w="med" len="med"/>
+                      <a:tailEnd type="none" w="med" len="med"/>
+                    </a:lnB>
+                    <a:lnTlToBr w="12700" cmpd="sng">
+                      <a:noFill/>
+                      <a:prstDash val="solid"/>
+                    </a:lnTlToBr>
+                    <a:lnBlToTr w="12700" cmpd="sng">
+                      <a:noFill/>
+                      <a:prstDash val="solid"/>
+                    </a:lnBlToTr>
+                    <a:noFill/>
+                  </a:tcPr>
+                </a:tc>
+                <a:extLst>
+                  <a:ext uri="{0D108BD9-81ED-4DB2-BD59-A6C34878D82A}">
+                    <a16:rowId xmlns:a16="http://schemas.microsoft.com/office/drawing/2014/main" val="1267195183"/>
+                  </a:ext>
+                </a:extLst>
+              </a:tr>
+              <a:tr h="405140">
+                <a:tc>
+                  <a:txBody>
+                    <a:bodyPr/>
+                    <a:lstStyle/>
+                    <a:p>
+                      <a:pPr algn="ctr" latinLnBrk="1"/>
+                      <a:r>
+                        <a:rPr lang="ko-KR" altLang="en-US" sz="1800" dirty="0">
+                          <a:latin typeface="나눔고딕" pitchFamily="2" charset="-127"/>
+                          <a:ea typeface="나눔고딕" pitchFamily="2" charset="-127"/>
+                        </a:rPr>
+                        <a:t>애니메이션</a:t>
+                      </a:r>
+                    </a:p>
+                  </a:txBody>
+                  <a:tcPr anchor="ctr">
+                    <a:lnL w="12700" cap="flat" cmpd="sng" algn="ctr">
+                      <a:solidFill>
+                        <a:schemeClr val="tx1"/>
+                      </a:solidFill>
+                      <a:prstDash val="solid"/>
+                      <a:round/>
+                      <a:headEnd type="none" w="med" len="med"/>
+                      <a:tailEnd type="none" w="med" len="med"/>
+                    </a:lnL>
+                    <a:lnR w="12700" cap="flat" cmpd="sng" algn="ctr">
+                      <a:solidFill>
+                        <a:schemeClr val="tx1"/>
+                      </a:solidFill>
+                      <a:prstDash val="solid"/>
+                      <a:round/>
+                      <a:headEnd type="none" w="med" len="med"/>
+                      <a:tailEnd type="none" w="med" len="med"/>
+                    </a:lnR>
+                    <a:lnT w="12700" cap="flat" cmpd="sng" algn="ctr">
+                      <a:solidFill>
+                        <a:schemeClr val="tx1"/>
+                      </a:solidFill>
+                      <a:prstDash val="solid"/>
+                      <a:round/>
+                      <a:headEnd type="none" w="med" len="med"/>
+                      <a:tailEnd type="none" w="med" len="med"/>
+                    </a:lnT>
+                    <a:lnB w="12700" cap="flat" cmpd="sng" algn="ctr">
+                      <a:solidFill>
+                        <a:schemeClr val="tx1"/>
+                      </a:solidFill>
+                      <a:prstDash val="solid"/>
+                      <a:round/>
+                      <a:headEnd type="none" w="med" len="med"/>
+                      <a:tailEnd type="none" w="med" len="med"/>
+                    </a:lnB>
+                    <a:lnTlToBr w="12700" cmpd="sng">
+                      <a:noFill/>
+                      <a:prstDash val="solid"/>
+                    </a:lnTlToBr>
+                    <a:lnBlToTr w="12700" cmpd="sng">
+                      <a:noFill/>
+                      <a:prstDash val="solid"/>
+                    </a:lnBlToTr>
+                    <a:solidFill>
+                      <a:schemeClr val="bg1">
+                        <a:lumMod val="95000"/>
+                      </a:schemeClr>
+                    </a:solidFill>
+                  </a:tcPr>
+                </a:tc>
+                <a:tc gridSpan="4">
+                  <a:txBody>
+                    <a:bodyPr/>
+                    <a:lstStyle/>
+                    <a:p>
+                      <a:pPr latinLnBrk="1"/>
+                      <a:endParaRPr lang="ko-KR" altLang="en-US" sz="1800" dirty="0">
+                        <a:latin typeface="나눔고딕" pitchFamily="2" charset="-127"/>
+                        <a:ea typeface="나눔고딕" pitchFamily="2" charset="-127"/>
+                      </a:endParaRPr>
+                    </a:p>
+                  </a:txBody>
+                  <a:tcPr>
+                    <a:lnL w="12700" cap="flat" cmpd="sng" algn="ctr">
+                      <a:solidFill>
+                        <a:schemeClr val="tx1"/>
+                      </a:solidFill>
+                      <a:prstDash val="solid"/>
+                      <a:round/>
+                      <a:headEnd type="none" w="med" len="med"/>
+                      <a:tailEnd type="none" w="med" len="med"/>
+                    </a:lnL>
+                    <a:lnR w="12700" cap="flat" cmpd="sng" algn="ctr">
+                      <a:solidFill>
+                        <a:schemeClr val="tx1"/>
+                      </a:solidFill>
+                      <a:prstDash val="solid"/>
+                      <a:round/>
+                      <a:headEnd type="none" w="med" len="med"/>
+                      <a:tailEnd type="none" w="med" len="med"/>
+                    </a:lnR>
+                    <a:lnT w="12700" cap="flat" cmpd="sng" algn="ctr">
+                      <a:solidFill>
+                        <a:schemeClr val="tx1"/>
+                      </a:solidFill>
+                      <a:prstDash val="solid"/>
+                      <a:round/>
+                      <a:headEnd type="none" w="med" len="med"/>
+                      <a:tailEnd type="none" w="med" len="med"/>
+                    </a:lnT>
+                    <a:lnB w="12700" cap="flat" cmpd="sng" algn="ctr">
+                      <a:solidFill>
+                        <a:schemeClr val="tx1"/>
+                      </a:solidFill>
+                      <a:prstDash val="solid"/>
+                      <a:round/>
+                      <a:headEnd type="none" w="med" len="med"/>
+                      <a:tailEnd type="none" w="med" len="med"/>
+                    </a:lnB>
+                    <a:lnTlToBr w="12700" cmpd="sng">
+                      <a:noFill/>
+                      <a:prstDash val="solid"/>
+                    </a:lnTlToBr>
+                    <a:lnBlToTr w="12700" cmpd="sng">
+                      <a:noFill/>
+                      <a:prstDash val="solid"/>
+                    </a:lnBlToTr>
+                    <a:solidFill>
+                      <a:srgbClr val="0F518E"/>
+                    </a:solidFill>
+                  </a:tcPr>
+                </a:tc>
+                <a:tc hMerge="1">
+                  <a:txBody>
+                    <a:bodyPr/>
+                    <a:lstStyle/>
+                    <a:p>
+                      <a:pPr latinLnBrk="1"/>
+                      <a:endParaRPr lang="ko-KR" altLang="en-US" sz="1800" dirty="0">
+                        <a:latin typeface="나눔고딕" pitchFamily="2" charset="-127"/>
+                        <a:ea typeface="나눔고딕" pitchFamily="2" charset="-127"/>
+                      </a:endParaRPr>
+                    </a:p>
+                  </a:txBody>
+                  <a:tcPr>
+                    <a:lnL w="12700" cap="flat" cmpd="sng" algn="ctr">
+                      <a:solidFill>
+                        <a:schemeClr val="tx1"/>
+                      </a:solidFill>
+                      <a:prstDash val="solid"/>
+                      <a:round/>
+                      <a:headEnd type="none" w="med" len="med"/>
+                      <a:tailEnd type="none" w="med" len="med"/>
+                    </a:lnL>
+                    <a:lnR w="12700" cap="flat" cmpd="sng" algn="ctr">
+                      <a:solidFill>
+                        <a:schemeClr val="tx1"/>
+                      </a:solidFill>
+                      <a:prstDash val="solid"/>
+                      <a:round/>
+                      <a:headEnd type="none" w="med" len="med"/>
+                      <a:tailEnd type="none" w="med" len="med"/>
+                    </a:lnR>
+                    <a:lnT w="12700" cap="flat" cmpd="sng" algn="ctr">
+                      <a:solidFill>
+                        <a:schemeClr val="tx1"/>
+                      </a:solidFill>
+                      <a:prstDash val="solid"/>
+                      <a:round/>
+                      <a:headEnd type="none" w="med" len="med"/>
+                      <a:tailEnd type="none" w="med" len="med"/>
+                    </a:lnT>
+                    <a:lnB w="12700" cap="flat" cmpd="sng" algn="ctr">
+                      <a:solidFill>
+                        <a:schemeClr val="tx1"/>
+                      </a:solidFill>
+                      <a:prstDash val="solid"/>
+                      <a:round/>
+                      <a:headEnd type="none" w="med" len="med"/>
+                      <a:tailEnd type="none" w="med" len="med"/>
+                    </a:lnB>
+                    <a:lnTlToBr w="12700" cmpd="sng">
+                      <a:noFill/>
+                      <a:prstDash val="solid"/>
+                    </a:lnTlToBr>
+                    <a:lnBlToTr w="12700" cmpd="sng">
+                      <a:noFill/>
+                      <a:prstDash val="solid"/>
+                    </a:lnBlToTr>
+                    <a:solidFill>
+                      <a:srgbClr val="0F518E"/>
+                    </a:solidFill>
+                  </a:tcPr>
+                </a:tc>
+                <a:tc hMerge="1">
+                  <a:txBody>
+                    <a:bodyPr/>
+                    <a:lstStyle/>
+                    <a:p>
+                      <a:pPr latinLnBrk="1"/>
+                      <a:endParaRPr lang="ko-KR" altLang="en-US"/>
+                    </a:p>
+                  </a:txBody>
+                  <a:tcPr>
+                    <a:lnL w="12700" cap="flat" cmpd="sng" algn="ctr">
+                      <a:solidFill>
+                        <a:schemeClr val="tx1"/>
+                      </a:solidFill>
+                      <a:prstDash val="solid"/>
+                      <a:round/>
+                      <a:headEnd type="none" w="med" len="med"/>
+                      <a:tailEnd type="none" w="med" len="med"/>
+                    </a:lnL>
+                    <a:lnR w="12700" cap="flat" cmpd="sng" algn="ctr">
+                      <a:solidFill>
+                        <a:schemeClr val="tx1"/>
+                      </a:solidFill>
+                      <a:prstDash val="solid"/>
+                      <a:round/>
+                      <a:headEnd type="none" w="med" len="med"/>
+                      <a:tailEnd type="none" w="med" len="med"/>
+                    </a:lnR>
+                    <a:lnT w="12700" cap="flat" cmpd="sng" algn="ctr">
+                      <a:solidFill>
+                        <a:schemeClr val="tx1"/>
+                      </a:solidFill>
+                      <a:prstDash val="solid"/>
+                      <a:round/>
+                      <a:headEnd type="none" w="med" len="med"/>
+                      <a:tailEnd type="none" w="med" len="med"/>
+                    </a:lnT>
+                    <a:lnB w="12700" cap="flat" cmpd="sng" algn="ctr">
+                      <a:solidFill>
+                        <a:schemeClr val="tx1"/>
+                      </a:solidFill>
+                      <a:prstDash val="solid"/>
+                      <a:round/>
+                      <a:headEnd type="none" w="med" len="med"/>
+                      <a:tailEnd type="none" w="med" len="med"/>
+                    </a:lnB>
+                    <a:lnTlToBr w="12700" cmpd="sng">
+                      <a:noFill/>
+                      <a:prstDash val="solid"/>
+                    </a:lnTlToBr>
+                    <a:lnBlToTr w="12700" cmpd="sng">
+                      <a:noFill/>
+                      <a:prstDash val="solid"/>
+                    </a:lnBlToTr>
+                    <a:noFill/>
+                  </a:tcPr>
+                </a:tc>
+                <a:tc hMerge="1">
+                  <a:txBody>
+                    <a:bodyPr/>
+                    <a:lstStyle/>
+                    <a:p>
+                      <a:pPr latinLnBrk="1"/>
+                      <a:endParaRPr lang="ko-KR" altLang="en-US"/>
+                    </a:p>
+                  </a:txBody>
+                  <a:tcPr>
+                    <a:lnL w="12700" cap="flat" cmpd="sng" algn="ctr">
+                      <a:solidFill>
+                        <a:schemeClr val="tx1"/>
+                      </a:solidFill>
+                      <a:prstDash val="solid"/>
+                      <a:round/>
+                      <a:headEnd type="none" w="med" len="med"/>
+                      <a:tailEnd type="none" w="med" len="med"/>
+                    </a:lnL>
+                    <a:lnR w="12700" cap="flat" cmpd="sng" algn="ctr">
+                      <a:solidFill>
+                        <a:schemeClr val="tx1"/>
+                      </a:solidFill>
+                      <a:prstDash val="solid"/>
+                      <a:round/>
+                      <a:headEnd type="none" w="med" len="med"/>
+                      <a:tailEnd type="none" w="med" len="med"/>
+                    </a:lnR>
+                    <a:lnT w="12700" cap="flat" cmpd="sng" algn="ctr">
+                      <a:solidFill>
+                        <a:schemeClr val="tx1"/>
+                      </a:solidFill>
+                      <a:prstDash val="solid"/>
+                      <a:round/>
+                      <a:headEnd type="none" w="med" len="med"/>
+                      <a:tailEnd type="none" w="med" len="med"/>
+                    </a:lnT>
+                    <a:lnB w="12700" cap="flat" cmpd="sng" algn="ctr">
+                      <a:solidFill>
+                        <a:schemeClr val="tx1"/>
+                      </a:solidFill>
+                      <a:prstDash val="solid"/>
+                      <a:round/>
+                      <a:headEnd type="none" w="med" len="med"/>
+                      <a:tailEnd type="none" w="med" len="med"/>
+                    </a:lnB>
+                    <a:lnTlToBr w="12700" cmpd="sng">
+                      <a:noFill/>
+                      <a:prstDash val="solid"/>
+                    </a:lnTlToBr>
+                    <a:lnBlToTr w="12700" cmpd="sng">
+                      <a:noFill/>
+                      <a:prstDash val="solid"/>
+                    </a:lnBlToTr>
+                    <a:noFill/>
+                  </a:tcPr>
+                </a:tc>
+                <a:tc>
+                  <a:txBody>
+                    <a:bodyPr/>
+                    <a:lstStyle/>
+                    <a:p>
+                      <a:pPr latinLnBrk="1"/>
+                      <a:endParaRPr lang="ko-KR" altLang="en-US" sz="1800" dirty="0">
+                        <a:latin typeface="나눔고딕" pitchFamily="2" charset="-127"/>
+                        <a:ea typeface="나눔고딕" pitchFamily="2" charset="-127"/>
+                      </a:endParaRPr>
+                    </a:p>
+                  </a:txBody>
+                  <a:tcPr>
+                    <a:lnL w="12700" cap="flat" cmpd="sng" algn="ctr">
+                      <a:solidFill>
+                        <a:schemeClr val="tx1"/>
+                      </a:solidFill>
+                      <a:prstDash val="solid"/>
+                      <a:round/>
+                      <a:headEnd type="none" w="med" len="med"/>
+                      <a:tailEnd type="none" w="med" len="med"/>
+                    </a:lnL>
+                    <a:lnR w="12700" cap="flat" cmpd="sng" algn="ctr">
+                      <a:solidFill>
+                        <a:schemeClr val="tx1"/>
+                      </a:solidFill>
+                      <a:prstDash val="solid"/>
+                      <a:round/>
+                      <a:headEnd type="none" w="med" len="med"/>
+                      <a:tailEnd type="none" w="med" len="med"/>
+                    </a:lnR>
+                    <a:lnT w="12700" cap="flat" cmpd="sng" algn="ctr">
+                      <a:solidFill>
+                        <a:schemeClr val="tx1"/>
+                      </a:solidFill>
+                      <a:prstDash val="solid"/>
+                      <a:round/>
+                      <a:headEnd type="none" w="med" len="med"/>
+                      <a:tailEnd type="none" w="med" len="med"/>
+                    </a:lnT>
+                    <a:lnB w="12700" cap="flat" cmpd="sng" algn="ctr">
+                      <a:solidFill>
+                        <a:schemeClr val="tx1"/>
+                      </a:solidFill>
+                      <a:prstDash val="solid"/>
+                      <a:round/>
+                      <a:headEnd type="none" w="med" len="med"/>
+                      <a:tailEnd type="none" w="med" len="med"/>
+                    </a:lnB>
+                    <a:lnTlToBr w="12700" cmpd="sng">
+                      <a:noFill/>
+                      <a:prstDash val="solid"/>
+                    </a:lnTlToBr>
+                    <a:lnBlToTr w="12700" cmpd="sng">
+                      <a:noFill/>
+                      <a:prstDash val="solid"/>
+                    </a:lnBlToTr>
+                    <a:noFill/>
+                  </a:tcPr>
+                </a:tc>
+                <a:tc>
+                  <a:txBody>
+                    <a:bodyPr/>
+                    <a:lstStyle/>
+                    <a:p>
+                      <a:pPr latinLnBrk="1"/>
+                      <a:endParaRPr lang="ko-KR" altLang="en-US" sz="1800" dirty="0">
+                        <a:latin typeface="나눔고딕" pitchFamily="2" charset="-127"/>
+                        <a:ea typeface="나눔고딕" pitchFamily="2" charset="-127"/>
+                      </a:endParaRPr>
+                    </a:p>
+                  </a:txBody>
+                  <a:tcPr>
+                    <a:lnL w="12700" cap="flat" cmpd="sng" algn="ctr">
+                      <a:solidFill>
+                        <a:schemeClr val="tx1"/>
+                      </a:solidFill>
+                      <a:prstDash val="solid"/>
+                      <a:round/>
+                      <a:headEnd type="none" w="med" len="med"/>
+                      <a:tailEnd type="none" w="med" len="med"/>
+                    </a:lnL>
+                    <a:lnR w="12700" cap="flat" cmpd="sng" algn="ctr">
+                      <a:solidFill>
+                        <a:schemeClr val="tx1"/>
+                      </a:solidFill>
+                      <a:prstDash val="solid"/>
+                      <a:round/>
+                      <a:headEnd type="none" w="med" len="med"/>
+                      <a:tailEnd type="none" w="med" len="med"/>
+                    </a:lnR>
+                    <a:lnT w="12700" cap="flat" cmpd="sng" algn="ctr">
+                      <a:solidFill>
+                        <a:schemeClr val="tx1"/>
+                      </a:solidFill>
+                      <a:prstDash val="solid"/>
+                      <a:round/>
+                      <a:headEnd type="none" w="med" len="med"/>
+                      <a:tailEnd type="none" w="med" len="med"/>
+                    </a:lnT>
+                    <a:lnB w="12700" cap="flat" cmpd="sng" algn="ctr">
+                      <a:solidFill>
+                        <a:schemeClr val="tx1"/>
+                      </a:solidFill>
+                      <a:prstDash val="solid"/>
+                      <a:round/>
+                      <a:headEnd type="none" w="med" len="med"/>
+                      <a:tailEnd type="none" w="med" len="med"/>
+                    </a:lnB>
+                    <a:lnTlToBr w="12700" cmpd="sng">
+                      <a:noFill/>
+                      <a:prstDash val="solid"/>
+                    </a:lnTlToBr>
+                    <a:lnBlToTr w="12700" cmpd="sng">
+                      <a:noFill/>
+                      <a:prstDash val="solid"/>
+                    </a:lnBlToTr>
+                    <a:noFill/>
+                  </a:tcPr>
+                </a:tc>
+                <a:tc>
+                  <a:txBody>
+                    <a:bodyPr/>
+                    <a:lstStyle/>
+                    <a:p>
+                      <a:pPr latinLnBrk="1"/>
+                      <a:endParaRPr lang="ko-KR" altLang="en-US" sz="1800" dirty="0">
+                        <a:latin typeface="나눔고딕" pitchFamily="2" charset="-127"/>
+                        <a:ea typeface="나눔고딕" pitchFamily="2" charset="-127"/>
+                      </a:endParaRPr>
+                    </a:p>
+                  </a:txBody>
+                  <a:tcPr>
+                    <a:lnL w="12700" cap="flat" cmpd="sng" algn="ctr">
+                      <a:solidFill>
+                        <a:schemeClr val="tx1"/>
+                      </a:solidFill>
+                      <a:prstDash val="solid"/>
+                      <a:round/>
+                      <a:headEnd type="none" w="med" len="med"/>
+                      <a:tailEnd type="none" w="med" len="med"/>
+                    </a:lnL>
+                    <a:lnR w="12700" cap="flat" cmpd="sng" algn="ctr">
+                      <a:solidFill>
+                        <a:schemeClr val="tx1"/>
+                      </a:solidFill>
+                      <a:prstDash val="solid"/>
+                      <a:round/>
+                      <a:headEnd type="none" w="med" len="med"/>
+                      <a:tailEnd type="none" w="med" len="med"/>
+                    </a:lnR>
+                    <a:lnT w="12700" cap="flat" cmpd="sng" algn="ctr">
+                      <a:solidFill>
+                        <a:schemeClr val="tx1"/>
+                      </a:solidFill>
+                      <a:prstDash val="solid"/>
+                      <a:round/>
+                      <a:headEnd type="none" w="med" len="med"/>
+                      <a:tailEnd type="none" w="med" len="med"/>
+                    </a:lnT>
+                    <a:lnB w="12700" cap="flat" cmpd="sng" algn="ctr">
+                      <a:solidFill>
+                        <a:schemeClr val="tx1"/>
+                      </a:solidFill>
+                      <a:prstDash val="solid"/>
+                      <a:round/>
+                      <a:headEnd type="none" w="med" len="med"/>
+                      <a:tailEnd type="none" w="med" len="med"/>
+                    </a:lnB>
+                    <a:lnTlToBr w="12700" cmpd="sng">
+                      <a:noFill/>
+                      <a:prstDash val="solid"/>
+                    </a:lnTlToBr>
+                    <a:lnBlToTr w="12700" cmpd="sng">
+                      <a:noFill/>
+                      <a:prstDash val="solid"/>
+                    </a:lnBlToTr>
+                    <a:noFill/>
+                  </a:tcPr>
+                </a:tc>
+                <a:tc>
+                  <a:txBody>
+                    <a:bodyPr/>
+                    <a:lstStyle/>
+                    <a:p>
+                      <a:pPr latinLnBrk="1"/>
+                      <a:endParaRPr lang="ko-KR" altLang="en-US" sz="1800" dirty="0">
+                        <a:latin typeface="나눔고딕" pitchFamily="2" charset="-127"/>
+                        <a:ea typeface="나눔고딕" pitchFamily="2" charset="-127"/>
+                      </a:endParaRPr>
+                    </a:p>
+                  </a:txBody>
+                  <a:tcPr>
+                    <a:lnL w="12700" cap="flat" cmpd="sng" algn="ctr">
+                      <a:solidFill>
+                        <a:schemeClr val="tx1"/>
+                      </a:solidFill>
+                      <a:prstDash val="solid"/>
+                      <a:round/>
+                      <a:headEnd type="none" w="med" len="med"/>
+                      <a:tailEnd type="none" w="med" len="med"/>
+                    </a:lnL>
+                    <a:lnR w="12700" cap="flat" cmpd="sng" algn="ctr">
+                      <a:solidFill>
+                        <a:schemeClr val="tx1"/>
+                      </a:solidFill>
+                      <a:prstDash val="solid"/>
+                      <a:round/>
+                      <a:headEnd type="none" w="med" len="med"/>
+                      <a:tailEnd type="none" w="med" len="med"/>
+                    </a:lnR>
+                    <a:lnT w="12700" cap="flat" cmpd="sng" algn="ctr">
+                      <a:solidFill>
+                        <a:schemeClr val="tx1"/>
+                      </a:solidFill>
+                      <a:prstDash val="solid"/>
+                      <a:round/>
+                      <a:headEnd type="none" w="med" len="med"/>
+                      <a:tailEnd type="none" w="med" len="med"/>
+                    </a:lnT>
+                    <a:lnB w="12700" cap="flat" cmpd="sng" algn="ctr">
+                      <a:solidFill>
+                        <a:schemeClr val="tx1"/>
+                      </a:solidFill>
+                      <a:prstDash val="solid"/>
+                      <a:round/>
+                      <a:headEnd type="none" w="med" len="med"/>
+                      <a:tailEnd type="none" w="med" len="med"/>
+                    </a:lnB>
+                    <a:lnTlToBr w="12700" cmpd="sng">
+                      <a:noFill/>
+                      <a:prstDash val="solid"/>
+                    </a:lnTlToBr>
+                    <a:lnBlToTr w="12700" cmpd="sng">
+                      <a:noFill/>
+                      <a:prstDash val="solid"/>
+                    </a:lnBlToTr>
+                    <a:noFill/>
+                  </a:tcPr>
+                </a:tc>
+                <a:extLst>
+                  <a:ext uri="{0D108BD9-81ED-4DB2-BD59-A6C34878D82A}">
+                    <a16:rowId xmlns:a16="http://schemas.microsoft.com/office/drawing/2014/main" val="2423210177"/>
+                  </a:ext>
+                </a:extLst>
+              </a:tr>
+              <a:tr h="405140">
+                <a:tc>
+                  <a:txBody>
+                    <a:bodyPr/>
+                    <a:lstStyle/>
+                    <a:p>
+                      <a:pPr algn="ctr" latinLnBrk="1"/>
+                      <a:r>
+                        <a:rPr lang="en-US" altLang="ko-KR" sz="1800" dirty="0">
+                          <a:latin typeface="나눔고딕" pitchFamily="2" charset="-127"/>
+                          <a:ea typeface="나눔고딕" pitchFamily="2" charset="-127"/>
+                        </a:rPr>
+                        <a:t>UI</a:t>
+                      </a:r>
+                      <a:r>
+                        <a:rPr lang="en-US" altLang="ko-KR" sz="1800">
+                          <a:latin typeface="나눔고딕" pitchFamily="2" charset="-127"/>
+                          <a:ea typeface="나눔고딕" pitchFamily="2" charset="-127"/>
+                        </a:rPr>
+                        <a:t>, </a:t>
+                      </a:r>
+                      <a:r>
+                        <a:rPr lang="ko-KR" altLang="en-US" sz="1800">
+                          <a:latin typeface="나눔고딕" pitchFamily="2" charset="-127"/>
+                          <a:ea typeface="나눔고딕" pitchFamily="2" charset="-127"/>
+                        </a:rPr>
+                        <a:t>모델 </a:t>
+                      </a:r>
+                      <a:r>
+                        <a:rPr lang="ko-KR" altLang="en-US" sz="1800" dirty="0" err="1">
+                          <a:latin typeface="나눔고딕" pitchFamily="2" charset="-127"/>
+                          <a:ea typeface="나눔고딕" pitchFamily="2" charset="-127"/>
+                        </a:rPr>
+                        <a:t>링킹</a:t>
+                      </a:r>
+                      <a:r>
+                        <a:rPr lang="en-US" altLang="ko-KR" sz="1800" dirty="0">
+                          <a:latin typeface="나눔고딕" pitchFamily="2" charset="-127"/>
+                          <a:ea typeface="나눔고딕" pitchFamily="2" charset="-127"/>
+                        </a:rPr>
+                        <a:t>, </a:t>
+                      </a:r>
+                      <a:r>
+                        <a:rPr lang="ko-KR" altLang="en-US" sz="1800" dirty="0">
+                          <a:latin typeface="나눔고딕" pitchFamily="2" charset="-127"/>
+                          <a:ea typeface="나눔고딕" pitchFamily="2" charset="-127"/>
+                        </a:rPr>
+                        <a:t>사운드</a:t>
                       </a:r>
                     </a:p>
                   </a:txBody>
@@ -14426,9 +15674,7 @@
                       <a:noFill/>
                       <a:prstDash val="solid"/>
                     </a:lnBlToTr>
-                    <a:solidFill>
-                      <a:srgbClr val="7030A0"/>
-                    </a:solidFill>
+                    <a:noFill/>
                   </a:tcPr>
                 </a:tc>
                 <a:tc>
@@ -14441,6 +15687,177 @@
                         <a:latin typeface="나눔고딕" pitchFamily="2" charset="-127"/>
                         <a:ea typeface="나눔고딕" pitchFamily="2" charset="-127"/>
                       </a:endParaRPr>
+                    </a:p>
+                  </a:txBody>
+                  <a:tcPr>
+                    <a:lnL w="12700" cap="flat" cmpd="sng" algn="ctr">
+                      <a:solidFill>
+                        <a:schemeClr val="tx1"/>
+                      </a:solidFill>
+                      <a:prstDash val="solid"/>
+                      <a:round/>
+                      <a:headEnd type="none" w="med" len="med"/>
+                      <a:tailEnd type="none" w="med" len="med"/>
+                    </a:lnL>
+                    <a:lnR w="12700" cap="flat" cmpd="sng" algn="ctr">
+                      <a:solidFill>
+                        <a:schemeClr val="tx1"/>
+                      </a:solidFill>
+                      <a:prstDash val="solid"/>
+                      <a:round/>
+                      <a:headEnd type="none" w="med" len="med"/>
+                      <a:tailEnd type="none" w="med" len="med"/>
+                    </a:lnR>
+                    <a:lnT w="12700" cap="flat" cmpd="sng" algn="ctr">
+                      <a:solidFill>
+                        <a:schemeClr val="tx1"/>
+                      </a:solidFill>
+                      <a:prstDash val="solid"/>
+                      <a:round/>
+                      <a:headEnd type="none" w="med" len="med"/>
+                      <a:tailEnd type="none" w="med" len="med"/>
+                    </a:lnT>
+                    <a:lnB w="12700" cap="flat" cmpd="sng" algn="ctr">
+                      <a:solidFill>
+                        <a:schemeClr val="tx1"/>
+                      </a:solidFill>
+                      <a:prstDash val="solid"/>
+                      <a:round/>
+                      <a:headEnd type="none" w="med" len="med"/>
+                      <a:tailEnd type="none" w="med" len="med"/>
+                    </a:lnB>
+                    <a:noFill/>
+                  </a:tcPr>
+                </a:tc>
+                <a:tc>
+                  <a:txBody>
+                    <a:bodyPr/>
+                    <a:lstStyle/>
+                    <a:p>
+                      <a:pPr latinLnBrk="1"/>
+                      <a:endParaRPr lang="ko-KR" altLang="en-US" sz="1800" dirty="0">
+                        <a:latin typeface="나눔고딕" pitchFamily="2" charset="-127"/>
+                        <a:ea typeface="나눔고딕" pitchFamily="2" charset="-127"/>
+                      </a:endParaRPr>
+                    </a:p>
+                  </a:txBody>
+                  <a:tcPr>
+                    <a:lnL w="12700" cap="flat" cmpd="sng" algn="ctr">
+                      <a:solidFill>
+                        <a:schemeClr val="tx1"/>
+                      </a:solidFill>
+                      <a:prstDash val="solid"/>
+                      <a:round/>
+                      <a:headEnd type="none" w="med" len="med"/>
+                      <a:tailEnd type="none" w="med" len="med"/>
+                    </a:lnL>
+                    <a:lnR w="12700" cap="flat" cmpd="sng" algn="ctr">
+                      <a:solidFill>
+                        <a:schemeClr val="tx1"/>
+                      </a:solidFill>
+                      <a:prstDash val="solid"/>
+                      <a:round/>
+                      <a:headEnd type="none" w="med" len="med"/>
+                      <a:tailEnd type="none" w="med" len="med"/>
+                    </a:lnR>
+                    <a:lnT w="12700" cap="flat" cmpd="sng" algn="ctr">
+                      <a:solidFill>
+                        <a:schemeClr val="tx1"/>
+                      </a:solidFill>
+                      <a:prstDash val="solid"/>
+                      <a:round/>
+                      <a:headEnd type="none" w="med" len="med"/>
+                      <a:tailEnd type="none" w="med" len="med"/>
+                    </a:lnT>
+                    <a:lnB w="12700" cap="flat" cmpd="sng" algn="ctr">
+                      <a:solidFill>
+                        <a:schemeClr val="tx1"/>
+                      </a:solidFill>
+                      <a:prstDash val="solid"/>
+                      <a:round/>
+                      <a:headEnd type="none" w="med" len="med"/>
+                      <a:tailEnd type="none" w="med" len="med"/>
+                    </a:lnB>
+                    <a:lnTlToBr w="12700" cmpd="sng">
+                      <a:noFill/>
+                      <a:prstDash val="solid"/>
+                    </a:lnTlToBr>
+                    <a:lnBlToTr w="12700" cmpd="sng">
+                      <a:noFill/>
+                      <a:prstDash val="solid"/>
+                    </a:lnBlToTr>
+                    <a:noFill/>
+                  </a:tcPr>
+                </a:tc>
+                <a:tc gridSpan="2">
+                  <a:txBody>
+                    <a:bodyPr/>
+                    <a:lstStyle/>
+                    <a:p>
+                      <a:pPr latinLnBrk="1"/>
+                      <a:endParaRPr lang="ko-KR" altLang="en-US" sz="1800" dirty="0">
+                        <a:latin typeface="나눔고딕" pitchFamily="2" charset="-127"/>
+                        <a:ea typeface="나눔고딕" pitchFamily="2" charset="-127"/>
+                      </a:endParaRPr>
+                    </a:p>
+                  </a:txBody>
+                  <a:tcPr>
+                    <a:lnL w="12700" cap="flat" cmpd="sng" algn="ctr">
+                      <a:solidFill>
+                        <a:schemeClr val="tx1"/>
+                      </a:solidFill>
+                      <a:prstDash val="solid"/>
+                      <a:round/>
+                      <a:headEnd type="none" w="med" len="med"/>
+                      <a:tailEnd type="none" w="med" len="med"/>
+                    </a:lnL>
+                    <a:lnR w="12700" cap="flat" cmpd="sng" algn="ctr">
+                      <a:solidFill>
+                        <a:schemeClr val="tx1"/>
+                      </a:solidFill>
+                      <a:prstDash val="solid"/>
+                      <a:round/>
+                      <a:headEnd type="none" w="med" len="med"/>
+                      <a:tailEnd type="none" w="med" len="med"/>
+                    </a:lnR>
+                    <a:lnT w="12700" cap="flat" cmpd="sng" algn="ctr">
+                      <a:solidFill>
+                        <a:schemeClr val="tx1"/>
+                      </a:solidFill>
+                      <a:prstDash val="solid"/>
+                      <a:round/>
+                      <a:headEnd type="none" w="med" len="med"/>
+                      <a:tailEnd type="none" w="med" len="med"/>
+                    </a:lnT>
+                    <a:lnB w="12700" cap="flat" cmpd="sng" algn="ctr">
+                      <a:solidFill>
+                        <a:schemeClr val="tx1"/>
+                      </a:solidFill>
+                      <a:prstDash val="solid"/>
+                      <a:round/>
+                      <a:headEnd type="none" w="med" len="med"/>
+                      <a:tailEnd type="none" w="med" len="med"/>
+                    </a:lnB>
+                    <a:lnTlToBr w="12700" cmpd="sng">
+                      <a:noFill/>
+                      <a:prstDash val="solid"/>
+                    </a:lnTlToBr>
+                    <a:lnBlToTr w="12700" cmpd="sng">
+                      <a:noFill/>
+                      <a:prstDash val="solid"/>
+                    </a:lnBlToTr>
+                    <a:solidFill>
+                      <a:srgbClr val="0F518E"/>
+                    </a:solidFill>
+                  </a:tcPr>
+                </a:tc>
+                <a:tc hMerge="1">
+                  <a:txBody>
+                    <a:bodyPr/>
+                    <a:lstStyle/>
+                    <a:p>
+                      <a:pPr latinLnBrk="1"/>
+                      <a:endParaRPr lang="ko-KR" altLang="en-US"/>
                     </a:p>
                   </a:txBody>
                   <a:tcPr>
@@ -14671,747 +16088,9 @@
                     <a:noFill/>
                   </a:tcPr>
                 </a:tc>
-                <a:tc>
-                  <a:txBody>
-                    <a:bodyPr/>
-                    <a:lstStyle/>
-                    <a:p>
-                      <a:pPr latinLnBrk="1"/>
-                      <a:endParaRPr lang="ko-KR" altLang="en-US" sz="1800" dirty="0">
-                        <a:latin typeface="나눔고딕" pitchFamily="2" charset="-127"/>
-                        <a:ea typeface="나눔고딕" pitchFamily="2" charset="-127"/>
-                      </a:endParaRPr>
-                    </a:p>
-                  </a:txBody>
-                  <a:tcPr>
-                    <a:lnL w="12700" cap="flat" cmpd="sng" algn="ctr">
-                      <a:solidFill>
-                        <a:schemeClr val="tx1"/>
-                      </a:solidFill>
-                      <a:prstDash val="solid"/>
-                      <a:round/>
-                      <a:headEnd type="none" w="med" len="med"/>
-                      <a:tailEnd type="none" w="med" len="med"/>
-                    </a:lnL>
-                    <a:lnR w="12700" cap="flat" cmpd="sng" algn="ctr">
-                      <a:solidFill>
-                        <a:schemeClr val="tx1"/>
-                      </a:solidFill>
-                      <a:prstDash val="solid"/>
-                      <a:round/>
-                      <a:headEnd type="none" w="med" len="med"/>
-                      <a:tailEnd type="none" w="med" len="med"/>
-                    </a:lnR>
-                    <a:lnT w="12700" cap="flat" cmpd="sng" algn="ctr">
-                      <a:solidFill>
-                        <a:schemeClr val="tx1"/>
-                      </a:solidFill>
-                      <a:prstDash val="solid"/>
-                      <a:round/>
-                      <a:headEnd type="none" w="med" len="med"/>
-                      <a:tailEnd type="none" w="med" len="med"/>
-                    </a:lnT>
-                    <a:lnB w="12700" cap="flat" cmpd="sng" algn="ctr">
-                      <a:solidFill>
-                        <a:schemeClr val="tx1"/>
-                      </a:solidFill>
-                      <a:prstDash val="solid"/>
-                      <a:round/>
-                      <a:headEnd type="none" w="med" len="med"/>
-                      <a:tailEnd type="none" w="med" len="med"/>
-                    </a:lnB>
-                    <a:lnTlToBr w="12700" cmpd="sng">
-                      <a:noFill/>
-                      <a:prstDash val="solid"/>
-                    </a:lnTlToBr>
-                    <a:lnBlToTr w="12700" cmpd="sng">
-                      <a:noFill/>
-                      <a:prstDash val="solid"/>
-                    </a:lnBlToTr>
-                    <a:noFill/>
-                  </a:tcPr>
-                </a:tc>
-                <a:tc>
-                  <a:txBody>
-                    <a:bodyPr/>
-                    <a:lstStyle/>
-                    <a:p>
-                      <a:pPr latinLnBrk="1"/>
-                      <a:endParaRPr lang="ko-KR" altLang="en-US" sz="1800" dirty="0">
-                        <a:latin typeface="나눔고딕" pitchFamily="2" charset="-127"/>
-                        <a:ea typeface="나눔고딕" pitchFamily="2" charset="-127"/>
-                      </a:endParaRPr>
-                    </a:p>
-                  </a:txBody>
-                  <a:tcPr>
-                    <a:lnL w="12700" cap="flat" cmpd="sng" algn="ctr">
-                      <a:solidFill>
-                        <a:schemeClr val="tx1"/>
-                      </a:solidFill>
-                      <a:prstDash val="solid"/>
-                      <a:round/>
-                      <a:headEnd type="none" w="med" len="med"/>
-                      <a:tailEnd type="none" w="med" len="med"/>
-                    </a:lnL>
-                    <a:lnR w="12700" cap="flat" cmpd="sng" algn="ctr">
-                      <a:solidFill>
-                        <a:schemeClr val="tx1"/>
-                      </a:solidFill>
-                      <a:prstDash val="solid"/>
-                      <a:round/>
-                      <a:headEnd type="none" w="med" len="med"/>
-                      <a:tailEnd type="none" w="med" len="med"/>
-                    </a:lnR>
-                    <a:lnT w="12700" cap="flat" cmpd="sng" algn="ctr">
-                      <a:solidFill>
-                        <a:schemeClr val="tx1"/>
-                      </a:solidFill>
-                      <a:prstDash val="solid"/>
-                      <a:round/>
-                      <a:headEnd type="none" w="med" len="med"/>
-                      <a:tailEnd type="none" w="med" len="med"/>
-                    </a:lnT>
-                    <a:lnB w="12700" cap="flat" cmpd="sng" algn="ctr">
-                      <a:solidFill>
-                        <a:schemeClr val="tx1"/>
-                      </a:solidFill>
-                      <a:prstDash val="solid"/>
-                      <a:round/>
-                      <a:headEnd type="none" w="med" len="med"/>
-                      <a:tailEnd type="none" w="med" len="med"/>
-                    </a:lnB>
-                    <a:lnTlToBr w="12700" cmpd="sng">
-                      <a:noFill/>
-                      <a:prstDash val="solid"/>
-                    </a:lnTlToBr>
-                    <a:lnBlToTr w="12700" cmpd="sng">
-                      <a:noFill/>
-                      <a:prstDash val="solid"/>
-                    </a:lnBlToTr>
-                    <a:noFill/>
-                  </a:tcPr>
-                </a:tc>
-                <a:tc>
-                  <a:txBody>
-                    <a:bodyPr/>
-                    <a:lstStyle/>
-                    <a:p>
-                      <a:pPr latinLnBrk="1"/>
-                      <a:endParaRPr lang="ko-KR" altLang="en-US" sz="1800" dirty="0">
-                        <a:latin typeface="나눔고딕" pitchFamily="2" charset="-127"/>
-                        <a:ea typeface="나눔고딕" pitchFamily="2" charset="-127"/>
-                      </a:endParaRPr>
-                    </a:p>
-                  </a:txBody>
-                  <a:tcPr>
-                    <a:lnL w="12700" cap="flat" cmpd="sng" algn="ctr">
-                      <a:solidFill>
-                        <a:schemeClr val="tx1"/>
-                      </a:solidFill>
-                      <a:prstDash val="solid"/>
-                      <a:round/>
-                      <a:headEnd type="none" w="med" len="med"/>
-                      <a:tailEnd type="none" w="med" len="med"/>
-                    </a:lnL>
-                    <a:lnR w="12700" cap="flat" cmpd="sng" algn="ctr">
-                      <a:solidFill>
-                        <a:schemeClr val="tx1"/>
-                      </a:solidFill>
-                      <a:prstDash val="solid"/>
-                      <a:round/>
-                      <a:headEnd type="none" w="med" len="med"/>
-                      <a:tailEnd type="none" w="med" len="med"/>
-                    </a:lnR>
-                    <a:lnT w="12700" cap="flat" cmpd="sng" algn="ctr">
-                      <a:solidFill>
-                        <a:schemeClr val="tx1"/>
-                      </a:solidFill>
-                      <a:prstDash val="solid"/>
-                      <a:round/>
-                      <a:headEnd type="none" w="med" len="med"/>
-                      <a:tailEnd type="none" w="med" len="med"/>
-                    </a:lnT>
-                    <a:lnB w="12700" cap="flat" cmpd="sng" algn="ctr">
-                      <a:solidFill>
-                        <a:schemeClr val="tx1"/>
-                      </a:solidFill>
-                      <a:prstDash val="solid"/>
-                      <a:round/>
-                      <a:headEnd type="none" w="med" len="med"/>
-                      <a:tailEnd type="none" w="med" len="med"/>
-                    </a:lnB>
-                    <a:lnTlToBr w="12700" cmpd="sng">
-                      <a:noFill/>
-                      <a:prstDash val="solid"/>
-                    </a:lnTlToBr>
-                    <a:lnBlToTr w="12700" cmpd="sng">
-                      <a:noFill/>
-                      <a:prstDash val="solid"/>
-                    </a:lnBlToTr>
-                    <a:noFill/>
-                  </a:tcPr>
-                </a:tc>
                 <a:extLst>
                   <a:ext uri="{0D108BD9-81ED-4DB2-BD59-A6C34878D82A}">
-                    <a16:rowId xmlns:a16="http://schemas.microsoft.com/office/drawing/2014/main" val="1267195183"/>
-                  </a:ext>
-                </a:extLst>
-              </a:tr>
-              <a:tr h="405140">
-                <a:tc>
-                  <a:txBody>
-                    <a:bodyPr/>
-                    <a:lstStyle/>
-                    <a:p>
-                      <a:pPr algn="ctr" latinLnBrk="1"/>
-                      <a:r>
-                        <a:rPr lang="ko-KR" altLang="en-US" sz="1800" dirty="0">
-                          <a:latin typeface="나눔고딕" pitchFamily="2" charset="-127"/>
-                          <a:ea typeface="나눔고딕" pitchFamily="2" charset="-127"/>
-                        </a:rPr>
-                        <a:t>클라이언트 프레임워크</a:t>
-                      </a:r>
-                    </a:p>
-                  </a:txBody>
-                  <a:tcPr anchor="ctr">
-                    <a:lnL w="12700" cap="flat" cmpd="sng" algn="ctr">
-                      <a:solidFill>
-                        <a:schemeClr val="tx1"/>
-                      </a:solidFill>
-                      <a:prstDash val="solid"/>
-                      <a:round/>
-                      <a:headEnd type="none" w="med" len="med"/>
-                      <a:tailEnd type="none" w="med" len="med"/>
-                    </a:lnL>
-                    <a:lnR w="12700" cap="flat" cmpd="sng" algn="ctr">
-                      <a:solidFill>
-                        <a:schemeClr val="tx1"/>
-                      </a:solidFill>
-                      <a:prstDash val="solid"/>
-                      <a:round/>
-                      <a:headEnd type="none" w="med" len="med"/>
-                      <a:tailEnd type="none" w="med" len="med"/>
-                    </a:lnR>
-                    <a:lnT w="12700" cap="flat" cmpd="sng" algn="ctr">
-                      <a:solidFill>
-                        <a:schemeClr val="tx1"/>
-                      </a:solidFill>
-                      <a:prstDash val="solid"/>
-                      <a:round/>
-                      <a:headEnd type="none" w="med" len="med"/>
-                      <a:tailEnd type="none" w="med" len="med"/>
-                    </a:lnT>
-                    <a:lnB w="12700" cap="flat" cmpd="sng" algn="ctr">
-                      <a:solidFill>
-                        <a:schemeClr val="tx1"/>
-                      </a:solidFill>
-                      <a:prstDash val="solid"/>
-                      <a:round/>
-                      <a:headEnd type="none" w="med" len="med"/>
-                      <a:tailEnd type="none" w="med" len="med"/>
-                    </a:lnB>
-                    <a:lnTlToBr w="12700" cmpd="sng">
-                      <a:noFill/>
-                      <a:prstDash val="solid"/>
-                    </a:lnTlToBr>
-                    <a:lnBlToTr w="12700" cmpd="sng">
-                      <a:noFill/>
-                      <a:prstDash val="solid"/>
-                    </a:lnBlToTr>
-                    <a:solidFill>
-                      <a:schemeClr val="bg1">
-                        <a:lumMod val="95000"/>
-                      </a:schemeClr>
-                    </a:solidFill>
-                  </a:tcPr>
-                </a:tc>
-                <a:tc gridSpan="2">
-                  <a:txBody>
-                    <a:bodyPr/>
-                    <a:lstStyle/>
-                    <a:p>
-                      <a:pPr latinLnBrk="1"/>
-                      <a:endParaRPr lang="ko-KR" altLang="en-US" sz="1800" dirty="0">
-                        <a:latin typeface="나눔고딕" pitchFamily="2" charset="-127"/>
-                        <a:ea typeface="나눔고딕" pitchFamily="2" charset="-127"/>
-                      </a:endParaRPr>
-                    </a:p>
-                  </a:txBody>
-                  <a:tcPr>
-                    <a:lnL w="12700" cap="flat" cmpd="sng" algn="ctr">
-                      <a:solidFill>
-                        <a:schemeClr val="tx1"/>
-                      </a:solidFill>
-                      <a:prstDash val="solid"/>
-                      <a:round/>
-                      <a:headEnd type="none" w="med" len="med"/>
-                      <a:tailEnd type="none" w="med" len="med"/>
-                    </a:lnL>
-                    <a:lnR w="12700" cap="flat" cmpd="sng" algn="ctr">
-                      <a:solidFill>
-                        <a:schemeClr val="tx1"/>
-                      </a:solidFill>
-                      <a:prstDash val="solid"/>
-                      <a:round/>
-                      <a:headEnd type="none" w="med" len="med"/>
-                      <a:tailEnd type="none" w="med" len="med"/>
-                    </a:lnR>
-                    <a:lnT w="12700" cap="flat" cmpd="sng" algn="ctr">
-                      <a:solidFill>
-                        <a:schemeClr val="tx1"/>
-                      </a:solidFill>
-                      <a:prstDash val="solid"/>
-                      <a:round/>
-                      <a:headEnd type="none" w="med" len="med"/>
-                      <a:tailEnd type="none" w="med" len="med"/>
-                    </a:lnT>
-                    <a:lnB w="12700" cap="flat" cmpd="sng" algn="ctr">
-                      <a:solidFill>
-                        <a:schemeClr val="tx1"/>
-                      </a:solidFill>
-                      <a:prstDash val="solid"/>
-                      <a:round/>
-                      <a:headEnd type="none" w="med" len="med"/>
-                      <a:tailEnd type="none" w="med" len="med"/>
-                    </a:lnB>
-                    <a:lnTlToBr w="12700" cmpd="sng">
-                      <a:noFill/>
-                      <a:prstDash val="solid"/>
-                    </a:lnTlToBr>
-                    <a:lnBlToTr w="12700" cmpd="sng">
-                      <a:noFill/>
-                      <a:prstDash val="solid"/>
-                    </a:lnBlToTr>
-                    <a:solidFill>
-                      <a:srgbClr val="0F518E"/>
-                    </a:solidFill>
-                  </a:tcPr>
-                </a:tc>
-                <a:tc hMerge="1">
-                  <a:txBody>
-                    <a:bodyPr/>
-                    <a:lstStyle/>
-                    <a:p>
-                      <a:pPr latinLnBrk="1"/>
-                      <a:endParaRPr lang="ko-KR" altLang="en-US">
-                        <a:latin typeface="+mj-ea"/>
-                        <a:ea typeface="+mj-ea"/>
-                      </a:endParaRPr>
-                    </a:p>
-                  </a:txBody>
-                  <a:tcPr>
-                    <a:lnL w="12700" cap="flat" cmpd="sng" algn="ctr">
-                      <a:solidFill>
-                        <a:schemeClr val="tx1"/>
-                      </a:solidFill>
-                      <a:prstDash val="solid"/>
-                      <a:round/>
-                      <a:headEnd type="none" w="med" len="med"/>
-                      <a:tailEnd type="none" w="med" len="med"/>
-                    </a:lnL>
-                    <a:lnR w="12700" cap="flat" cmpd="sng" algn="ctr">
-                      <a:solidFill>
-                        <a:schemeClr val="tx1"/>
-                      </a:solidFill>
-                      <a:prstDash val="solid"/>
-                      <a:round/>
-                      <a:headEnd type="none" w="med" len="med"/>
-                      <a:tailEnd type="none" w="med" len="med"/>
-                    </a:lnR>
-                    <a:lnT w="12700" cap="flat" cmpd="sng" algn="ctr">
-                      <a:solidFill>
-                        <a:schemeClr val="tx1"/>
-                      </a:solidFill>
-                      <a:prstDash val="solid"/>
-                      <a:round/>
-                      <a:headEnd type="none" w="med" len="med"/>
-                      <a:tailEnd type="none" w="med" len="med"/>
-                    </a:lnT>
-                    <a:lnB w="12700" cap="flat" cmpd="sng" algn="ctr">
-                      <a:solidFill>
-                        <a:schemeClr val="tx1"/>
-                      </a:solidFill>
-                      <a:prstDash val="solid"/>
-                      <a:round/>
-                      <a:headEnd type="none" w="med" len="med"/>
-                      <a:tailEnd type="none" w="med" len="med"/>
-                    </a:lnB>
-                    <a:lnTlToBr w="12700" cmpd="sng">
-                      <a:noFill/>
-                      <a:prstDash val="solid"/>
-                    </a:lnTlToBr>
-                    <a:lnBlToTr w="12700" cmpd="sng">
-                      <a:noFill/>
-                      <a:prstDash val="solid"/>
-                    </a:lnBlToTr>
-                    <a:solidFill>
-                      <a:srgbClr val="0F518E"/>
-                    </a:solidFill>
-                  </a:tcPr>
-                </a:tc>
-                <a:tc>
-                  <a:txBody>
-                    <a:bodyPr/>
-                    <a:lstStyle/>
-                    <a:p>
-                      <a:pPr latinLnBrk="1"/>
-                      <a:endParaRPr lang="ko-KR" altLang="en-US" sz="1800" dirty="0">
-                        <a:latin typeface="나눔고딕" pitchFamily="2" charset="-127"/>
-                        <a:ea typeface="나눔고딕" pitchFamily="2" charset="-127"/>
-                      </a:endParaRPr>
-                    </a:p>
-                  </a:txBody>
-                  <a:tcPr>
-                    <a:lnL w="12700" cap="flat" cmpd="sng" algn="ctr">
-                      <a:solidFill>
-                        <a:schemeClr val="tx1"/>
-                      </a:solidFill>
-                      <a:prstDash val="solid"/>
-                      <a:round/>
-                      <a:headEnd type="none" w="med" len="med"/>
-                      <a:tailEnd type="none" w="med" len="med"/>
-                    </a:lnL>
-                    <a:lnR w="12700" cap="flat" cmpd="sng" algn="ctr">
-                      <a:solidFill>
-                        <a:schemeClr val="tx1"/>
-                      </a:solidFill>
-                      <a:prstDash val="solid"/>
-                      <a:round/>
-                      <a:headEnd type="none" w="med" len="med"/>
-                      <a:tailEnd type="none" w="med" len="med"/>
-                    </a:lnR>
-                    <a:lnT w="12700" cap="flat" cmpd="sng" algn="ctr">
-                      <a:solidFill>
-                        <a:schemeClr val="tx1"/>
-                      </a:solidFill>
-                      <a:prstDash val="solid"/>
-                      <a:round/>
-                      <a:headEnd type="none" w="med" len="med"/>
-                      <a:tailEnd type="none" w="med" len="med"/>
-                    </a:lnT>
-                    <a:lnB w="12700" cap="flat" cmpd="sng" algn="ctr">
-                      <a:solidFill>
-                        <a:schemeClr val="tx1"/>
-                      </a:solidFill>
-                      <a:prstDash val="solid"/>
-                      <a:round/>
-                      <a:headEnd type="none" w="med" len="med"/>
-                      <a:tailEnd type="none" w="med" len="med"/>
-                    </a:lnB>
-                    <a:lnTlToBr w="12700" cmpd="sng">
-                      <a:noFill/>
-                      <a:prstDash val="solid"/>
-                    </a:lnTlToBr>
-                    <a:lnBlToTr w="12700" cmpd="sng">
-                      <a:noFill/>
-                      <a:prstDash val="solid"/>
-                    </a:lnBlToTr>
-                    <a:noFill/>
-                  </a:tcPr>
-                </a:tc>
-                <a:tc>
-                  <a:txBody>
-                    <a:bodyPr/>
-                    <a:lstStyle/>
-                    <a:p>
-                      <a:pPr latinLnBrk="1"/>
-                      <a:endParaRPr lang="ko-KR" altLang="en-US" sz="1800" dirty="0">
-                        <a:latin typeface="나눔고딕" pitchFamily="2" charset="-127"/>
-                        <a:ea typeface="나눔고딕" pitchFamily="2" charset="-127"/>
-                      </a:endParaRPr>
-                    </a:p>
-                  </a:txBody>
-                  <a:tcPr>
-                    <a:lnL w="12700" cap="flat" cmpd="sng" algn="ctr">
-                      <a:solidFill>
-                        <a:schemeClr val="tx1"/>
-                      </a:solidFill>
-                      <a:prstDash val="solid"/>
-                      <a:round/>
-                      <a:headEnd type="none" w="med" len="med"/>
-                      <a:tailEnd type="none" w="med" len="med"/>
-                    </a:lnL>
-                    <a:lnR w="12700" cap="flat" cmpd="sng" algn="ctr">
-                      <a:solidFill>
-                        <a:schemeClr val="tx1"/>
-                      </a:solidFill>
-                      <a:prstDash val="solid"/>
-                      <a:round/>
-                      <a:headEnd type="none" w="med" len="med"/>
-                      <a:tailEnd type="none" w="med" len="med"/>
-                    </a:lnR>
-                    <a:lnT w="12700" cap="flat" cmpd="sng" algn="ctr">
-                      <a:solidFill>
-                        <a:schemeClr val="tx1"/>
-                      </a:solidFill>
-                      <a:prstDash val="solid"/>
-                      <a:round/>
-                      <a:headEnd type="none" w="med" len="med"/>
-                      <a:tailEnd type="none" w="med" len="med"/>
-                    </a:lnT>
-                    <a:lnB w="12700" cap="flat" cmpd="sng" algn="ctr">
-                      <a:solidFill>
-                        <a:schemeClr val="tx1"/>
-                      </a:solidFill>
-                      <a:prstDash val="solid"/>
-                      <a:round/>
-                      <a:headEnd type="none" w="med" len="med"/>
-                      <a:tailEnd type="none" w="med" len="med"/>
-                    </a:lnB>
-                    <a:lnTlToBr w="12700" cmpd="sng">
-                      <a:noFill/>
-                      <a:prstDash val="solid"/>
-                    </a:lnTlToBr>
-                    <a:lnBlToTr w="12700" cmpd="sng">
-                      <a:noFill/>
-                      <a:prstDash val="solid"/>
-                    </a:lnBlToTr>
-                    <a:noFill/>
-                  </a:tcPr>
-                </a:tc>
-                <a:tc>
-                  <a:txBody>
-                    <a:bodyPr/>
-                    <a:lstStyle/>
-                    <a:p>
-                      <a:pPr latinLnBrk="1"/>
-                      <a:endParaRPr lang="ko-KR" altLang="en-US" sz="1800" dirty="0">
-                        <a:latin typeface="나눔고딕" pitchFamily="2" charset="-127"/>
-                        <a:ea typeface="나눔고딕" pitchFamily="2" charset="-127"/>
-                      </a:endParaRPr>
-                    </a:p>
-                  </a:txBody>
-                  <a:tcPr>
-                    <a:lnL w="12700" cap="flat" cmpd="sng" algn="ctr">
-                      <a:solidFill>
-                        <a:schemeClr val="tx1"/>
-                      </a:solidFill>
-                      <a:prstDash val="solid"/>
-                      <a:round/>
-                      <a:headEnd type="none" w="med" len="med"/>
-                      <a:tailEnd type="none" w="med" len="med"/>
-                    </a:lnL>
-                    <a:lnR w="12700" cap="flat" cmpd="sng" algn="ctr">
-                      <a:solidFill>
-                        <a:schemeClr val="tx1"/>
-                      </a:solidFill>
-                      <a:prstDash val="solid"/>
-                      <a:round/>
-                      <a:headEnd type="none" w="med" len="med"/>
-                      <a:tailEnd type="none" w="med" len="med"/>
-                    </a:lnR>
-                    <a:lnT w="12700" cap="flat" cmpd="sng" algn="ctr">
-                      <a:solidFill>
-                        <a:schemeClr val="tx1"/>
-                      </a:solidFill>
-                      <a:prstDash val="solid"/>
-                      <a:round/>
-                      <a:headEnd type="none" w="med" len="med"/>
-                      <a:tailEnd type="none" w="med" len="med"/>
-                    </a:lnT>
-                    <a:lnB w="12700" cap="flat" cmpd="sng" algn="ctr">
-                      <a:solidFill>
-                        <a:schemeClr val="tx1"/>
-                      </a:solidFill>
-                      <a:prstDash val="solid"/>
-                      <a:round/>
-                      <a:headEnd type="none" w="med" len="med"/>
-                      <a:tailEnd type="none" w="med" len="med"/>
-                    </a:lnB>
-                    <a:lnTlToBr w="12700" cmpd="sng">
-                      <a:noFill/>
-                      <a:prstDash val="solid"/>
-                    </a:lnTlToBr>
-                    <a:lnBlToTr w="12700" cmpd="sng">
-                      <a:noFill/>
-                      <a:prstDash val="solid"/>
-                    </a:lnBlToTr>
-                    <a:noFill/>
-                  </a:tcPr>
-                </a:tc>
-                <a:tc>
-                  <a:txBody>
-                    <a:bodyPr/>
-                    <a:lstStyle/>
-                    <a:p>
-                      <a:pPr latinLnBrk="1"/>
-                      <a:endParaRPr lang="ko-KR" altLang="en-US" sz="1800" dirty="0">
-                        <a:latin typeface="나눔고딕" pitchFamily="2" charset="-127"/>
-                        <a:ea typeface="나눔고딕" pitchFamily="2" charset="-127"/>
-                      </a:endParaRPr>
-                    </a:p>
-                  </a:txBody>
-                  <a:tcPr>
-                    <a:lnL w="12700" cap="flat" cmpd="sng" algn="ctr">
-                      <a:solidFill>
-                        <a:schemeClr val="tx1"/>
-                      </a:solidFill>
-                      <a:prstDash val="solid"/>
-                      <a:round/>
-                      <a:headEnd type="none" w="med" len="med"/>
-                      <a:tailEnd type="none" w="med" len="med"/>
-                    </a:lnL>
-                    <a:lnR w="12700" cap="flat" cmpd="sng" algn="ctr">
-                      <a:solidFill>
-                        <a:schemeClr val="tx1"/>
-                      </a:solidFill>
-                      <a:prstDash val="solid"/>
-                      <a:round/>
-                      <a:headEnd type="none" w="med" len="med"/>
-                      <a:tailEnd type="none" w="med" len="med"/>
-                    </a:lnR>
-                    <a:lnT w="12700" cap="flat" cmpd="sng" algn="ctr">
-                      <a:solidFill>
-                        <a:schemeClr val="tx1"/>
-                      </a:solidFill>
-                      <a:prstDash val="solid"/>
-                      <a:round/>
-                      <a:headEnd type="none" w="med" len="med"/>
-                      <a:tailEnd type="none" w="med" len="med"/>
-                    </a:lnT>
-                    <a:lnB w="12700" cap="flat" cmpd="sng" algn="ctr">
-                      <a:solidFill>
-                        <a:schemeClr val="tx1"/>
-                      </a:solidFill>
-                      <a:prstDash val="solid"/>
-                      <a:round/>
-                      <a:headEnd type="none" w="med" len="med"/>
-                      <a:tailEnd type="none" w="med" len="med"/>
-                    </a:lnB>
-                    <a:lnTlToBr w="12700" cmpd="sng">
-                      <a:noFill/>
-                      <a:prstDash val="solid"/>
-                    </a:lnTlToBr>
-                    <a:lnBlToTr w="12700" cmpd="sng">
-                      <a:noFill/>
-                      <a:prstDash val="solid"/>
-                    </a:lnBlToTr>
-                    <a:noFill/>
-                  </a:tcPr>
-                </a:tc>
-                <a:tc>
-                  <a:txBody>
-                    <a:bodyPr/>
-                    <a:lstStyle/>
-                    <a:p>
-                      <a:pPr latinLnBrk="1"/>
-                      <a:endParaRPr lang="ko-KR" altLang="en-US" sz="1800" dirty="0">
-                        <a:latin typeface="나눔고딕" pitchFamily="2" charset="-127"/>
-                        <a:ea typeface="나눔고딕" pitchFamily="2" charset="-127"/>
-                      </a:endParaRPr>
-                    </a:p>
-                  </a:txBody>
-                  <a:tcPr>
-                    <a:lnL w="12700" cap="flat" cmpd="sng" algn="ctr">
-                      <a:solidFill>
-                        <a:schemeClr val="tx1"/>
-                      </a:solidFill>
-                      <a:prstDash val="solid"/>
-                      <a:round/>
-                      <a:headEnd type="none" w="med" len="med"/>
-                      <a:tailEnd type="none" w="med" len="med"/>
-                    </a:lnL>
-                    <a:lnR w="12700" cap="flat" cmpd="sng" algn="ctr">
-                      <a:solidFill>
-                        <a:schemeClr val="tx1"/>
-                      </a:solidFill>
-                      <a:prstDash val="solid"/>
-                      <a:round/>
-                      <a:headEnd type="none" w="med" len="med"/>
-                      <a:tailEnd type="none" w="med" len="med"/>
-                    </a:lnR>
-                    <a:lnT w="12700" cap="flat" cmpd="sng" algn="ctr">
-                      <a:solidFill>
-                        <a:schemeClr val="tx1"/>
-                      </a:solidFill>
-                      <a:prstDash val="solid"/>
-                      <a:round/>
-                      <a:headEnd type="none" w="med" len="med"/>
-                      <a:tailEnd type="none" w="med" len="med"/>
-                    </a:lnT>
-                    <a:lnB w="12700" cap="flat" cmpd="sng" algn="ctr">
-                      <a:solidFill>
-                        <a:schemeClr val="tx1"/>
-                      </a:solidFill>
-                      <a:prstDash val="solid"/>
-                      <a:round/>
-                      <a:headEnd type="none" w="med" len="med"/>
-                      <a:tailEnd type="none" w="med" len="med"/>
-                    </a:lnB>
-                    <a:lnTlToBr w="12700" cmpd="sng">
-                      <a:noFill/>
-                      <a:prstDash val="solid"/>
-                    </a:lnTlToBr>
-                    <a:lnBlToTr w="12700" cmpd="sng">
-                      <a:noFill/>
-                      <a:prstDash val="solid"/>
-                    </a:lnBlToTr>
-                    <a:noFill/>
-                  </a:tcPr>
-                </a:tc>
-                <a:tc>
-                  <a:txBody>
-                    <a:bodyPr/>
-                    <a:lstStyle/>
-                    <a:p>
-                      <a:pPr latinLnBrk="1"/>
-                      <a:endParaRPr lang="ko-KR" altLang="en-US" sz="1800" dirty="0">
-                        <a:latin typeface="나눔고딕" pitchFamily="2" charset="-127"/>
-                        <a:ea typeface="나눔고딕" pitchFamily="2" charset="-127"/>
-                      </a:endParaRPr>
-                    </a:p>
-                  </a:txBody>
-                  <a:tcPr>
-                    <a:lnL w="12700" cap="flat" cmpd="sng" algn="ctr">
-                      <a:solidFill>
-                        <a:schemeClr val="tx1"/>
-                      </a:solidFill>
-                      <a:prstDash val="solid"/>
-                      <a:round/>
-                      <a:headEnd type="none" w="med" len="med"/>
-                      <a:tailEnd type="none" w="med" len="med"/>
-                    </a:lnL>
-                    <a:lnR w="12700" cap="flat" cmpd="sng" algn="ctr">
-                      <a:solidFill>
-                        <a:schemeClr val="tx1"/>
-                      </a:solidFill>
-                      <a:prstDash val="solid"/>
-                      <a:round/>
-                      <a:headEnd type="none" w="med" len="med"/>
-                      <a:tailEnd type="none" w="med" len="med"/>
-                    </a:lnR>
-                    <a:lnT w="12700" cap="flat" cmpd="sng" algn="ctr">
-                      <a:solidFill>
-                        <a:schemeClr val="tx1"/>
-                      </a:solidFill>
-                      <a:prstDash val="solid"/>
-                      <a:round/>
-                      <a:headEnd type="none" w="med" len="med"/>
-                      <a:tailEnd type="none" w="med" len="med"/>
-                    </a:lnT>
-                    <a:lnB w="12700" cap="flat" cmpd="sng" algn="ctr">
-                      <a:solidFill>
-                        <a:schemeClr val="tx1"/>
-                      </a:solidFill>
-                      <a:prstDash val="solid"/>
-                      <a:round/>
-                      <a:headEnd type="none" w="med" len="med"/>
-                      <a:tailEnd type="none" w="med" len="med"/>
-                    </a:lnB>
-                    <a:lnTlToBr w="12700" cmpd="sng">
-                      <a:noFill/>
-                      <a:prstDash val="solid"/>
-                    </a:lnTlToBr>
-                    <a:lnBlToTr w="12700" cmpd="sng">
-                      <a:noFill/>
-                      <a:prstDash val="solid"/>
-                    </a:lnBlToTr>
-                    <a:noFill/>
-                  </a:tcPr>
-                </a:tc>
-                <a:extLst>
-                  <a:ext uri="{0D108BD9-81ED-4DB2-BD59-A6C34878D82A}">
-                    <a16:rowId xmlns:a16="http://schemas.microsoft.com/office/drawing/2014/main" val="2423210177"/>
+                    <a16:rowId xmlns:a16="http://schemas.microsoft.com/office/drawing/2014/main" val="2277035803"/>
                   </a:ext>
                 </a:extLst>
               </a:tr>
@@ -15423,12 +16102,16 @@
                     <a:p>
                       <a:pPr algn="ctr" latinLnBrk="1"/>
                       <a:r>
-                        <a:rPr lang="ko-KR" altLang="en-US" sz="1800" dirty="0">
+                        <a:rPr lang="ko-KR" altLang="en-US" sz="1800">
                           <a:latin typeface="나눔고딕" pitchFamily="2" charset="-127"/>
                           <a:ea typeface="나눔고딕" pitchFamily="2" charset="-127"/>
                         </a:rPr>
-                        <a:t>애니메이션</a:t>
+                        <a:t>레이 트레이싱</a:t>
                       </a:r>
+                      <a:endParaRPr lang="ko-KR" altLang="en-US" sz="1800" dirty="0">
+                        <a:latin typeface="나눔고딕" pitchFamily="2" charset="-127"/>
+                        <a:ea typeface="나눔고딕" pitchFamily="2" charset="-127"/>
+                      </a:endParaRPr>
                     </a:p>
                   </a:txBody>
                   <a:tcPr anchor="ctr">
@@ -15543,7 +16226,102 @@
                     <a:noFill/>
                   </a:tcPr>
                 </a:tc>
-                <a:tc gridSpan="3">
+                <a:tc gridSpan="6">
+                  <a:txBody>
+                    <a:bodyPr/>
+                    <a:lstStyle/>
+                    <a:p>
+                      <a:pPr latinLnBrk="1"/>
+                      <a:endParaRPr lang="ko-KR" altLang="en-US" sz="1800" dirty="0">
+                        <a:latin typeface="나눔고딕" pitchFamily="2" charset="-127"/>
+                        <a:ea typeface="나눔고딕" pitchFamily="2" charset="-127"/>
+                      </a:endParaRPr>
+                    </a:p>
+                  </a:txBody>
+                  <a:tcPr>
+                    <a:lnL w="12700" cap="flat" cmpd="sng" algn="ctr">
+                      <a:solidFill>
+                        <a:schemeClr val="tx1"/>
+                      </a:solidFill>
+                      <a:prstDash val="solid"/>
+                      <a:round/>
+                      <a:headEnd type="none" w="med" len="med"/>
+                      <a:tailEnd type="none" w="med" len="med"/>
+                    </a:lnL>
+                    <a:lnR w="12700" cap="flat" cmpd="sng" algn="ctr">
+                      <a:solidFill>
+                        <a:schemeClr val="tx1"/>
+                      </a:solidFill>
+                      <a:prstDash val="solid"/>
+                      <a:round/>
+                      <a:headEnd type="none" w="med" len="med"/>
+                      <a:tailEnd type="none" w="med" len="med"/>
+                    </a:lnR>
+                    <a:lnT w="12700" cap="flat" cmpd="sng" algn="ctr">
+                      <a:solidFill>
+                        <a:schemeClr val="tx1"/>
+                      </a:solidFill>
+                      <a:prstDash val="solid"/>
+                      <a:round/>
+                      <a:headEnd type="none" w="med" len="med"/>
+                      <a:tailEnd type="none" w="med" len="med"/>
+                    </a:lnT>
+                    <a:lnB w="12700" cap="flat" cmpd="sng" algn="ctr">
+                      <a:solidFill>
+                        <a:schemeClr val="tx1"/>
+                      </a:solidFill>
+                      <a:prstDash val="solid"/>
+                      <a:round/>
+                      <a:headEnd type="none" w="med" len="med"/>
+                      <a:tailEnd type="none" w="med" len="med"/>
+                    </a:lnB>
+                    <a:lnTlToBr w="12700" cmpd="sng">
+                      <a:noFill/>
+                      <a:prstDash val="solid"/>
+                    </a:lnTlToBr>
+                    <a:lnBlToTr w="12700" cmpd="sng">
+                      <a:noFill/>
+                      <a:prstDash val="solid"/>
+                    </a:lnBlToTr>
+                    <a:solidFill>
+                      <a:srgbClr val="0F518E"/>
+                    </a:solidFill>
+                  </a:tcPr>
+                </a:tc>
+                <a:tc hMerge="1">
+                  <a:txBody>
+                    <a:bodyPr/>
+                    <a:lstStyle/>
+                    <a:p>
+                      <a:pPr latinLnBrk="1"/>
+                      <a:endParaRPr lang="ko-KR" altLang="en-US" sz="1800" dirty="0">
+                        <a:latin typeface="나눔고딕" pitchFamily="2" charset="-127"/>
+                        <a:ea typeface="나눔고딕" pitchFamily="2" charset="-127"/>
+                      </a:endParaRPr>
+                    </a:p>
+                  </a:txBody>
+                  <a:tcPr>
+                    <a:lnL w="12700" cap="flat" cmpd="sng" algn="ctr">
+                      <a:solidFill>
+                        <a:schemeClr val="tx1"/>
+                      </a:solidFill>
+                      <a:prstDash val="solid"/>
+                      <a:round/>
+                      <a:headEnd type="none" w="med" len="med"/>
+                      <a:tailEnd type="none" w="med" len="med"/>
+                    </a:lnL>
+                    <a:lnT w="12700" cap="flat" cmpd="sng" algn="ctr">
+                      <a:solidFill>
+                        <a:schemeClr val="tx1"/>
+                      </a:solidFill>
+                      <a:prstDash val="solid"/>
+                      <a:round/>
+                      <a:headEnd type="none" w="med" len="med"/>
+                      <a:tailEnd type="none" w="med" len="med"/>
+                    </a:lnT>
+                  </a:tcPr>
+                </a:tc>
+                <a:tc hMerge="1">
                   <a:txBody>
                     <a:bodyPr/>
                     <a:lstStyle/>
@@ -15624,6 +16402,15 @@
                       <a:headEnd type="none" w="med" len="med"/>
                       <a:tailEnd type="none" w="med" len="med"/>
                     </a:lnL>
+                    <a:lnR w="12700" cap="flat" cmpd="sng" algn="ctr">
+                      <a:solidFill>
+                        <a:schemeClr val="tx1"/>
+                      </a:solidFill>
+                      <a:prstDash val="solid"/>
+                      <a:round/>
+                      <a:headEnd type="none" w="med" len="med"/>
+                      <a:tailEnd type="none" w="med" len="med"/>
+                    </a:lnR>
                     <a:lnT w="12700" cap="flat" cmpd="sng" algn="ctr">
                       <a:solidFill>
                         <a:schemeClr val="tx1"/>
@@ -15633,6 +16420,24 @@
                       <a:headEnd type="none" w="med" len="med"/>
                       <a:tailEnd type="none" w="med" len="med"/>
                     </a:lnT>
+                    <a:lnB w="12700" cap="flat" cmpd="sng" algn="ctr">
+                      <a:solidFill>
+                        <a:schemeClr val="tx1"/>
+                      </a:solidFill>
+                      <a:prstDash val="solid"/>
+                      <a:round/>
+                      <a:headEnd type="none" w="med" len="med"/>
+                      <a:tailEnd type="none" w="med" len="med"/>
+                    </a:lnB>
+                    <a:lnTlToBr w="12700" cmpd="sng">
+                      <a:noFill/>
+                      <a:prstDash val="solid"/>
+                    </a:lnTlToBr>
+                    <a:lnBlToTr w="12700" cmpd="sng">
+                      <a:noFill/>
+                      <a:prstDash val="solid"/>
+                    </a:lnBlToTr>
+                    <a:noFill/>
                   </a:tcPr>
                 </a:tc>
                 <a:tc hMerge="1">
@@ -15689,132 +16494,10 @@
                       <a:noFill/>
                       <a:prstDash val="solid"/>
                     </a:lnBlToTr>
-                    <a:solidFill>
-                      <a:srgbClr val="0F518E"/>
-                    </a:solidFill>
-                  </a:tcPr>
-                </a:tc>
-                <a:tc>
-                  <a:txBody>
-                    <a:bodyPr/>
-                    <a:lstStyle/>
-                    <a:p>
-                      <a:pPr latinLnBrk="1"/>
-                      <a:endParaRPr lang="ko-KR" altLang="en-US" sz="1800" dirty="0">
-                        <a:latin typeface="나눔고딕" pitchFamily="2" charset="-127"/>
-                        <a:ea typeface="나눔고딕" pitchFamily="2" charset="-127"/>
-                      </a:endParaRPr>
-                    </a:p>
-                  </a:txBody>
-                  <a:tcPr>
-                    <a:lnL w="12700" cap="flat" cmpd="sng" algn="ctr">
-                      <a:solidFill>
-                        <a:schemeClr val="tx1"/>
-                      </a:solidFill>
-                      <a:prstDash val="solid"/>
-                      <a:round/>
-                      <a:headEnd type="none" w="med" len="med"/>
-                      <a:tailEnd type="none" w="med" len="med"/>
-                    </a:lnL>
-                    <a:lnR w="12700" cap="flat" cmpd="sng" algn="ctr">
-                      <a:solidFill>
-                        <a:schemeClr val="tx1"/>
-                      </a:solidFill>
-                      <a:prstDash val="solid"/>
-                      <a:round/>
-                      <a:headEnd type="none" w="med" len="med"/>
-                      <a:tailEnd type="none" w="med" len="med"/>
-                    </a:lnR>
-                    <a:lnT w="12700" cap="flat" cmpd="sng" algn="ctr">
-                      <a:solidFill>
-                        <a:schemeClr val="tx1"/>
-                      </a:solidFill>
-                      <a:prstDash val="solid"/>
-                      <a:round/>
-                      <a:headEnd type="none" w="med" len="med"/>
-                      <a:tailEnd type="none" w="med" len="med"/>
-                    </a:lnT>
-                    <a:lnB w="12700" cap="flat" cmpd="sng" algn="ctr">
-                      <a:solidFill>
-                        <a:schemeClr val="tx1"/>
-                      </a:solidFill>
-                      <a:prstDash val="solid"/>
-                      <a:round/>
-                      <a:headEnd type="none" w="med" len="med"/>
-                      <a:tailEnd type="none" w="med" len="med"/>
-                    </a:lnB>
-                    <a:lnTlToBr w="12700" cmpd="sng">
-                      <a:noFill/>
-                      <a:prstDash val="solid"/>
-                    </a:lnTlToBr>
-                    <a:lnBlToTr w="12700" cmpd="sng">
-                      <a:noFill/>
-                      <a:prstDash val="solid"/>
-                    </a:lnBlToTr>
                     <a:noFill/>
                   </a:tcPr>
                 </a:tc>
-                <a:tc>
-                  <a:txBody>
-                    <a:bodyPr/>
-                    <a:lstStyle/>
-                    <a:p>
-                      <a:pPr latinLnBrk="1"/>
-                      <a:endParaRPr lang="ko-KR" altLang="en-US" sz="1800" dirty="0">
-                        <a:latin typeface="나눔고딕" pitchFamily="2" charset="-127"/>
-                        <a:ea typeface="나눔고딕" pitchFamily="2" charset="-127"/>
-                      </a:endParaRPr>
-                    </a:p>
-                  </a:txBody>
-                  <a:tcPr>
-                    <a:lnL w="12700" cap="flat" cmpd="sng" algn="ctr">
-                      <a:solidFill>
-                        <a:schemeClr val="tx1"/>
-                      </a:solidFill>
-                      <a:prstDash val="solid"/>
-                      <a:round/>
-                      <a:headEnd type="none" w="med" len="med"/>
-                      <a:tailEnd type="none" w="med" len="med"/>
-                    </a:lnL>
-                    <a:lnR w="12700" cap="flat" cmpd="sng" algn="ctr">
-                      <a:solidFill>
-                        <a:schemeClr val="tx1"/>
-                      </a:solidFill>
-                      <a:prstDash val="solid"/>
-                      <a:round/>
-                      <a:headEnd type="none" w="med" len="med"/>
-                      <a:tailEnd type="none" w="med" len="med"/>
-                    </a:lnR>
-                    <a:lnT w="12700" cap="flat" cmpd="sng" algn="ctr">
-                      <a:solidFill>
-                        <a:schemeClr val="tx1"/>
-                      </a:solidFill>
-                      <a:prstDash val="solid"/>
-                      <a:round/>
-                      <a:headEnd type="none" w="med" len="med"/>
-                      <a:tailEnd type="none" w="med" len="med"/>
-                    </a:lnT>
-                    <a:lnB w="12700" cap="flat" cmpd="sng" algn="ctr">
-                      <a:solidFill>
-                        <a:schemeClr val="tx1"/>
-                      </a:solidFill>
-                      <a:prstDash val="solid"/>
-                      <a:round/>
-                      <a:headEnd type="none" w="med" len="med"/>
-                      <a:tailEnd type="none" w="med" len="med"/>
-                    </a:lnB>
-                    <a:lnTlToBr w="12700" cmpd="sng">
-                      <a:noFill/>
-                      <a:prstDash val="solid"/>
-                    </a:lnTlToBr>
-                    <a:lnBlToTr w="12700" cmpd="sng">
-                      <a:noFill/>
-                      <a:prstDash val="solid"/>
-                    </a:lnBlToTr>
-                    <a:noFill/>
-                  </a:tcPr>
-                </a:tc>
-                <a:tc>
+                <a:tc hMerge="1">
                   <a:txBody>
                     <a:bodyPr/>
                     <a:lstStyle/>
@@ -16520,12 +17203,16 @@
                         <a:t>-</a:t>
                       </a:r>
                       <a:r>
-                        <a:rPr lang="ko-KR" altLang="en-US" sz="1800" dirty="0">
+                        <a:rPr lang="ko-KR" altLang="en-US" sz="1800">
                           <a:latin typeface="나눔고딕" pitchFamily="2" charset="-127"/>
                           <a:ea typeface="나눔고딕" pitchFamily="2" charset="-127"/>
                         </a:rPr>
-                        <a:t>클라이언트 통신 및 동기화</a:t>
+                        <a:t>클라이언트 동기화</a:t>
                       </a:r>
+                      <a:endParaRPr lang="ko-KR" altLang="en-US" sz="1800" dirty="0">
+                        <a:latin typeface="나눔고딕" pitchFamily="2" charset="-127"/>
+                        <a:ea typeface="나눔고딕" pitchFamily="2" charset="-127"/>
+                      </a:endParaRPr>
                     </a:p>
                   </a:txBody>
                   <a:tcPr anchor="ctr">
@@ -17045,53 +17732,11 @@
                     <a:p>
                       <a:pPr algn="ctr" latinLnBrk="1"/>
                       <a:r>
-                        <a:rPr lang="en-US" altLang="ko-KR" sz="1800" dirty="0">
-                          <a:latin typeface="나눔고딕" pitchFamily="2" charset="-127"/>
-                          <a:ea typeface="나눔고딕" pitchFamily="2" charset="-127"/>
-                        </a:rPr>
-                        <a:t>UI, </a:t>
-                      </a:r>
-                      <a:r>
                         <a:rPr lang="ko-KR" altLang="en-US" sz="1800" dirty="0">
                           <a:latin typeface="나눔고딕" pitchFamily="2" charset="-127"/>
                           <a:ea typeface="나눔고딕" pitchFamily="2" charset="-127"/>
                         </a:rPr>
-                        <a:t>충돌처리</a:t>
-                      </a:r>
-                      <a:r>
-                        <a:rPr lang="en-US" altLang="ko-KR" sz="1800" dirty="0">
-                          <a:latin typeface="나눔고딕" pitchFamily="2" charset="-127"/>
-                          <a:ea typeface="나눔고딕" pitchFamily="2" charset="-127"/>
-                        </a:rPr>
-                        <a:t>, </a:t>
-                      </a:r>
-                      <a:r>
-                        <a:rPr lang="ko-KR" altLang="en-US" sz="1800" dirty="0">
-                          <a:latin typeface="나눔고딕" pitchFamily="2" charset="-127"/>
-                          <a:ea typeface="나눔고딕" pitchFamily="2" charset="-127"/>
-                        </a:rPr>
-                        <a:t>모델 </a:t>
-                      </a:r>
-                      <a:r>
-                        <a:rPr lang="ko-KR" altLang="en-US" sz="1800" dirty="0" err="1">
-                          <a:latin typeface="나눔고딕" pitchFamily="2" charset="-127"/>
-                          <a:ea typeface="나눔고딕" pitchFamily="2" charset="-127"/>
-                        </a:rPr>
-                        <a:t>링킹</a:t>
-                      </a:r>
-                      <a:r>
-                        <a:rPr lang="en-US" altLang="ko-KR" sz="1800" dirty="0">
-                          <a:latin typeface="나눔고딕" pitchFamily="2" charset="-127"/>
-                          <a:ea typeface="나눔고딕" pitchFamily="2" charset="-127"/>
-                        </a:rPr>
-                        <a:t>, </a:t>
-                      </a:r>
-                      <a:r>
-                        <a:rPr lang="ko-KR" altLang="en-US" sz="1800" dirty="0">
-                          <a:latin typeface="나눔고딕" pitchFamily="2" charset="-127"/>
-                          <a:ea typeface="나눔고딕" pitchFamily="2" charset="-127"/>
-                        </a:rPr>
-                        <a:t>사운드</a:t>
+                        <a:t>서버 이중화</a:t>
                       </a:r>
                     </a:p>
                   </a:txBody>
@@ -17207,7 +17852,298 @@
                     <a:noFill/>
                   </a:tcPr>
                 </a:tc>
-                <a:tc>
+                <a:tc gridSpan="6">
+                  <a:txBody>
+                    <a:bodyPr/>
+                    <a:lstStyle/>
+                    <a:p>
+                      <a:pPr latinLnBrk="1"/>
+                      <a:endParaRPr lang="ko-KR" altLang="en-US"/>
+                    </a:p>
+                  </a:txBody>
+                  <a:tcPr>
+                    <a:lnL w="12700" cap="flat" cmpd="sng" algn="ctr">
+                      <a:solidFill>
+                        <a:schemeClr val="tx1"/>
+                      </a:solidFill>
+                      <a:prstDash val="solid"/>
+                      <a:round/>
+                      <a:headEnd type="none" w="med" len="med"/>
+                      <a:tailEnd type="none" w="med" len="med"/>
+                    </a:lnL>
+                    <a:lnR w="12700" cap="flat" cmpd="sng" algn="ctr">
+                      <a:solidFill>
+                        <a:schemeClr val="tx1"/>
+                      </a:solidFill>
+                      <a:prstDash val="solid"/>
+                      <a:round/>
+                      <a:headEnd type="none" w="med" len="med"/>
+                      <a:tailEnd type="none" w="med" len="med"/>
+                    </a:lnR>
+                    <a:lnT w="12700" cap="flat" cmpd="sng" algn="ctr">
+                      <a:solidFill>
+                        <a:schemeClr val="tx1"/>
+                      </a:solidFill>
+                      <a:prstDash val="solid"/>
+                      <a:round/>
+                      <a:headEnd type="none" w="med" len="med"/>
+                      <a:tailEnd type="none" w="med" len="med"/>
+                    </a:lnT>
+                    <a:lnB w="12700" cap="flat" cmpd="sng" algn="ctr">
+                      <a:solidFill>
+                        <a:schemeClr val="tx1"/>
+                      </a:solidFill>
+                      <a:prstDash val="solid"/>
+                      <a:round/>
+                      <a:headEnd type="none" w="med" len="med"/>
+                      <a:tailEnd type="none" w="med" len="med"/>
+                    </a:lnB>
+                    <a:lnTlToBr w="12700" cmpd="sng">
+                      <a:noFill/>
+                      <a:prstDash val="solid"/>
+                    </a:lnTlToBr>
+                    <a:lnBlToTr w="12700" cmpd="sng">
+                      <a:noFill/>
+                      <a:prstDash val="solid"/>
+                    </a:lnBlToTr>
+                    <a:solidFill>
+                      <a:srgbClr val="92D050"/>
+                    </a:solidFill>
+                  </a:tcPr>
+                </a:tc>
+                <a:tc hMerge="1">
+                  <a:txBody>
+                    <a:bodyPr/>
+                    <a:lstStyle/>
+                    <a:p>
+                      <a:pPr latinLnBrk="1"/>
+                      <a:endParaRPr lang="ko-KR" altLang="en-US"/>
+                    </a:p>
+                  </a:txBody>
+                  <a:tcPr>
+                    <a:lnL w="12700" cap="flat" cmpd="sng" algn="ctr">
+                      <a:solidFill>
+                        <a:schemeClr val="tx1"/>
+                      </a:solidFill>
+                      <a:prstDash val="solid"/>
+                      <a:round/>
+                      <a:headEnd type="none" w="med" len="med"/>
+                      <a:tailEnd type="none" w="med" len="med"/>
+                    </a:lnL>
+                    <a:lnR w="12700" cap="flat" cmpd="sng" algn="ctr">
+                      <a:solidFill>
+                        <a:schemeClr val="tx1"/>
+                      </a:solidFill>
+                      <a:prstDash val="solid"/>
+                      <a:round/>
+                      <a:headEnd type="none" w="med" len="med"/>
+                      <a:tailEnd type="none" w="med" len="med"/>
+                    </a:lnR>
+                    <a:lnT w="12700" cap="flat" cmpd="sng" algn="ctr">
+                      <a:solidFill>
+                        <a:schemeClr val="tx1"/>
+                      </a:solidFill>
+                      <a:prstDash val="solid"/>
+                      <a:round/>
+                      <a:headEnd type="none" w="med" len="med"/>
+                      <a:tailEnd type="none" w="med" len="med"/>
+                    </a:lnT>
+                    <a:lnB w="12700" cap="flat" cmpd="sng" algn="ctr">
+                      <a:solidFill>
+                        <a:schemeClr val="tx1"/>
+                      </a:solidFill>
+                      <a:prstDash val="solid"/>
+                      <a:round/>
+                      <a:headEnd type="none" w="med" len="med"/>
+                      <a:tailEnd type="none" w="med" len="med"/>
+                    </a:lnB>
+                    <a:lnTlToBr w="12700" cmpd="sng">
+                      <a:noFill/>
+                      <a:prstDash val="solid"/>
+                    </a:lnTlToBr>
+                    <a:lnBlToTr w="12700" cmpd="sng">
+                      <a:noFill/>
+                      <a:prstDash val="solid"/>
+                    </a:lnBlToTr>
+                    <a:noFill/>
+                  </a:tcPr>
+                </a:tc>
+                <a:tc hMerge="1">
+                  <a:txBody>
+                    <a:bodyPr/>
+                    <a:lstStyle/>
+                    <a:p>
+                      <a:pPr latinLnBrk="1"/>
+                      <a:endParaRPr lang="ko-KR" altLang="en-US"/>
+                    </a:p>
+                  </a:txBody>
+                  <a:tcPr>
+                    <a:lnL w="12700" cap="flat" cmpd="sng" algn="ctr">
+                      <a:solidFill>
+                        <a:schemeClr val="tx1"/>
+                      </a:solidFill>
+                      <a:prstDash val="solid"/>
+                      <a:round/>
+                      <a:headEnd type="none" w="med" len="med"/>
+                      <a:tailEnd type="none" w="med" len="med"/>
+                    </a:lnL>
+                    <a:lnR w="12700" cap="flat" cmpd="sng" algn="ctr">
+                      <a:solidFill>
+                        <a:schemeClr val="tx1"/>
+                      </a:solidFill>
+                      <a:prstDash val="solid"/>
+                      <a:round/>
+                      <a:headEnd type="none" w="med" len="med"/>
+                      <a:tailEnd type="none" w="med" len="med"/>
+                    </a:lnR>
+                    <a:lnT w="12700" cap="flat" cmpd="sng" algn="ctr">
+                      <a:solidFill>
+                        <a:schemeClr val="tx1"/>
+                      </a:solidFill>
+                      <a:prstDash val="solid"/>
+                      <a:round/>
+                      <a:headEnd type="none" w="med" len="med"/>
+                      <a:tailEnd type="none" w="med" len="med"/>
+                    </a:lnT>
+                    <a:lnB w="12700" cap="flat" cmpd="sng" algn="ctr">
+                      <a:solidFill>
+                        <a:schemeClr val="tx1"/>
+                      </a:solidFill>
+                      <a:prstDash val="solid"/>
+                      <a:round/>
+                      <a:headEnd type="none" w="med" len="med"/>
+                      <a:tailEnd type="none" w="med" len="med"/>
+                    </a:lnB>
+                    <a:lnTlToBr w="12700" cmpd="sng">
+                      <a:noFill/>
+                      <a:prstDash val="solid"/>
+                    </a:lnTlToBr>
+                    <a:lnBlToTr w="12700" cmpd="sng">
+                      <a:noFill/>
+                      <a:prstDash val="solid"/>
+                    </a:lnBlToTr>
+                    <a:solidFill>
+                      <a:srgbClr val="0F518E"/>
+                    </a:solidFill>
+                  </a:tcPr>
+                </a:tc>
+                <a:tc hMerge="1">
+                  <a:txBody>
+                    <a:bodyPr/>
+                    <a:lstStyle/>
+                    <a:p>
+                      <a:pPr latinLnBrk="1"/>
+                      <a:endParaRPr lang="ko-KR" altLang="en-US"/>
+                    </a:p>
+                  </a:txBody>
+                  <a:tcPr>
+                    <a:lnL w="12700" cap="flat" cmpd="sng" algn="ctr">
+                      <a:solidFill>
+                        <a:schemeClr val="tx1"/>
+                      </a:solidFill>
+                      <a:prstDash val="solid"/>
+                      <a:round/>
+                      <a:headEnd type="none" w="med" len="med"/>
+                      <a:tailEnd type="none" w="med" len="med"/>
+                    </a:lnL>
+                    <a:lnR w="12700" cap="flat" cmpd="sng" algn="ctr">
+                      <a:solidFill>
+                        <a:schemeClr val="tx1"/>
+                      </a:solidFill>
+                      <a:prstDash val="solid"/>
+                      <a:round/>
+                      <a:headEnd type="none" w="med" len="med"/>
+                      <a:tailEnd type="none" w="med" len="med"/>
+                    </a:lnR>
+                    <a:lnT w="12700" cap="flat" cmpd="sng" algn="ctr">
+                      <a:solidFill>
+                        <a:schemeClr val="tx1"/>
+                      </a:solidFill>
+                      <a:prstDash val="solid"/>
+                      <a:round/>
+                      <a:headEnd type="none" w="med" len="med"/>
+                      <a:tailEnd type="none" w="med" len="med"/>
+                    </a:lnT>
+                    <a:lnB w="12700" cap="flat" cmpd="sng" algn="ctr">
+                      <a:solidFill>
+                        <a:schemeClr val="tx1"/>
+                      </a:solidFill>
+                      <a:prstDash val="solid"/>
+                      <a:round/>
+                      <a:headEnd type="none" w="med" len="med"/>
+                      <a:tailEnd type="none" w="med" len="med"/>
+                    </a:lnB>
+                    <a:lnTlToBr w="12700" cmpd="sng">
+                      <a:noFill/>
+                      <a:prstDash val="solid"/>
+                    </a:lnTlToBr>
+                    <a:lnBlToTr w="12700" cmpd="sng">
+                      <a:noFill/>
+                      <a:prstDash val="solid"/>
+                    </a:lnBlToTr>
+                    <a:solidFill>
+                      <a:srgbClr val="0F518E"/>
+                    </a:solidFill>
+                  </a:tcPr>
+                </a:tc>
+                <a:tc hMerge="1">
+                  <a:txBody>
+                    <a:bodyPr/>
+                    <a:lstStyle/>
+                    <a:p>
+                      <a:pPr latinLnBrk="1"/>
+                      <a:endParaRPr lang="ko-KR" altLang="en-US"/>
+                    </a:p>
+                  </a:txBody>
+                  <a:tcPr>
+                    <a:lnL w="12700" cap="flat" cmpd="sng" algn="ctr">
+                      <a:solidFill>
+                        <a:schemeClr val="tx1"/>
+                      </a:solidFill>
+                      <a:prstDash val="solid"/>
+                      <a:round/>
+                      <a:headEnd type="none" w="med" len="med"/>
+                      <a:tailEnd type="none" w="med" len="med"/>
+                    </a:lnL>
+                    <a:lnR w="12700" cap="flat" cmpd="sng" algn="ctr">
+                      <a:solidFill>
+                        <a:schemeClr val="tx1"/>
+                      </a:solidFill>
+                      <a:prstDash val="solid"/>
+                      <a:round/>
+                      <a:headEnd type="none" w="med" len="med"/>
+                      <a:tailEnd type="none" w="med" len="med"/>
+                    </a:lnR>
+                    <a:lnT w="12700" cap="flat" cmpd="sng" algn="ctr">
+                      <a:solidFill>
+                        <a:schemeClr val="tx1"/>
+                      </a:solidFill>
+                      <a:prstDash val="solid"/>
+                      <a:round/>
+                      <a:headEnd type="none" w="med" len="med"/>
+                      <a:tailEnd type="none" w="med" len="med"/>
+                    </a:lnT>
+                    <a:lnB w="12700" cap="flat" cmpd="sng" algn="ctr">
+                      <a:solidFill>
+                        <a:schemeClr val="tx1"/>
+                      </a:solidFill>
+                      <a:prstDash val="solid"/>
+                      <a:round/>
+                      <a:headEnd type="none" w="med" len="med"/>
+                      <a:tailEnd type="none" w="med" len="med"/>
+                    </a:lnB>
+                    <a:lnTlToBr w="12700" cmpd="sng">
+                      <a:noFill/>
+                      <a:prstDash val="solid"/>
+                    </a:lnTlToBr>
+                    <a:lnBlToTr w="12700" cmpd="sng">
+                      <a:noFill/>
+                      <a:prstDash val="solid"/>
+                    </a:lnBlToTr>
+                    <a:noFill/>
+                  </a:tcPr>
+                </a:tc>
+                <a:tc hMerge="1">
                   <a:txBody>
                     <a:bodyPr/>
                     <a:lstStyle/>
@@ -17327,307 +18263,6 @@
                     <a:noFill/>
                   </a:tcPr>
                 </a:tc>
-                <a:tc gridSpan="2">
-                  <a:txBody>
-                    <a:bodyPr/>
-                    <a:lstStyle/>
-                    <a:p>
-                      <a:pPr latinLnBrk="1"/>
-                      <a:endParaRPr lang="ko-KR" altLang="en-US" sz="1800" dirty="0">
-                        <a:latin typeface="나눔고딕" pitchFamily="2" charset="-127"/>
-                        <a:ea typeface="나눔고딕" pitchFamily="2" charset="-127"/>
-                      </a:endParaRPr>
-                    </a:p>
-                  </a:txBody>
-                  <a:tcPr>
-                    <a:lnL w="12700" cap="flat" cmpd="sng" algn="ctr">
-                      <a:solidFill>
-                        <a:schemeClr val="tx1"/>
-                      </a:solidFill>
-                      <a:prstDash val="solid"/>
-                      <a:round/>
-                      <a:headEnd type="none" w="med" len="med"/>
-                      <a:tailEnd type="none" w="med" len="med"/>
-                    </a:lnL>
-                    <a:lnR w="12700" cap="flat" cmpd="sng" algn="ctr">
-                      <a:solidFill>
-                        <a:schemeClr val="tx1"/>
-                      </a:solidFill>
-                      <a:prstDash val="solid"/>
-                      <a:round/>
-                      <a:headEnd type="none" w="med" len="med"/>
-                      <a:tailEnd type="none" w="med" len="med"/>
-                    </a:lnR>
-                    <a:lnT w="12700" cap="flat" cmpd="sng" algn="ctr">
-                      <a:solidFill>
-                        <a:schemeClr val="tx1"/>
-                      </a:solidFill>
-                      <a:prstDash val="solid"/>
-                      <a:round/>
-                      <a:headEnd type="none" w="med" len="med"/>
-                      <a:tailEnd type="none" w="med" len="med"/>
-                    </a:lnT>
-                    <a:lnB w="12700" cap="flat" cmpd="sng" algn="ctr">
-                      <a:solidFill>
-                        <a:schemeClr val="tx1"/>
-                      </a:solidFill>
-                      <a:prstDash val="solid"/>
-                      <a:round/>
-                      <a:headEnd type="none" w="med" len="med"/>
-                      <a:tailEnd type="none" w="med" len="med"/>
-                    </a:lnB>
-                    <a:lnTlToBr w="12700" cmpd="sng">
-                      <a:noFill/>
-                      <a:prstDash val="solid"/>
-                    </a:lnTlToBr>
-                    <a:lnBlToTr w="12700" cmpd="sng">
-                      <a:noFill/>
-                      <a:prstDash val="solid"/>
-                    </a:lnBlToTr>
-                    <a:solidFill>
-                      <a:srgbClr val="0F518E"/>
-                    </a:solidFill>
-                  </a:tcPr>
-                </a:tc>
-                <a:tc hMerge="1">
-                  <a:txBody>
-                    <a:bodyPr/>
-                    <a:lstStyle/>
-                    <a:p>
-                      <a:pPr latinLnBrk="1"/>
-                      <a:endParaRPr lang="ko-KR" altLang="en-US"/>
-                    </a:p>
-                  </a:txBody>
-                  <a:tcPr>
-                    <a:lnL w="12700" cap="flat" cmpd="sng" algn="ctr">
-                      <a:solidFill>
-                        <a:schemeClr val="tx1"/>
-                      </a:solidFill>
-                      <a:prstDash val="solid"/>
-                      <a:round/>
-                      <a:headEnd type="none" w="med" len="med"/>
-                      <a:tailEnd type="none" w="med" len="med"/>
-                    </a:lnL>
-                    <a:lnR w="12700" cap="flat" cmpd="sng" algn="ctr">
-                      <a:solidFill>
-                        <a:schemeClr val="tx1"/>
-                      </a:solidFill>
-                      <a:prstDash val="solid"/>
-                      <a:round/>
-                      <a:headEnd type="none" w="med" len="med"/>
-                      <a:tailEnd type="none" w="med" len="med"/>
-                    </a:lnR>
-                    <a:lnT w="12700" cap="flat" cmpd="sng" algn="ctr">
-                      <a:solidFill>
-                        <a:schemeClr val="tx1"/>
-                      </a:solidFill>
-                      <a:prstDash val="solid"/>
-                      <a:round/>
-                      <a:headEnd type="none" w="med" len="med"/>
-                      <a:tailEnd type="none" w="med" len="med"/>
-                    </a:lnT>
-                    <a:lnB w="12700" cap="flat" cmpd="sng" algn="ctr">
-                      <a:solidFill>
-                        <a:schemeClr val="tx1"/>
-                      </a:solidFill>
-                      <a:prstDash val="solid"/>
-                      <a:round/>
-                      <a:headEnd type="none" w="med" len="med"/>
-                      <a:tailEnd type="none" w="med" len="med"/>
-                    </a:lnB>
-                    <a:lnTlToBr w="12700" cmpd="sng">
-                      <a:noFill/>
-                      <a:prstDash val="solid"/>
-                    </a:lnTlToBr>
-                    <a:lnBlToTr w="12700" cmpd="sng">
-                      <a:noFill/>
-                      <a:prstDash val="solid"/>
-                    </a:lnBlToTr>
-                    <a:solidFill>
-                      <a:srgbClr val="0F518E"/>
-                    </a:solidFill>
-                  </a:tcPr>
-                </a:tc>
-                <a:tc>
-                  <a:txBody>
-                    <a:bodyPr/>
-                    <a:lstStyle/>
-                    <a:p>
-                      <a:pPr latinLnBrk="1"/>
-                      <a:endParaRPr lang="ko-KR" altLang="en-US" sz="1800" dirty="0">
-                        <a:latin typeface="나눔고딕" pitchFamily="2" charset="-127"/>
-                        <a:ea typeface="나눔고딕" pitchFamily="2" charset="-127"/>
-                      </a:endParaRPr>
-                    </a:p>
-                  </a:txBody>
-                  <a:tcPr>
-                    <a:lnL w="12700" cap="flat" cmpd="sng" algn="ctr">
-                      <a:solidFill>
-                        <a:schemeClr val="tx1"/>
-                      </a:solidFill>
-                      <a:prstDash val="solid"/>
-                      <a:round/>
-                      <a:headEnd type="none" w="med" len="med"/>
-                      <a:tailEnd type="none" w="med" len="med"/>
-                    </a:lnL>
-                    <a:lnR w="12700" cap="flat" cmpd="sng" algn="ctr">
-                      <a:solidFill>
-                        <a:schemeClr val="tx1"/>
-                      </a:solidFill>
-                      <a:prstDash val="solid"/>
-                      <a:round/>
-                      <a:headEnd type="none" w="med" len="med"/>
-                      <a:tailEnd type="none" w="med" len="med"/>
-                    </a:lnR>
-                    <a:lnT w="12700" cap="flat" cmpd="sng" algn="ctr">
-                      <a:solidFill>
-                        <a:schemeClr val="tx1"/>
-                      </a:solidFill>
-                      <a:prstDash val="solid"/>
-                      <a:round/>
-                      <a:headEnd type="none" w="med" len="med"/>
-                      <a:tailEnd type="none" w="med" len="med"/>
-                    </a:lnT>
-                    <a:lnB w="12700" cap="flat" cmpd="sng" algn="ctr">
-                      <a:solidFill>
-                        <a:schemeClr val="tx1"/>
-                      </a:solidFill>
-                      <a:prstDash val="solid"/>
-                      <a:round/>
-                      <a:headEnd type="none" w="med" len="med"/>
-                      <a:tailEnd type="none" w="med" len="med"/>
-                    </a:lnB>
-                    <a:lnTlToBr w="12700" cmpd="sng">
-                      <a:noFill/>
-                      <a:prstDash val="solid"/>
-                    </a:lnTlToBr>
-                    <a:lnBlToTr w="12700" cmpd="sng">
-                      <a:noFill/>
-                      <a:prstDash val="solid"/>
-                    </a:lnBlToTr>
-                    <a:noFill/>
-                  </a:tcPr>
-                </a:tc>
-                <a:tc>
-                  <a:txBody>
-                    <a:bodyPr/>
-                    <a:lstStyle/>
-                    <a:p>
-                      <a:pPr latinLnBrk="1"/>
-                      <a:endParaRPr lang="ko-KR" altLang="en-US" sz="1800" dirty="0">
-                        <a:latin typeface="나눔고딕" pitchFamily="2" charset="-127"/>
-                        <a:ea typeface="나눔고딕" pitchFamily="2" charset="-127"/>
-                      </a:endParaRPr>
-                    </a:p>
-                  </a:txBody>
-                  <a:tcPr>
-                    <a:lnL w="12700" cap="flat" cmpd="sng" algn="ctr">
-                      <a:solidFill>
-                        <a:schemeClr val="tx1"/>
-                      </a:solidFill>
-                      <a:prstDash val="solid"/>
-                      <a:round/>
-                      <a:headEnd type="none" w="med" len="med"/>
-                      <a:tailEnd type="none" w="med" len="med"/>
-                    </a:lnL>
-                    <a:lnR w="12700" cap="flat" cmpd="sng" algn="ctr">
-                      <a:solidFill>
-                        <a:schemeClr val="tx1"/>
-                      </a:solidFill>
-                      <a:prstDash val="solid"/>
-                      <a:round/>
-                      <a:headEnd type="none" w="med" len="med"/>
-                      <a:tailEnd type="none" w="med" len="med"/>
-                    </a:lnR>
-                    <a:lnT w="12700" cap="flat" cmpd="sng" algn="ctr">
-                      <a:solidFill>
-                        <a:schemeClr val="tx1"/>
-                      </a:solidFill>
-                      <a:prstDash val="solid"/>
-                      <a:round/>
-                      <a:headEnd type="none" w="med" len="med"/>
-                      <a:tailEnd type="none" w="med" len="med"/>
-                    </a:lnT>
-                    <a:lnB w="12700" cap="flat" cmpd="sng" algn="ctr">
-                      <a:solidFill>
-                        <a:schemeClr val="tx1"/>
-                      </a:solidFill>
-                      <a:prstDash val="solid"/>
-                      <a:round/>
-                      <a:headEnd type="none" w="med" len="med"/>
-                      <a:tailEnd type="none" w="med" len="med"/>
-                    </a:lnB>
-                    <a:lnTlToBr w="12700" cmpd="sng">
-                      <a:noFill/>
-                      <a:prstDash val="solid"/>
-                    </a:lnTlToBr>
-                    <a:lnBlToTr w="12700" cmpd="sng">
-                      <a:noFill/>
-                      <a:prstDash val="solid"/>
-                    </a:lnBlToTr>
-                    <a:noFill/>
-                  </a:tcPr>
-                </a:tc>
-                <a:tc>
-                  <a:txBody>
-                    <a:bodyPr/>
-                    <a:lstStyle/>
-                    <a:p>
-                      <a:pPr latinLnBrk="1"/>
-                      <a:endParaRPr lang="ko-KR" altLang="en-US" sz="1800" dirty="0">
-                        <a:latin typeface="나눔고딕" pitchFamily="2" charset="-127"/>
-                        <a:ea typeface="나눔고딕" pitchFamily="2" charset="-127"/>
-                      </a:endParaRPr>
-                    </a:p>
-                  </a:txBody>
-                  <a:tcPr>
-                    <a:lnL w="12700" cap="flat" cmpd="sng" algn="ctr">
-                      <a:solidFill>
-                        <a:schemeClr val="tx1"/>
-                      </a:solidFill>
-                      <a:prstDash val="solid"/>
-                      <a:round/>
-                      <a:headEnd type="none" w="med" len="med"/>
-                      <a:tailEnd type="none" w="med" len="med"/>
-                    </a:lnL>
-                    <a:lnR w="12700" cap="flat" cmpd="sng" algn="ctr">
-                      <a:solidFill>
-                        <a:schemeClr val="tx1"/>
-                      </a:solidFill>
-                      <a:prstDash val="solid"/>
-                      <a:round/>
-                      <a:headEnd type="none" w="med" len="med"/>
-                      <a:tailEnd type="none" w="med" len="med"/>
-                    </a:lnR>
-                    <a:lnT w="12700" cap="flat" cmpd="sng" algn="ctr">
-                      <a:solidFill>
-                        <a:schemeClr val="tx1"/>
-                      </a:solidFill>
-                      <a:prstDash val="solid"/>
-                      <a:round/>
-                      <a:headEnd type="none" w="med" len="med"/>
-                      <a:tailEnd type="none" w="med" len="med"/>
-                    </a:lnT>
-                    <a:lnB w="12700" cap="flat" cmpd="sng" algn="ctr">
-                      <a:solidFill>
-                        <a:schemeClr val="tx1"/>
-                      </a:solidFill>
-                      <a:prstDash val="solid"/>
-                      <a:round/>
-                      <a:headEnd type="none" w="med" len="med"/>
-                      <a:tailEnd type="none" w="med" len="med"/>
-                    </a:lnB>
-                    <a:lnTlToBr w="12700" cmpd="sng">
-                      <a:noFill/>
-                      <a:prstDash val="solid"/>
-                    </a:lnTlToBr>
-                    <a:lnBlToTr w="12700" cmpd="sng">
-                      <a:noFill/>
-                      <a:prstDash val="solid"/>
-                    </a:lnBlToTr>
-                    <a:noFill/>
-                  </a:tcPr>
-                </a:tc>
                 <a:extLst>
                   <a:ext uri="{0D108BD9-81ED-4DB2-BD59-A6C34878D82A}">
                     <a16:rowId xmlns:a16="http://schemas.microsoft.com/office/drawing/2014/main" val="2329847434"/>
@@ -17642,19 +18277,23 @@
                     <a:p>
                       <a:pPr algn="ctr" latinLnBrk="1"/>
                       <a:r>
-                        <a:rPr lang="en-US" altLang="ko-KR" sz="1800" dirty="0">
+                        <a:rPr lang="en-US" altLang="ko-KR" sz="1800">
                           <a:latin typeface="나눔고딕" pitchFamily="2" charset="-127"/>
                           <a:ea typeface="나눔고딕" pitchFamily="2" charset="-127"/>
                         </a:rPr>
                         <a:t>NPC</a:t>
                       </a:r>
                       <a:r>
-                        <a:rPr lang="ko-KR" altLang="en-US" sz="1800" dirty="0">
+                        <a:rPr lang="ko-KR" altLang="en-US" sz="1800">
                           <a:latin typeface="나눔고딕" pitchFamily="2" charset="-127"/>
                           <a:ea typeface="나눔고딕" pitchFamily="2" charset="-127"/>
                         </a:rPr>
-                        <a:t> 인공지능</a:t>
+                        <a:t> 로직 설계</a:t>
                       </a:r>
+                      <a:endParaRPr lang="ko-KR" altLang="en-US" sz="1800" dirty="0">
+                        <a:latin typeface="나눔고딕" pitchFamily="2" charset="-127"/>
+                        <a:ea typeface="나눔고딕" pitchFamily="2" charset="-127"/>
+                      </a:endParaRPr>
                     </a:p>
                   </a:txBody>
                   <a:tcPr anchor="ctr">
@@ -17827,7 +18466,7 @@
                       <a:prstDash val="solid"/>
                     </a:lnBlToTr>
                     <a:solidFill>
-                      <a:srgbClr val="7030A0"/>
+                      <a:srgbClr val="FF33CC"/>
                     </a:solidFill>
                   </a:tcPr>
                 </a:tc>
@@ -18174,12 +18813,16 @@
                     <a:p>
                       <a:pPr algn="ctr" latinLnBrk="1"/>
                       <a:r>
-                        <a:rPr lang="ko-KR" altLang="en-US" sz="1800" dirty="0">
+                        <a:rPr lang="ko-KR" altLang="en-US" sz="1800">
                           <a:latin typeface="나눔고딕" pitchFamily="2" charset="-127"/>
                           <a:ea typeface="나눔고딕" pitchFamily="2" charset="-127"/>
                         </a:rPr>
-                        <a:t>실시간 그림자</a:t>
+                        <a:t>리소스 수집 및 세부 기획 제작</a:t>
                       </a:r>
+                      <a:endParaRPr lang="ko-KR" altLang="en-US" sz="1800" dirty="0">
+                        <a:latin typeface="나눔고딕" pitchFamily="2" charset="-127"/>
+                        <a:ea typeface="나눔고딕" pitchFamily="2" charset="-127"/>
+                      </a:endParaRPr>
                     </a:p>
                   </a:txBody>
                   <a:tcPr anchor="ctr">
@@ -18291,7 +18934,9 @@
                       <a:noFill/>
                       <a:prstDash val="solid"/>
                     </a:lnBlToTr>
-                    <a:noFill/>
+                    <a:solidFill>
+                      <a:srgbClr val="FF33CC"/>
+                    </a:solidFill>
                   </a:tcPr>
                 </a:tc>
                 <a:tc>
@@ -18414,186 +19059,6 @@
                     <a:noFill/>
                   </a:tcPr>
                 </a:tc>
-                <a:tc gridSpan="3">
-                  <a:txBody>
-                    <a:bodyPr/>
-                    <a:lstStyle/>
-                    <a:p>
-                      <a:pPr latinLnBrk="1"/>
-                      <a:endParaRPr lang="ko-KR" altLang="en-US" sz="1800" dirty="0">
-                        <a:latin typeface="나눔고딕" pitchFamily="2" charset="-127"/>
-                        <a:ea typeface="나눔고딕" pitchFamily="2" charset="-127"/>
-                      </a:endParaRPr>
-                    </a:p>
-                  </a:txBody>
-                  <a:tcPr>
-                    <a:lnL w="12700" cap="flat" cmpd="sng" algn="ctr">
-                      <a:solidFill>
-                        <a:schemeClr val="tx1"/>
-                      </a:solidFill>
-                      <a:prstDash val="solid"/>
-                      <a:round/>
-                      <a:headEnd type="none" w="med" len="med"/>
-                      <a:tailEnd type="none" w="med" len="med"/>
-                    </a:lnL>
-                    <a:lnR w="12700" cap="flat" cmpd="sng" algn="ctr">
-                      <a:solidFill>
-                        <a:schemeClr val="tx1"/>
-                      </a:solidFill>
-                      <a:prstDash val="solid"/>
-                      <a:round/>
-                      <a:headEnd type="none" w="med" len="med"/>
-                      <a:tailEnd type="none" w="med" len="med"/>
-                    </a:lnR>
-                    <a:lnT w="12700" cap="flat" cmpd="sng" algn="ctr">
-                      <a:solidFill>
-                        <a:schemeClr val="tx1"/>
-                      </a:solidFill>
-                      <a:prstDash val="solid"/>
-                      <a:round/>
-                      <a:headEnd type="none" w="med" len="med"/>
-                      <a:tailEnd type="none" w="med" len="med"/>
-                    </a:lnT>
-                    <a:lnB w="12700" cap="flat" cmpd="sng" algn="ctr">
-                      <a:solidFill>
-                        <a:schemeClr val="tx1"/>
-                      </a:solidFill>
-                      <a:prstDash val="solid"/>
-                      <a:round/>
-                      <a:headEnd type="none" w="med" len="med"/>
-                      <a:tailEnd type="none" w="med" len="med"/>
-                    </a:lnB>
-                    <a:lnTlToBr w="12700" cmpd="sng">
-                      <a:noFill/>
-                      <a:prstDash val="solid"/>
-                    </a:lnTlToBr>
-                    <a:lnBlToTr w="12700" cmpd="sng">
-                      <a:noFill/>
-                      <a:prstDash val="solid"/>
-                    </a:lnBlToTr>
-                    <a:solidFill>
-                      <a:srgbClr val="0F518E"/>
-                    </a:solidFill>
-                  </a:tcPr>
-                </a:tc>
-                <a:tc hMerge="1">
-                  <a:txBody>
-                    <a:bodyPr/>
-                    <a:lstStyle/>
-                    <a:p>
-                      <a:pPr latinLnBrk="1"/>
-                      <a:endParaRPr lang="ko-KR" altLang="en-US"/>
-                    </a:p>
-                  </a:txBody>
-                  <a:tcPr>
-                    <a:lnL w="12700" cap="flat" cmpd="sng" algn="ctr">
-                      <a:solidFill>
-                        <a:schemeClr val="tx1"/>
-                      </a:solidFill>
-                      <a:prstDash val="solid"/>
-                      <a:round/>
-                      <a:headEnd type="none" w="med" len="med"/>
-                      <a:tailEnd type="none" w="med" len="med"/>
-                    </a:lnL>
-                    <a:lnR w="12700" cap="flat" cmpd="sng" algn="ctr">
-                      <a:solidFill>
-                        <a:schemeClr val="tx1"/>
-                      </a:solidFill>
-                      <a:prstDash val="solid"/>
-                      <a:round/>
-                      <a:headEnd type="none" w="med" len="med"/>
-                      <a:tailEnd type="none" w="med" len="med"/>
-                    </a:lnR>
-                    <a:lnT w="12700" cap="flat" cmpd="sng" algn="ctr">
-                      <a:solidFill>
-                        <a:schemeClr val="tx1"/>
-                      </a:solidFill>
-                      <a:prstDash val="solid"/>
-                      <a:round/>
-                      <a:headEnd type="none" w="med" len="med"/>
-                      <a:tailEnd type="none" w="med" len="med"/>
-                    </a:lnT>
-                    <a:lnB w="12700" cap="flat" cmpd="sng" algn="ctr">
-                      <a:solidFill>
-                        <a:schemeClr val="tx1"/>
-                      </a:solidFill>
-                      <a:prstDash val="solid"/>
-                      <a:round/>
-                      <a:headEnd type="none" w="med" len="med"/>
-                      <a:tailEnd type="none" w="med" len="med"/>
-                    </a:lnB>
-                    <a:lnTlToBr w="12700" cmpd="sng">
-                      <a:noFill/>
-                      <a:prstDash val="solid"/>
-                    </a:lnTlToBr>
-                    <a:lnBlToTr w="12700" cmpd="sng">
-                      <a:noFill/>
-                      <a:prstDash val="solid"/>
-                    </a:lnBlToTr>
-                    <a:solidFill>
-                      <a:srgbClr val="0F518E"/>
-                    </a:solidFill>
-                  </a:tcPr>
-                </a:tc>
-                <a:tc hMerge="1">
-                  <a:txBody>
-                    <a:bodyPr/>
-                    <a:lstStyle/>
-                    <a:p>
-                      <a:pPr latinLnBrk="1"/>
-                      <a:endParaRPr lang="ko-KR" altLang="en-US"/>
-                    </a:p>
-                  </a:txBody>
-                  <a:tcPr>
-                    <a:lnL w="12700" cap="flat" cmpd="sng" algn="ctr">
-                      <a:solidFill>
-                        <a:schemeClr val="tx1"/>
-                      </a:solidFill>
-                      <a:prstDash val="solid"/>
-                      <a:round/>
-                      <a:headEnd type="none" w="med" len="med"/>
-                      <a:tailEnd type="none" w="med" len="med"/>
-                    </a:lnL>
-                    <a:lnR w="12700" cap="flat" cmpd="sng" algn="ctr">
-                      <a:solidFill>
-                        <a:schemeClr val="tx1"/>
-                      </a:solidFill>
-                      <a:prstDash val="solid"/>
-                      <a:round/>
-                      <a:headEnd type="none" w="med" len="med"/>
-                      <a:tailEnd type="none" w="med" len="med"/>
-                    </a:lnR>
-                    <a:lnT w="12700" cap="flat" cmpd="sng" algn="ctr">
-                      <a:solidFill>
-                        <a:schemeClr val="tx1"/>
-                      </a:solidFill>
-                      <a:prstDash val="solid"/>
-                      <a:round/>
-                      <a:headEnd type="none" w="med" len="med"/>
-                      <a:tailEnd type="none" w="med" len="med"/>
-                    </a:lnT>
-                    <a:lnB w="12700" cap="flat" cmpd="sng" algn="ctr">
-                      <a:solidFill>
-                        <a:schemeClr val="tx1"/>
-                      </a:solidFill>
-                      <a:prstDash val="solid"/>
-                      <a:round/>
-                      <a:headEnd type="none" w="med" len="med"/>
-                      <a:tailEnd type="none" w="med" len="med"/>
-                    </a:lnB>
-                    <a:lnTlToBr w="12700" cmpd="sng">
-                      <a:noFill/>
-                      <a:prstDash val="solid"/>
-                    </a:lnTlToBr>
-                    <a:lnBlToTr w="12700" cmpd="sng">
-                      <a:noFill/>
-                      <a:prstDash val="solid"/>
-                    </a:lnBlToTr>
-                    <a:solidFill>
-                      <a:srgbClr val="0F518E"/>
-                    </a:solidFill>
-                  </a:tcPr>
-                </a:tc>
                 <a:tc>
                   <a:txBody>
                     <a:bodyPr/>
@@ -18714,379 +19179,6 @@
                     <a:noFill/>
                   </a:tcPr>
                 </a:tc>
-                <a:extLst>
-                  <a:ext uri="{0D108BD9-81ED-4DB2-BD59-A6C34878D82A}">
-                    <a16:rowId xmlns:a16="http://schemas.microsoft.com/office/drawing/2014/main" val="3483743896"/>
-                  </a:ext>
-                </a:extLst>
-              </a:tr>
-              <a:tr h="438056">
-                <a:tc>
-                  <a:txBody>
-                    <a:bodyPr/>
-                    <a:lstStyle/>
-                    <a:p>
-                      <a:pPr algn="ctr" latinLnBrk="1"/>
-                      <a:r>
-                        <a:rPr lang="ko-KR" altLang="en-US" sz="1800" dirty="0">
-                          <a:latin typeface="나눔고딕" pitchFamily="2" charset="-127"/>
-                          <a:ea typeface="나눔고딕" pitchFamily="2" charset="-127"/>
-                        </a:rPr>
-                        <a:t>서버 이중화</a:t>
-                      </a:r>
-                    </a:p>
-                  </a:txBody>
-                  <a:tcPr anchor="ctr">
-                    <a:lnL w="12700" cap="flat" cmpd="sng" algn="ctr">
-                      <a:solidFill>
-                        <a:schemeClr val="tx1"/>
-                      </a:solidFill>
-                      <a:prstDash val="solid"/>
-                      <a:round/>
-                      <a:headEnd type="none" w="med" len="med"/>
-                      <a:tailEnd type="none" w="med" len="med"/>
-                    </a:lnL>
-                    <a:lnR w="12700" cap="flat" cmpd="sng" algn="ctr">
-                      <a:solidFill>
-                        <a:schemeClr val="tx1"/>
-                      </a:solidFill>
-                      <a:prstDash val="solid"/>
-                      <a:round/>
-                      <a:headEnd type="none" w="med" len="med"/>
-                      <a:tailEnd type="none" w="med" len="med"/>
-                    </a:lnR>
-                    <a:lnT w="12700" cap="flat" cmpd="sng" algn="ctr">
-                      <a:solidFill>
-                        <a:schemeClr val="tx1"/>
-                      </a:solidFill>
-                      <a:prstDash val="solid"/>
-                      <a:round/>
-                      <a:headEnd type="none" w="med" len="med"/>
-                      <a:tailEnd type="none" w="med" len="med"/>
-                    </a:lnT>
-                    <a:lnB w="12700" cap="flat" cmpd="sng" algn="ctr">
-                      <a:solidFill>
-                        <a:schemeClr val="tx1"/>
-                      </a:solidFill>
-                      <a:prstDash val="solid"/>
-                      <a:round/>
-                      <a:headEnd type="none" w="med" len="med"/>
-                      <a:tailEnd type="none" w="med" len="med"/>
-                    </a:lnB>
-                    <a:lnTlToBr w="12700" cmpd="sng">
-                      <a:noFill/>
-                      <a:prstDash val="solid"/>
-                    </a:lnTlToBr>
-                    <a:lnBlToTr w="12700" cmpd="sng">
-                      <a:noFill/>
-                      <a:prstDash val="solid"/>
-                    </a:lnBlToTr>
-                    <a:solidFill>
-                      <a:schemeClr val="bg1">
-                        <a:lumMod val="95000"/>
-                      </a:schemeClr>
-                    </a:solidFill>
-                  </a:tcPr>
-                </a:tc>
-                <a:tc gridSpan="6">
-                  <a:txBody>
-                    <a:bodyPr/>
-                    <a:lstStyle/>
-                    <a:p>
-                      <a:pPr latinLnBrk="1"/>
-                      <a:endParaRPr lang="ko-KR" altLang="en-US" sz="1800" dirty="0">
-                        <a:latin typeface="나눔고딕" pitchFamily="2" charset="-127"/>
-                        <a:ea typeface="나눔고딕" pitchFamily="2" charset="-127"/>
-                      </a:endParaRPr>
-                    </a:p>
-                  </a:txBody>
-                  <a:tcPr>
-                    <a:lnL w="12700" cap="flat" cmpd="sng" algn="ctr">
-                      <a:solidFill>
-                        <a:schemeClr val="tx1"/>
-                      </a:solidFill>
-                      <a:prstDash val="solid"/>
-                      <a:round/>
-                      <a:headEnd type="none" w="med" len="med"/>
-                      <a:tailEnd type="none" w="med" len="med"/>
-                    </a:lnL>
-                    <a:lnR w="12700" cap="flat" cmpd="sng" algn="ctr">
-                      <a:solidFill>
-                        <a:schemeClr val="tx1"/>
-                      </a:solidFill>
-                      <a:prstDash val="solid"/>
-                      <a:round/>
-                      <a:headEnd type="none" w="med" len="med"/>
-                      <a:tailEnd type="none" w="med" len="med"/>
-                    </a:lnR>
-                    <a:lnT w="12700" cap="flat" cmpd="sng" algn="ctr">
-                      <a:solidFill>
-                        <a:schemeClr val="tx1"/>
-                      </a:solidFill>
-                      <a:prstDash val="solid"/>
-                      <a:round/>
-                      <a:headEnd type="none" w="med" len="med"/>
-                      <a:tailEnd type="none" w="med" len="med"/>
-                    </a:lnT>
-                    <a:lnB w="12700" cap="flat" cmpd="sng" algn="ctr">
-                      <a:solidFill>
-                        <a:schemeClr val="tx1"/>
-                      </a:solidFill>
-                      <a:prstDash val="solid"/>
-                      <a:round/>
-                      <a:headEnd type="none" w="med" len="med"/>
-                      <a:tailEnd type="none" w="med" len="med"/>
-                    </a:lnB>
-                    <a:lnTlToBr w="12700" cmpd="sng">
-                      <a:noFill/>
-                      <a:prstDash val="solid"/>
-                    </a:lnTlToBr>
-                    <a:lnBlToTr w="12700" cmpd="sng">
-                      <a:noFill/>
-                      <a:prstDash val="solid"/>
-                    </a:lnBlToTr>
-                    <a:solidFill>
-                      <a:srgbClr val="92D050"/>
-                    </a:solidFill>
-                  </a:tcPr>
-                </a:tc>
-                <a:tc hMerge="1">
-                  <a:txBody>
-                    <a:bodyPr/>
-                    <a:lstStyle/>
-                    <a:p>
-                      <a:pPr latinLnBrk="1"/>
-                      <a:endParaRPr lang="ko-KR" altLang="en-US"/>
-                    </a:p>
-                  </a:txBody>
-                  <a:tcPr>
-                    <a:lnL w="12700" cap="flat" cmpd="sng" algn="ctr">
-                      <a:solidFill>
-                        <a:schemeClr val="tx1"/>
-                      </a:solidFill>
-                      <a:prstDash val="solid"/>
-                      <a:round/>
-                      <a:headEnd type="none" w="med" len="med"/>
-                      <a:tailEnd type="none" w="med" len="med"/>
-                    </a:lnL>
-                    <a:lnR w="12700" cap="flat" cmpd="sng" algn="ctr">
-                      <a:solidFill>
-                        <a:schemeClr val="tx1"/>
-                      </a:solidFill>
-                      <a:prstDash val="solid"/>
-                      <a:round/>
-                      <a:headEnd type="none" w="med" len="med"/>
-                      <a:tailEnd type="none" w="med" len="med"/>
-                    </a:lnR>
-                    <a:lnT w="12700" cap="flat" cmpd="sng" algn="ctr">
-                      <a:solidFill>
-                        <a:schemeClr val="tx1"/>
-                      </a:solidFill>
-                      <a:prstDash val="solid"/>
-                      <a:round/>
-                      <a:headEnd type="none" w="med" len="med"/>
-                      <a:tailEnd type="none" w="med" len="med"/>
-                    </a:lnT>
-                    <a:lnB w="12700" cap="flat" cmpd="sng" algn="ctr">
-                      <a:solidFill>
-                        <a:schemeClr val="tx1"/>
-                      </a:solidFill>
-                      <a:prstDash val="solid"/>
-                      <a:round/>
-                      <a:headEnd type="none" w="med" len="med"/>
-                      <a:tailEnd type="none" w="med" len="med"/>
-                    </a:lnB>
-                    <a:lnTlToBr w="12700" cmpd="sng">
-                      <a:noFill/>
-                      <a:prstDash val="solid"/>
-                    </a:lnTlToBr>
-                    <a:lnBlToTr w="12700" cmpd="sng">
-                      <a:noFill/>
-                      <a:prstDash val="solid"/>
-                    </a:lnBlToTr>
-                    <a:solidFill>
-                      <a:srgbClr val="00B050"/>
-                    </a:solidFill>
-                  </a:tcPr>
-                </a:tc>
-                <a:tc hMerge="1">
-                  <a:txBody>
-                    <a:bodyPr/>
-                    <a:lstStyle/>
-                    <a:p>
-                      <a:pPr latinLnBrk="1"/>
-                      <a:endParaRPr lang="ko-KR" altLang="en-US"/>
-                    </a:p>
-                  </a:txBody>
-                  <a:tcPr>
-                    <a:lnL w="12700" cap="flat" cmpd="sng" algn="ctr">
-                      <a:solidFill>
-                        <a:schemeClr val="tx1"/>
-                      </a:solidFill>
-                      <a:prstDash val="solid"/>
-                      <a:round/>
-                      <a:headEnd type="none" w="med" len="med"/>
-                      <a:tailEnd type="none" w="med" len="med"/>
-                    </a:lnL>
-                    <a:lnT w="12700" cap="flat" cmpd="sng" algn="ctr">
-                      <a:solidFill>
-                        <a:schemeClr val="tx1"/>
-                      </a:solidFill>
-                      <a:prstDash val="solid"/>
-                      <a:round/>
-                      <a:headEnd type="none" w="med" len="med"/>
-                      <a:tailEnd type="none" w="med" len="med"/>
-                    </a:lnT>
-                  </a:tcPr>
-                </a:tc>
-                <a:tc hMerge="1">
-                  <a:txBody>
-                    <a:bodyPr/>
-                    <a:lstStyle/>
-                    <a:p>
-                      <a:pPr latinLnBrk="1"/>
-                      <a:endParaRPr lang="ko-KR" altLang="en-US"/>
-                    </a:p>
-                  </a:txBody>
-                  <a:tcPr>
-                    <a:lnL w="12700" cap="flat" cmpd="sng" algn="ctr">
-                      <a:solidFill>
-                        <a:schemeClr val="tx1"/>
-                      </a:solidFill>
-                      <a:prstDash val="solid"/>
-                      <a:round/>
-                      <a:headEnd type="none" w="med" len="med"/>
-                      <a:tailEnd type="none" w="med" len="med"/>
-                    </a:lnL>
-                    <a:lnT w="12700" cap="flat" cmpd="sng" algn="ctr">
-                      <a:solidFill>
-                        <a:schemeClr val="tx1"/>
-                      </a:solidFill>
-                      <a:prstDash val="solid"/>
-                      <a:round/>
-                      <a:headEnd type="none" w="med" len="med"/>
-                      <a:tailEnd type="none" w="med" len="med"/>
-                    </a:lnT>
-                  </a:tcPr>
-                </a:tc>
-                <a:tc hMerge="1">
-                  <a:txBody>
-                    <a:bodyPr/>
-                    <a:lstStyle/>
-                    <a:p>
-                      <a:pPr latinLnBrk="1"/>
-                      <a:endParaRPr lang="ko-KR" altLang="en-US"/>
-                    </a:p>
-                  </a:txBody>
-                  <a:tcPr>
-                    <a:lnL w="12700" cap="flat" cmpd="sng" algn="ctr">
-                      <a:solidFill>
-                        <a:schemeClr val="tx1"/>
-                      </a:solidFill>
-                      <a:prstDash val="solid"/>
-                      <a:round/>
-                      <a:headEnd type="none" w="med" len="med"/>
-                      <a:tailEnd type="none" w="med" len="med"/>
-                    </a:lnL>
-                    <a:lnR w="12700" cap="flat" cmpd="sng" algn="ctr">
-                      <a:solidFill>
-                        <a:schemeClr val="tx1"/>
-                      </a:solidFill>
-                      <a:prstDash val="solid"/>
-                      <a:round/>
-                      <a:headEnd type="none" w="med" len="med"/>
-                      <a:tailEnd type="none" w="med" len="med"/>
-                    </a:lnR>
-                    <a:lnT w="12700" cap="flat" cmpd="sng" algn="ctr">
-                      <a:solidFill>
-                        <a:schemeClr val="tx1"/>
-                      </a:solidFill>
-                      <a:prstDash val="solid"/>
-                      <a:round/>
-                      <a:headEnd type="none" w="med" len="med"/>
-                      <a:tailEnd type="none" w="med" len="med"/>
-                    </a:lnT>
-                    <a:lnB w="12700" cap="flat" cmpd="sng" algn="ctr">
-                      <a:solidFill>
-                        <a:schemeClr val="tx1"/>
-                      </a:solidFill>
-                      <a:prstDash val="solid"/>
-                      <a:round/>
-                      <a:headEnd type="none" w="med" len="med"/>
-                      <a:tailEnd type="none" w="med" len="med"/>
-                    </a:lnB>
-                    <a:lnTlToBr w="12700" cmpd="sng">
-                      <a:noFill/>
-                      <a:prstDash val="solid"/>
-                    </a:lnTlToBr>
-                    <a:lnBlToTr w="12700" cmpd="sng">
-                      <a:noFill/>
-                      <a:prstDash val="solid"/>
-                    </a:lnBlToTr>
-                    <a:solidFill>
-                      <a:srgbClr val="00B050"/>
-                    </a:solidFill>
-                  </a:tcPr>
-                </a:tc>
-                <a:tc hMerge="1">
-                  <a:txBody>
-                    <a:bodyPr/>
-                    <a:lstStyle/>
-                    <a:p>
-                      <a:pPr latinLnBrk="1"/>
-                      <a:endParaRPr lang="ko-KR" altLang="en-US"/>
-                    </a:p>
-                  </a:txBody>
-                  <a:tcPr>
-                    <a:lnL w="12700" cap="flat" cmpd="sng" algn="ctr">
-                      <a:solidFill>
-                        <a:schemeClr val="tx1"/>
-                      </a:solidFill>
-                      <a:prstDash val="solid"/>
-                      <a:round/>
-                      <a:headEnd type="none" w="med" len="med"/>
-                      <a:tailEnd type="none" w="med" len="med"/>
-                    </a:lnL>
-                    <a:lnR w="12700" cap="flat" cmpd="sng" algn="ctr">
-                      <a:solidFill>
-                        <a:schemeClr val="tx1"/>
-                      </a:solidFill>
-                      <a:prstDash val="solid"/>
-                      <a:round/>
-                      <a:headEnd type="none" w="med" len="med"/>
-                      <a:tailEnd type="none" w="med" len="med"/>
-                    </a:lnR>
-                    <a:lnT w="12700" cap="flat" cmpd="sng" algn="ctr">
-                      <a:solidFill>
-                        <a:schemeClr val="tx1"/>
-                      </a:solidFill>
-                      <a:prstDash val="solid"/>
-                      <a:round/>
-                      <a:headEnd type="none" w="med" len="med"/>
-                      <a:tailEnd type="none" w="med" len="med"/>
-                    </a:lnT>
-                    <a:lnB w="12700" cap="flat" cmpd="sng" algn="ctr">
-                      <a:solidFill>
-                        <a:schemeClr val="tx1"/>
-                      </a:solidFill>
-                      <a:prstDash val="solid"/>
-                      <a:round/>
-                      <a:headEnd type="none" w="med" len="med"/>
-                      <a:tailEnd type="none" w="med" len="med"/>
-                    </a:lnB>
-                    <a:lnTlToBr w="12700" cmpd="sng">
-                      <a:noFill/>
-                      <a:prstDash val="solid"/>
-                    </a:lnTlToBr>
-                    <a:lnBlToTr w="12700" cmpd="sng">
-                      <a:noFill/>
-                      <a:prstDash val="solid"/>
-                    </a:lnBlToTr>
-                    <a:solidFill>
-                      <a:srgbClr val="00B050"/>
-                    </a:solidFill>
-                  </a:tcPr>
-                </a:tc>
                 <a:tc>
                   <a:txBody>
                     <a:bodyPr/>
@@ -19207,9 +19299,69 @@
                     <a:noFill/>
                   </a:tcPr>
                 </a:tc>
+                <a:tc>
+                  <a:txBody>
+                    <a:bodyPr/>
+                    <a:lstStyle/>
+                    <a:p>
+                      <a:pPr latinLnBrk="1"/>
+                      <a:endParaRPr lang="ko-KR" altLang="en-US" sz="1800" dirty="0">
+                        <a:latin typeface="나눔고딕" pitchFamily="2" charset="-127"/>
+                        <a:ea typeface="나눔고딕" pitchFamily="2" charset="-127"/>
+                      </a:endParaRPr>
+                    </a:p>
+                  </a:txBody>
+                  <a:tcPr>
+                    <a:lnL w="12700" cap="flat" cmpd="sng" algn="ctr">
+                      <a:solidFill>
+                        <a:schemeClr val="tx1"/>
+                      </a:solidFill>
+                      <a:prstDash val="solid"/>
+                      <a:round/>
+                      <a:headEnd type="none" w="med" len="med"/>
+                      <a:tailEnd type="none" w="med" len="med"/>
+                    </a:lnL>
+                    <a:lnR w="12700" cap="flat" cmpd="sng" algn="ctr">
+                      <a:solidFill>
+                        <a:schemeClr val="tx1"/>
+                      </a:solidFill>
+                      <a:prstDash val="solid"/>
+                      <a:round/>
+                      <a:headEnd type="none" w="med" len="med"/>
+                      <a:tailEnd type="none" w="med" len="med"/>
+                    </a:lnR>
+                    <a:lnT w="12700" cap="flat" cmpd="sng" algn="ctr">
+                      <a:solidFill>
+                        <a:schemeClr val="tx1"/>
+                      </a:solidFill>
+                      <a:prstDash val="solid"/>
+                      <a:round/>
+                      <a:headEnd type="none" w="med" len="med"/>
+                      <a:tailEnd type="none" w="med" len="med"/>
+                    </a:lnT>
+                    <a:lnB w="12700" cap="flat" cmpd="sng" algn="ctr">
+                      <a:solidFill>
+                        <a:schemeClr val="tx1"/>
+                      </a:solidFill>
+                      <a:prstDash val="solid"/>
+                      <a:round/>
+                      <a:headEnd type="none" w="med" len="med"/>
+                      <a:tailEnd type="none" w="med" len="med"/>
+                    </a:lnB>
+                    <a:lnTlToBr w="12700" cmpd="sng">
+                      <a:noFill/>
+                      <a:prstDash val="solid"/>
+                    </a:lnTlToBr>
+                    <a:lnBlToTr w="12700" cmpd="sng">
+                      <a:noFill/>
+                      <a:prstDash val="solid"/>
+                    </a:lnBlToTr>
+                    <a:noFill/>
+                  </a:tcPr>
+                </a:tc>
                 <a:extLst>
                   <a:ext uri="{0D108BD9-81ED-4DB2-BD59-A6C34878D82A}">
-                    <a16:rowId xmlns:a16="http://schemas.microsoft.com/office/drawing/2014/main" val="1256546191"/>
+                    <a16:rowId xmlns:a16="http://schemas.microsoft.com/office/drawing/2014/main" val="3483743896"/>
                   </a:ext>
                 </a:extLst>
               </a:tr>
@@ -19221,26 +19373,16 @@
                     <a:p>
                       <a:pPr algn="ctr" latinLnBrk="1"/>
                       <a:r>
-                        <a:rPr lang="ko-KR" altLang="en-US" sz="1800" dirty="0">
+                        <a:rPr lang="ko-KR" altLang="en-US" sz="1800">
                           <a:latin typeface="나눔고딕" pitchFamily="2" charset="-127"/>
                           <a:ea typeface="나눔고딕" pitchFamily="2" charset="-127"/>
                         </a:rPr>
-                        <a:t>특수능력</a:t>
+                        <a:t>컨텐츠 제작</a:t>
                       </a:r>
-                      <a:r>
-                        <a:rPr lang="en-US" altLang="ko-KR" sz="1800" dirty="0">
-                          <a:latin typeface="나눔고딕" pitchFamily="2" charset="-127"/>
-                          <a:ea typeface="나눔고딕" pitchFamily="2" charset="-127"/>
-                        </a:rPr>
-                        <a:t>, </a:t>
-                      </a:r>
-                      <a:r>
-                        <a:rPr lang="ko-KR" altLang="en-US" sz="1800" dirty="0">
-                          <a:latin typeface="나눔고딕" pitchFamily="2" charset="-127"/>
-                          <a:ea typeface="나눔고딕" pitchFamily="2" charset="-127"/>
-                        </a:rPr>
-                        <a:t>손상 및 파괴 로직</a:t>
-                      </a:r>
+                      <a:endParaRPr lang="ko-KR" altLang="en-US" sz="1800" dirty="0">
+                        <a:latin typeface="나눔고딕" pitchFamily="2" charset="-127"/>
+                        <a:ea typeface="나눔고딕" pitchFamily="2" charset="-127"/>
+                      </a:endParaRPr>
                     </a:p>
                   </a:txBody>
                   <a:tcPr anchor="ctr">
@@ -19355,7 +19497,7 @@
                     <a:noFill/>
                   </a:tcPr>
                 </a:tc>
-                <a:tc>
+                <a:tc gridSpan="5">
                   <a:txBody>
                     <a:bodyPr/>
                     <a:lstStyle/>
@@ -19412,10 +19554,12 @@
                       <a:noFill/>
                       <a:prstDash val="solid"/>
                     </a:lnBlToTr>
-                    <a:noFill/>
+                    <a:solidFill>
+                      <a:srgbClr val="FFC000"/>
+                    </a:solidFill>
                   </a:tcPr>
                 </a:tc>
-                <a:tc>
+                <a:tc hMerge="1">
                   <a:txBody>
                     <a:bodyPr/>
                     <a:lstStyle/>
@@ -19475,7 +19619,7 @@
                     <a:noFill/>
                   </a:tcPr>
                 </a:tc>
-                <a:tc gridSpan="3">
+                <a:tc hMerge="1">
                   <a:txBody>
                     <a:bodyPr/>
                     <a:lstStyle/>
@@ -19533,7 +19677,7 @@
                       <a:prstDash val="solid"/>
                     </a:lnBlToTr>
                     <a:solidFill>
-                      <a:srgbClr val="7030A0"/>
+                      <a:srgbClr val="FF33CC"/>
                     </a:solidFill>
                   </a:tcPr>
                 </a:tc>
@@ -20354,7 +20498,7 @@
           <p:nvPr>
             <p:extLst>
               <p:ext uri="{D42A27DB-BD31-4B8C-83A1-F6EECF244321}">
-                <p14:modId xmlns:p14="http://schemas.microsoft.com/office/powerpoint/2010/main" val="803507602"/>
+                <p14:modId xmlns:p14="http://schemas.microsoft.com/office/powerpoint/2010/main" val="3655078453"/>
               </p:ext>
             </p:extLst>
           </p:nvPr>
@@ -20587,7 +20731,7 @@
                       <a:prstDash val="solid"/>
                     </a:lnBlToTr>
                     <a:solidFill>
-                      <a:srgbClr val="7030A0"/>
+                      <a:srgbClr val="FF33CC"/>
                     </a:solidFill>
                   </a:tcPr>
                 </a:tc>
@@ -24033,7 +24177,74 @@
                 <a:ea typeface="나눔고딕" pitchFamily="2" charset="-127"/>
                 <a:cs typeface="+mn-cs"/>
               </a:rPr>
-              <a:t>설계함으로써 프로젝트를 효율적으로 관리하는 능력을</a:t>
+              <a:t>설계함으로써 </a:t>
+            </a:r>
+            <a:r>
+              <a:rPr kumimoji="0" lang="ko-KR" altLang="en-US" sz="2200" b="0" i="0" u="none" strike="noStrike" kern="1200" cap="none" spc="0" normalizeH="0" baseline="0" noProof="0">
+                <a:ln>
+                  <a:noFill/>
+                </a:ln>
+                <a:solidFill>
+                  <a:prstClr val="white"/>
+                </a:solidFill>
+                <a:effectLst/>
+                <a:uLnTx/>
+                <a:uFillTx/>
+                <a:latin typeface="나눔고딕" pitchFamily="2" charset="-127"/>
+                <a:ea typeface="나눔고딕" pitchFamily="2" charset="-127"/>
+                <a:cs typeface="+mn-cs"/>
+              </a:rPr>
+              <a:t>프로젝트를 </a:t>
+            </a:r>
+            <a:br>
+              <a:rPr kumimoji="0" lang="en-US" altLang="ko-KR" sz="2200" b="0" i="0" u="none" strike="noStrike" kern="1200" cap="none" spc="0" normalizeH="0" baseline="0" noProof="0">
+                <a:ln>
+                  <a:noFill/>
+                </a:ln>
+                <a:solidFill>
+                  <a:prstClr val="white"/>
+                </a:solidFill>
+                <a:effectLst/>
+                <a:uLnTx/>
+                <a:uFillTx/>
+                <a:latin typeface="나눔고딕" pitchFamily="2" charset="-127"/>
+                <a:ea typeface="나눔고딕" pitchFamily="2" charset="-127"/>
+                <a:cs typeface="+mn-cs"/>
+              </a:rPr>
+            </a:br>
+            <a:r>
+              <a:rPr kumimoji="0" lang="ko-KR" altLang="en-US" sz="2200" b="0" i="0" u="none" strike="noStrike" kern="1200" cap="none" spc="0" normalizeH="0" baseline="0" noProof="0">
+                <a:ln>
+                  <a:noFill/>
+                </a:ln>
+                <a:solidFill>
+                  <a:prstClr val="white"/>
+                </a:solidFill>
+                <a:effectLst/>
+                <a:uLnTx/>
+                <a:uFillTx/>
+                <a:latin typeface="나눔고딕" pitchFamily="2" charset="-127"/>
+                <a:ea typeface="나눔고딕" pitchFamily="2" charset="-127"/>
+                <a:cs typeface="+mn-cs"/>
+              </a:rPr>
+              <a:t>효율적으로 </a:t>
+            </a:r>
+            <a:r>
+              <a:rPr kumimoji="0" lang="ko-KR" altLang="en-US" sz="2200" b="0" i="0" u="none" strike="noStrike" kern="1200" cap="none" spc="0" normalizeH="0" baseline="0" noProof="0" dirty="0">
+                <a:ln>
+                  <a:noFill/>
+                </a:ln>
+                <a:solidFill>
+                  <a:prstClr val="white"/>
+                </a:solidFill>
+                <a:effectLst/>
+                <a:uLnTx/>
+                <a:uFillTx/>
+                <a:latin typeface="나눔고딕" pitchFamily="2" charset="-127"/>
+                <a:ea typeface="나눔고딕" pitchFamily="2" charset="-127"/>
+                <a:cs typeface="+mn-cs"/>
+              </a:rPr>
+              <a:t>관리하는 능력을</a:t>
             </a:r>
             <a:r>
               <a:rPr kumimoji="0" lang="en-US" altLang="ko-KR" sz="2200" b="0" i="0" u="none" strike="noStrike" kern="1200" cap="none" spc="0" normalizeH="0" baseline="0" noProof="0" dirty="0">
@@ -26878,7 +27089,7 @@
               <a:buChar char="•"/>
             </a:pPr>
             <a:r>
-              <a:rPr lang="ko-KR" altLang="en-US" sz="2200" spc="-150" dirty="0">
+              <a:rPr lang="ko-KR" altLang="en-US" sz="2200" spc="-150">
                 <a:solidFill>
                   <a:schemeClr val="tx1">
                     <a:lumMod val="85000"/>
@@ -26891,7 +27102,7 @@
               <a:t>게임은 </a:t>
             </a:r>
             <a:r>
-              <a:rPr lang="en-US" altLang="ko-KR" sz="2200" spc="-150" dirty="0">
+              <a:rPr lang="ko-KR" altLang="en-US" sz="2200" spc="-150">
                 <a:solidFill>
                   <a:schemeClr val="tx1">
                     <a:lumMod val="85000"/>
@@ -26904,7 +27115,23 @@
                 <a:latin typeface="나눔고딕" pitchFamily="2" charset="-127"/>
                 <a:ea typeface="나눔고딕" pitchFamily="2" charset="-127"/>
               </a:rPr>
-              <a:t>3~4</a:t>
+              <a:t>최대 </a:t>
+            </a:r>
+            <a:r>
+              <a:rPr lang="en-US" altLang="ko-KR" sz="2200" spc="-150">
+                <a:solidFill>
+                  <a:schemeClr val="tx1">
+                    <a:lumMod val="85000"/>
+                    <a:lumOff val="15000"/>
+                  </a:schemeClr>
+                </a:solidFill>
+                <a:highlight>
+                  <a:srgbClr val="FFFF99"/>
+                </a:highlight>
+                <a:latin typeface="나눔고딕" pitchFamily="2" charset="-127"/>
+                <a:ea typeface="나눔고딕" pitchFamily="2" charset="-127"/>
+              </a:rPr>
+              <a:t>4</a:t>
             </a:r>
             <a:r>
               <a:rPr lang="ko-KR" altLang="en-US" sz="2200" spc="-150" dirty="0">

--- a/졸작_기획/[수정][제안서] Revenger_김승환_허재성_이세철.pptx
+++ b/졸작_기획/[수정][제안서] Revenger_김승환_허재성_이세철.pptx
@@ -12263,7 +12263,7 @@
           <p:nvPr>
             <p:extLst>
               <p:ext uri="{D42A27DB-BD31-4B8C-83A1-F6EECF244321}">
-                <p14:modId xmlns:p14="http://schemas.microsoft.com/office/powerpoint/2010/main" val="1833797027"/>
+                <p14:modId xmlns:p14="http://schemas.microsoft.com/office/powerpoint/2010/main" val="176600172"/>
               </p:ext>
             </p:extLst>
           </p:nvPr>
@@ -12941,6 +12941,26 @@
                         <a:ea typeface="나눔고딕" pitchFamily="2" charset="-127"/>
                       </a:endParaRPr>
                     </a:p>
+                    <a:p>
+                      <a:pPr marL="285750" indent="-285750" latinLnBrk="1">
+                        <a:lnSpc>
+                          <a:spcPct val="150000"/>
+                        </a:lnSpc>
+                        <a:buFont typeface="Arial" panose="020B0604020202020204" pitchFamily="34" charset="0"/>
+                        <a:buChar char="•"/>
+                      </a:pPr>
+                      <a:r>
+                        <a:rPr lang="ko-KR" altLang="en-US" sz="2000">
+                          <a:latin typeface="나눔고딕" pitchFamily="2" charset="-127"/>
+                          <a:ea typeface="나눔고딕" pitchFamily="2" charset="-127"/>
+                        </a:rPr>
+                        <a:t>데이터베이스 연동</a:t>
+                      </a:r>
+                      <a:endParaRPr lang="en-US" altLang="ko-KR" sz="2000">
+                        <a:latin typeface="나눔고딕" pitchFamily="2" charset="-127"/>
+                        <a:ea typeface="나눔고딕" pitchFamily="2" charset="-127"/>
+                      </a:endParaRPr>
+                    </a:p>
                   </a:txBody>
                   <a:tcPr anchor="ctr">
                     <a:lnL w="12700" cap="flat" cmpd="sng" algn="ctr">
@@ -13038,60 +13058,12 @@
                         </a:rPr>
                         <a:t>설계</a:t>
                       </a:r>
-                      <a:br>
-                        <a:rPr lang="en-US" altLang="ko-KR" sz="2000">
-                          <a:latin typeface="나눔고딕" pitchFamily="2" charset="-127"/>
-                          <a:ea typeface="나눔고딕" pitchFamily="2" charset="-127"/>
-                        </a:rPr>
-                      </a:br>
                       <a:r>
                         <a:rPr lang="en-US" altLang="ko-KR" sz="2000">
                           <a:latin typeface="나눔고딕" pitchFamily="2" charset="-127"/>
                           <a:ea typeface="나눔고딕" pitchFamily="2" charset="-127"/>
                         </a:rPr>
-                        <a:t>Lua Script (</a:t>
-                      </a:r>
-                      <a:r>
-                        <a:rPr lang="ko-KR" altLang="en-US" sz="2000">
-                          <a:latin typeface="나눔고딕" pitchFamily="2" charset="-127"/>
-                          <a:ea typeface="나눔고딕" pitchFamily="2" charset="-127"/>
-                        </a:rPr>
-                        <a:t>적</a:t>
-                      </a:r>
-                      <a:r>
-                        <a:rPr lang="en-US" altLang="ko-KR" sz="2000">
-                          <a:latin typeface="나눔고딕" pitchFamily="2" charset="-127"/>
-                          <a:ea typeface="나눔고딕" pitchFamily="2" charset="-127"/>
-                        </a:rPr>
-                        <a:t> </a:t>
-                      </a:r>
-                      <a:r>
-                        <a:rPr lang="ko-KR" altLang="en-US" sz="2000">
-                          <a:latin typeface="나눔고딕" pitchFamily="2" charset="-127"/>
-                          <a:ea typeface="나눔고딕" pitchFamily="2" charset="-127"/>
-                        </a:rPr>
-                        <a:t>객체</a:t>
-                      </a:r>
-                      <a:r>
-                        <a:rPr lang="en-US" altLang="ko-KR" sz="2000">
-                          <a:latin typeface="나눔고딕" pitchFamily="2" charset="-127"/>
-                          <a:ea typeface="나눔고딕" pitchFamily="2" charset="-127"/>
-                        </a:rPr>
-                        <a:t>, </a:t>
-                      </a:r>
-                      <a:r>
-                        <a:rPr lang="ko-KR" altLang="en-US" sz="2000">
-                          <a:latin typeface="나눔고딕" pitchFamily="2" charset="-127"/>
-                          <a:ea typeface="나눔고딕" pitchFamily="2" charset="-127"/>
-                        </a:rPr>
-                        <a:t>아군</a:t>
-                      </a:r>
-                      <a:r>
-                        <a:rPr lang="en-US" altLang="ko-KR" sz="2000">
-                          <a:latin typeface="나눔고딕" pitchFamily="2" charset="-127"/>
-                          <a:ea typeface="나눔고딕" pitchFamily="2" charset="-127"/>
-                        </a:rPr>
-                        <a:t>)</a:t>
+                        <a:t> (Lua Script)</a:t>
                       </a:r>
                     </a:p>
                     <a:p>
@@ -30588,7 +30560,7 @@
           <p:nvPr>
             <p:extLst>
               <p:ext uri="{D42A27DB-BD31-4B8C-83A1-F6EECF244321}">
-                <p14:modId xmlns:p14="http://schemas.microsoft.com/office/powerpoint/2010/main" val="2158129534"/>
+                <p14:modId xmlns:p14="http://schemas.microsoft.com/office/powerpoint/2010/main" val="1422655154"/>
               </p:ext>
             </p:extLst>
           </p:nvPr>
@@ -30982,21 +30954,35 @@
                           <a:latin typeface="나눔고딕" pitchFamily="2" charset="-127"/>
                           <a:ea typeface="나눔고딕" pitchFamily="2" charset="-127"/>
                         </a:rPr>
-                        <a:t>서버로 서비스 이전</a:t>
+                        <a:t>서버로 서비스 </a:t>
                       </a:r>
                       <a:r>
-                        <a:rPr lang="en-US" altLang="ko-KR" sz="1800" dirty="0">
+                        <a:rPr lang="ko-KR" altLang="en-US" sz="1800">
                           <a:latin typeface="나눔고딕" pitchFamily="2" charset="-127"/>
                           <a:ea typeface="나눔고딕" pitchFamily="2" charset="-127"/>
                         </a:rPr>
-                        <a:t>,</a:t>
+                        <a:t>이전</a:t>
+                      </a:r>
+                      <a:r>
+                        <a:rPr lang="en-US" altLang="ko-KR" sz="1800">
+                          <a:latin typeface="나눔고딕" pitchFamily="2" charset="-127"/>
+                          <a:ea typeface="나눔고딕" pitchFamily="2" charset="-127"/>
+                        </a:rPr>
+                        <a:t>, </a:t>
+                      </a:r>
+                      <a:r>
+                        <a:rPr lang="ko-KR" altLang="en-US" sz="1800">
+                          <a:latin typeface="나눔고딕" pitchFamily="2" charset="-127"/>
+                          <a:ea typeface="나눔고딕" pitchFamily="2" charset="-127"/>
+                        </a:rPr>
+                        <a:t>자가 </a:t>
                       </a:r>
                       <a:r>
                         <a:rPr lang="ko-KR" altLang="en-US" sz="1800" dirty="0">
                           <a:latin typeface="나눔고딕" pitchFamily="2" charset="-127"/>
                           <a:ea typeface="나눔고딕" pitchFamily="2" charset="-127"/>
                         </a:rPr>
-                        <a:t>자가 복구</a:t>
+                        <a:t>복구</a:t>
                       </a:r>
                     </a:p>
                   </a:txBody>
